--- a/se/slides/02_RequirementsEngineering.pptx
+++ b/se/slides/02_RequirementsEngineering.pptx
@@ -5,7 +5,7 @@
     <p:sldMasterId id="2147483648" r:id="rId1"/>
   </p:sldMasterIdLst>
   <p:notesMasterIdLst>
-    <p:notesMasterId r:id="rId55"/>
+    <p:notesMasterId r:id="rId54"/>
   </p:notesMasterIdLst>
   <p:sldIdLst>
     <p:sldId id="319" r:id="rId2"/>
@@ -38,29 +38,28 @@
     <p:sldId id="312" r:id="rId29"/>
     <p:sldId id="273" r:id="rId30"/>
     <p:sldId id="320" r:id="rId31"/>
-    <p:sldId id="277" r:id="rId32"/>
-    <p:sldId id="314" r:id="rId33"/>
-    <p:sldId id="294" r:id="rId34"/>
-    <p:sldId id="315" r:id="rId35"/>
-    <p:sldId id="316" r:id="rId36"/>
-    <p:sldId id="317" r:id="rId37"/>
-    <p:sldId id="321" r:id="rId38"/>
-    <p:sldId id="285" r:id="rId39"/>
-    <p:sldId id="297" r:id="rId40"/>
-    <p:sldId id="287" r:id="rId41"/>
-    <p:sldId id="296" r:id="rId42"/>
-    <p:sldId id="288" r:id="rId43"/>
-    <p:sldId id="289" r:id="rId44"/>
-    <p:sldId id="298" r:id="rId45"/>
-    <p:sldId id="286" r:id="rId46"/>
-    <p:sldId id="279" r:id="rId47"/>
-    <p:sldId id="280" r:id="rId48"/>
-    <p:sldId id="313" r:id="rId49"/>
-    <p:sldId id="295" r:id="rId50"/>
-    <p:sldId id="318" r:id="rId51"/>
-    <p:sldId id="282" r:id="rId52"/>
-    <p:sldId id="283" r:id="rId53"/>
-    <p:sldId id="292" r:id="rId54"/>
+    <p:sldId id="314" r:id="rId32"/>
+    <p:sldId id="277" r:id="rId33"/>
+    <p:sldId id="315" r:id="rId34"/>
+    <p:sldId id="316" r:id="rId35"/>
+    <p:sldId id="317" r:id="rId36"/>
+    <p:sldId id="321" r:id="rId37"/>
+    <p:sldId id="285" r:id="rId38"/>
+    <p:sldId id="297" r:id="rId39"/>
+    <p:sldId id="287" r:id="rId40"/>
+    <p:sldId id="296" r:id="rId41"/>
+    <p:sldId id="288" r:id="rId42"/>
+    <p:sldId id="289" r:id="rId43"/>
+    <p:sldId id="298" r:id="rId44"/>
+    <p:sldId id="286" r:id="rId45"/>
+    <p:sldId id="279" r:id="rId46"/>
+    <p:sldId id="280" r:id="rId47"/>
+    <p:sldId id="313" r:id="rId48"/>
+    <p:sldId id="295" r:id="rId49"/>
+    <p:sldId id="318" r:id="rId50"/>
+    <p:sldId id="282" r:id="rId51"/>
+    <p:sldId id="283" r:id="rId52"/>
+    <p:sldId id="292" r:id="rId53"/>
   </p:sldIdLst>
   <p:sldSz cx="12192000" cy="6858000"/>
   <p:notesSz cx="6858000" cy="9144000"/>
@@ -522,7 +521,6 @@
     </c:plotArea>
     <c:legend>
       <c:legendPos val="b"/>
-      <c:layout/>
       <c:overlay val="0"/>
       <c:spPr>
         <a:noFill/>
@@ -650,7 +648,7 @@
             <a:fld id="{DCD555DF-A998-4826-B2E4-6D27A37DCCB3}" type="datetimeFigureOut">
               <a:rPr lang="de-DE" smtClean="0"/>
               <a:pPr/>
-              <a:t>30.09.2019</a:t>
+              <a:t>15.10.2019</a:t>
             </a:fld>
             <a:endParaRPr lang="en-US"/>
           </a:p>
@@ -1494,52 +1492,152 @@
           <a:lstStyle/>
           <a:p>
             <a:r>
-              <a:rPr lang="en-US"/>
-              <a:t>Studierende, die App</a:t>
-            </a:r>
-            <a:r>
-              <a:rPr lang="en-US" baseline="0"/>
-              <a:t> benutzen</a:t>
-            </a:r>
-          </a:p>
-          <a:p>
-            <a:r>
-              <a:rPr lang="en-US" baseline="0"/>
-              <a:t>Studierende, die App nicht benutzen</a:t>
-            </a:r>
-            <a:endParaRPr lang="en-US"/>
-          </a:p>
-          <a:p>
-            <a:r>
-              <a:rPr lang="en-US"/>
-              <a:t>Mensa-Angestellte</a:t>
-            </a:r>
-          </a:p>
-          <a:p>
-            <a:r>
-              <a:rPr lang="en-US"/>
+              <a:rPr lang="en-US" dirty="0" err="1"/>
+              <a:t>Studierende</a:t>
+            </a:r>
+            <a:r>
+              <a:rPr lang="en-US" dirty="0"/>
+              <a:t>, die App</a:t>
+            </a:r>
+            <a:r>
+              <a:rPr lang="en-US" baseline="0" dirty="0"/>
+              <a:t> </a:t>
+            </a:r>
+            <a:r>
+              <a:rPr lang="en-US" baseline="0" dirty="0" err="1"/>
+              <a:t>benutzen</a:t>
+            </a:r>
+            <a:endParaRPr lang="en-US" baseline="0" dirty="0"/>
+          </a:p>
+          <a:p>
+            <a:r>
+              <a:rPr lang="en-US" baseline="0" dirty="0" err="1"/>
+              <a:t>Studierende</a:t>
+            </a:r>
+            <a:r>
+              <a:rPr lang="en-US" baseline="0" dirty="0"/>
+              <a:t>, die App </a:t>
+            </a:r>
+            <a:r>
+              <a:rPr lang="en-US" baseline="0" dirty="0" err="1"/>
+              <a:t>nicht</a:t>
+            </a:r>
+            <a:r>
+              <a:rPr lang="en-US" baseline="0" dirty="0"/>
+              <a:t> </a:t>
+            </a:r>
+            <a:r>
+              <a:rPr lang="en-US" baseline="0" dirty="0" err="1"/>
+              <a:t>benutzen</a:t>
+            </a:r>
+            <a:endParaRPr lang="en-US" dirty="0"/>
+          </a:p>
+          <a:p>
+            <a:r>
+              <a:rPr lang="en-US" dirty="0"/>
+              <a:t>Mensa-</a:t>
+            </a:r>
+            <a:r>
+              <a:rPr lang="en-US" dirty="0" err="1"/>
+              <a:t>Angestellte</a:t>
+            </a:r>
+            <a:endParaRPr lang="en-US" dirty="0"/>
+          </a:p>
+          <a:p>
+            <a:r>
+              <a:rPr lang="en-US" dirty="0" err="1"/>
               <a:t>Datenschutzbeauftragte</a:t>
             </a:r>
-          </a:p>
-          <a:p>
-            <a:r>
-              <a:rPr lang="en-US"/>
+            <a:endParaRPr lang="en-US" dirty="0"/>
+          </a:p>
+          <a:p>
+            <a:r>
+              <a:rPr lang="en-US" dirty="0" err="1"/>
               <a:t>Mitarbeiter</a:t>
             </a:r>
-          </a:p>
-          <a:p>
-            <a:endParaRPr lang="en-US"/>
-          </a:p>
-          <a:p>
-            <a:r>
-              <a:rPr lang="en-US"/>
+            <a:endParaRPr lang="en-US" dirty="0"/>
+          </a:p>
+          <a:p>
+            <a:endParaRPr lang="en-US" dirty="0"/>
+          </a:p>
+          <a:p>
+            <a:r>
+              <a:rPr lang="en-US" dirty="0" err="1"/>
               <a:t>Beispiel</a:t>
             </a:r>
             <a:r>
-              <a:rPr lang="en-US" baseline="0"/>
-              <a:t>-Anforderung aus Sicht der Studierenden nennen; Plätze in der Mensa reservieren können; kostenlos sein</a:t>
-            </a:r>
-            <a:endParaRPr lang="en-US"/>
+              <a:rPr lang="en-US" baseline="0" dirty="0" err="1"/>
+              <a:t>-Anforderung</a:t>
+            </a:r>
+            <a:r>
+              <a:rPr lang="en-US" baseline="0" dirty="0"/>
+              <a:t> </a:t>
+            </a:r>
+            <a:r>
+              <a:rPr lang="en-US" baseline="0" dirty="0" err="1"/>
+              <a:t>aus</a:t>
+            </a:r>
+            <a:r>
+              <a:rPr lang="en-US" baseline="0" dirty="0"/>
+              <a:t> </a:t>
+            </a:r>
+            <a:r>
+              <a:rPr lang="en-US" baseline="0" dirty="0" err="1"/>
+              <a:t>Sicht</a:t>
+            </a:r>
+            <a:r>
+              <a:rPr lang="en-US" baseline="0" dirty="0"/>
+              <a:t> der </a:t>
+            </a:r>
+            <a:r>
+              <a:rPr lang="en-US" baseline="0" dirty="0" err="1"/>
+              <a:t>Studierenden</a:t>
+            </a:r>
+            <a:r>
+              <a:rPr lang="en-US" baseline="0" dirty="0"/>
+              <a:t> </a:t>
+            </a:r>
+            <a:r>
+              <a:rPr lang="en-US" baseline="0" dirty="0" err="1"/>
+              <a:t>nennen</a:t>
+            </a:r>
+            <a:r>
+              <a:rPr lang="en-US" baseline="0" dirty="0"/>
+              <a:t>; </a:t>
+            </a:r>
+            <a:r>
+              <a:rPr lang="en-US" baseline="0" dirty="0" err="1"/>
+              <a:t>Plätze</a:t>
+            </a:r>
+            <a:r>
+              <a:rPr lang="en-US" baseline="0" dirty="0"/>
+              <a:t> in der Mensa </a:t>
+            </a:r>
+            <a:r>
+              <a:rPr lang="en-US" baseline="0" dirty="0" err="1"/>
+              <a:t>reservieren</a:t>
+            </a:r>
+            <a:r>
+              <a:rPr lang="en-US" baseline="0" dirty="0"/>
+              <a:t> </a:t>
+            </a:r>
+            <a:r>
+              <a:rPr lang="en-US" baseline="0" dirty="0" err="1"/>
+              <a:t>können</a:t>
+            </a:r>
+            <a:r>
+              <a:rPr lang="en-US" baseline="0" dirty="0"/>
+              <a:t>; </a:t>
+            </a:r>
+            <a:r>
+              <a:rPr lang="en-US" baseline="0" dirty="0" err="1"/>
+              <a:t>kostenlos</a:t>
+            </a:r>
+            <a:r>
+              <a:rPr lang="en-US" baseline="0" dirty="0"/>
+              <a:t> sein</a:t>
+            </a:r>
+            <a:endParaRPr lang="en-US" dirty="0"/>
           </a:p>
         </p:txBody>
       </p:sp>
@@ -2480,23 +2578,97 @@
             <p:ph type="sldImg"/>
           </p:nvPr>
         </p:nvSpPr>
+        <p:spPr>
+          <a:xfrm>
+            <a:off x="381000" y="685800"/>
+            <a:ext cx="6096000" cy="3429000"/>
+          </a:xfrm>
+        </p:spPr>
+      </p:sp>
+      <p:sp>
+        <p:nvSpPr>
+          <p:cNvPr id="3" name="Notizenplatzhalter 2"/>
+          <p:cNvSpPr>
+            <a:spLocks noGrp="1"/>
+          </p:cNvSpPr>
+          <p:nvPr>
+            <p:ph type="body" idx="1"/>
+          </p:nvPr>
+        </p:nvSpPr>
         <p:spPr/>
-      </p:sp>
-      <p:sp>
-        <p:nvSpPr>
-          <p:cNvPr id="3" name="Notizenplatzhalter 2"/>
-          <p:cNvSpPr>
-            <a:spLocks noGrp="1"/>
-          </p:cNvSpPr>
-          <p:nvPr>
-            <p:ph type="body" idx="1"/>
-          </p:nvPr>
-        </p:nvSpPr>
-        <p:spPr/>
-        <p:txBody>
-          <a:bodyPr/>
+        <p:txBody>
+          <a:bodyPr>
+            <a:normAutofit/>
+          </a:bodyPr>
           <a:lstStyle/>
           <a:p>
+            <a:r>
+              <a:rPr lang="en-US" dirty="0" err="1"/>
+              <a:t>Gefundene</a:t>
+            </a:r>
+            <a:r>
+              <a:rPr lang="en-US" baseline="0" dirty="0"/>
+              <a:t> </a:t>
+            </a:r>
+            <a:r>
+              <a:rPr lang="en-US" baseline="0" dirty="0" err="1"/>
+              <a:t>Anforderungen</a:t>
+            </a:r>
+            <a:r>
+              <a:rPr lang="en-US" baseline="0" dirty="0"/>
+              <a:t> </a:t>
+            </a:r>
+            <a:r>
+              <a:rPr lang="en-US" baseline="0" dirty="0" err="1"/>
+              <a:t>als</a:t>
+            </a:r>
+            <a:r>
+              <a:rPr lang="en-US" baseline="0" dirty="0"/>
+              <a:t> </a:t>
+            </a:r>
+            <a:r>
+              <a:rPr lang="en-US" baseline="0" dirty="0" err="1"/>
+              <a:t>Beispiele</a:t>
+            </a:r>
+            <a:endParaRPr lang="en-US" baseline="0" dirty="0"/>
+          </a:p>
+          <a:p>
+            <a:r>
+              <a:rPr lang="en-US" baseline="0" dirty="0" err="1"/>
+              <a:t>Daraus</a:t>
+            </a:r>
+            <a:r>
+              <a:rPr lang="en-US" baseline="0" dirty="0"/>
+              <a:t> </a:t>
+            </a:r>
+            <a:r>
+              <a:rPr lang="en-US" baseline="0" dirty="0" err="1"/>
+              <a:t>messbare</a:t>
+            </a:r>
+            <a:r>
+              <a:rPr lang="en-US" baseline="0" dirty="0"/>
+              <a:t> </a:t>
+            </a:r>
+            <a:r>
+              <a:rPr lang="en-US" baseline="0" dirty="0" err="1"/>
+              <a:t>Anforderungen</a:t>
+            </a:r>
+            <a:r>
+              <a:rPr lang="en-US" baseline="0" dirty="0"/>
+              <a:t> </a:t>
+            </a:r>
+            <a:r>
+              <a:rPr lang="en-US" baseline="0" dirty="0" err="1"/>
+              <a:t>generieren</a:t>
+            </a:r>
+            <a:r>
+              <a:rPr lang="en-US" baseline="0" dirty="0"/>
+              <a:t> </a:t>
+            </a:r>
+            <a:r>
+              <a:rPr lang="en-US" baseline="0" dirty="0" err="1"/>
+              <a:t>lassen</a:t>
+            </a:r>
             <a:endParaRPr lang="en-US" dirty="0"/>
           </a:p>
         </p:txBody>
@@ -2519,18 +2691,13 @@
             <a:fld id="{B2DE17EF-A9BB-4D33-B1DA-2A5BBAB4D44E}" type="slidenum">
               <a:rPr lang="en-US" smtClean="0"/>
               <a:pPr/>
-              <a:t>33</a:t>
+              <a:t>35</a:t>
             </a:fld>
             <a:endParaRPr lang="en-US"/>
           </a:p>
         </p:txBody>
       </p:sp>
     </p:spTree>
-    <p:extLst>
-      <p:ext uri="{BB962C8B-B14F-4D97-AF65-F5344CB8AC3E}">
-        <p14:creationId xmlns:p14="http://schemas.microsoft.com/office/powerpoint/2010/main" val="1672229510"/>
-      </p:ext>
-    </p:extLst>
   </p:cSld>
   <p:clrMapOvr>
     <a:masterClrMapping/>
@@ -2565,12 +2732,7 @@
             <p:ph type="sldImg"/>
           </p:nvPr>
         </p:nvSpPr>
-        <p:spPr>
-          <a:xfrm>
-            <a:off x="381000" y="685800"/>
-            <a:ext cx="6096000" cy="3429000"/>
-          </a:xfrm>
-        </p:spPr>
+        <p:spPr/>
       </p:sp>
       <p:sp>
         <p:nvSpPr>
@@ -2584,78 +2746,9 @@
         </p:nvSpPr>
         <p:spPr/>
         <p:txBody>
-          <a:bodyPr>
-            <a:normAutofit/>
-          </a:bodyPr>
+          <a:bodyPr/>
           <a:lstStyle/>
           <a:p>
-            <a:r>
-              <a:rPr lang="en-US" dirty="0" err="1"/>
-              <a:t>Gefundene</a:t>
-            </a:r>
-            <a:r>
-              <a:rPr lang="en-US" baseline="0" dirty="0"/>
-              <a:t> </a:t>
-            </a:r>
-            <a:r>
-              <a:rPr lang="en-US" baseline="0" dirty="0" err="1"/>
-              <a:t>Anforderungen</a:t>
-            </a:r>
-            <a:r>
-              <a:rPr lang="en-US" baseline="0" dirty="0"/>
-              <a:t> </a:t>
-            </a:r>
-            <a:r>
-              <a:rPr lang="en-US" baseline="0" dirty="0" err="1"/>
-              <a:t>als</a:t>
-            </a:r>
-            <a:r>
-              <a:rPr lang="en-US" baseline="0" dirty="0"/>
-              <a:t> </a:t>
-            </a:r>
-            <a:r>
-              <a:rPr lang="en-US" baseline="0" dirty="0" err="1"/>
-              <a:t>Beispiele</a:t>
-            </a:r>
-            <a:endParaRPr lang="en-US" baseline="0" dirty="0"/>
-          </a:p>
-          <a:p>
-            <a:r>
-              <a:rPr lang="en-US" baseline="0" dirty="0" err="1"/>
-              <a:t>Daraus</a:t>
-            </a:r>
-            <a:r>
-              <a:rPr lang="en-US" baseline="0" dirty="0"/>
-              <a:t> </a:t>
-            </a:r>
-            <a:r>
-              <a:rPr lang="en-US" baseline="0" dirty="0" err="1"/>
-              <a:t>messbare</a:t>
-            </a:r>
-            <a:r>
-              <a:rPr lang="en-US" baseline="0" dirty="0"/>
-              <a:t> </a:t>
-            </a:r>
-            <a:r>
-              <a:rPr lang="en-US" baseline="0" dirty="0" err="1"/>
-              <a:t>Anforderungen</a:t>
-            </a:r>
-            <a:r>
-              <a:rPr lang="en-US" baseline="0" dirty="0"/>
-              <a:t> </a:t>
-            </a:r>
-            <a:r>
-              <a:rPr lang="en-US" baseline="0" dirty="0" err="1"/>
-              <a:t>generieren</a:t>
-            </a:r>
-            <a:r>
-              <a:rPr lang="en-US" baseline="0" dirty="0"/>
-              <a:t> </a:t>
-            </a:r>
-            <a:r>
-              <a:rPr lang="en-US" baseline="0" dirty="0" err="1"/>
-              <a:t>lassen</a:t>
-            </a:r>
             <a:endParaRPr lang="en-US" dirty="0"/>
           </a:p>
         </p:txBody>
@@ -2685,6 +2778,11 @@
         </p:txBody>
       </p:sp>
     </p:spTree>
+    <p:extLst>
+      <p:ext uri="{BB962C8B-B14F-4D97-AF65-F5344CB8AC3E}">
+        <p14:creationId xmlns:p14="http://schemas.microsoft.com/office/powerpoint/2010/main" val="2626155506"/>
+      </p:ext>
+    </p:extLst>
   </p:cSld>
   <p:clrMapOvr>
     <a:masterClrMapping/>
@@ -2719,22 +2817,105 @@
             <p:ph type="sldImg"/>
           </p:nvPr>
         </p:nvSpPr>
+        <p:spPr>
+          <a:xfrm>
+            <a:off x="381000" y="685800"/>
+            <a:ext cx="6096000" cy="3429000"/>
+          </a:xfrm>
+        </p:spPr>
+      </p:sp>
+      <p:sp>
+        <p:nvSpPr>
+          <p:cNvPr id="3" name="Notizenplatzhalter 2"/>
+          <p:cNvSpPr>
+            <a:spLocks noGrp="1"/>
+          </p:cNvSpPr>
+          <p:nvPr>
+            <p:ph type="body" idx="1"/>
+          </p:nvPr>
+        </p:nvSpPr>
         <p:spPr/>
-      </p:sp>
-      <p:sp>
-        <p:nvSpPr>
-          <p:cNvPr id="3" name="Notizenplatzhalter 2"/>
-          <p:cNvSpPr>
-            <a:spLocks noGrp="1"/>
-          </p:cNvSpPr>
-          <p:nvPr>
-            <p:ph type="body" idx="1"/>
-          </p:nvPr>
-        </p:nvSpPr>
-        <p:spPr/>
-        <p:txBody>
-          <a:bodyPr/>
+        <p:txBody>
+          <a:bodyPr>
+            <a:normAutofit/>
+          </a:bodyPr>
           <a:lstStyle/>
+          <a:p>
+            <a:pPr lvl="1"/>
+            <a:r>
+              <a:rPr lang="de-DE" dirty="0" err="1"/>
+              <a:t>Functionality</a:t>
+            </a:r>
+            <a:r>
+              <a:rPr lang="de-DE" dirty="0"/>
+              <a:t> – was geleistet werden muss</a:t>
+            </a:r>
+          </a:p>
+          <a:p>
+            <a:pPr lvl="1"/>
+            <a:endParaRPr lang="de-DE" dirty="0"/>
+          </a:p>
+          <a:p>
+            <a:pPr lvl="1"/>
+            <a:r>
+              <a:rPr lang="de-DE" dirty="0"/>
+              <a:t>Usability – zentrale (</a:t>
+            </a:r>
+            <a:r>
+              <a:rPr lang="de-DE" dirty="0" err="1"/>
+              <a:t>Be</a:t>
+            </a:r>
+            <a:r>
+              <a:rPr lang="de-DE" dirty="0"/>
+              <a:t>-)</a:t>
+            </a:r>
+            <a:r>
+              <a:rPr lang="de-DE" dirty="0" err="1"/>
+              <a:t>nutzungskonzepte</a:t>
+            </a:r>
+            <a:endParaRPr lang="de-DE" dirty="0"/>
+          </a:p>
+          <a:p>
+            <a:pPr lvl="1"/>
+            <a:endParaRPr lang="de-DE" dirty="0"/>
+          </a:p>
+          <a:p>
+            <a:pPr lvl="1"/>
+            <a:r>
+              <a:rPr lang="de-DE" dirty="0" err="1"/>
+              <a:t>Reliability</a:t>
+            </a:r>
+            <a:r>
+              <a:rPr lang="de-DE" dirty="0"/>
+              <a:t> – Zuverlässigkeit, Ausfalltoleranz</a:t>
+            </a:r>
+          </a:p>
+          <a:p>
+            <a:pPr lvl="1"/>
+            <a:endParaRPr lang="de-DE" dirty="0"/>
+          </a:p>
+          <a:p>
+            <a:pPr lvl="1"/>
+            <a:r>
+              <a:rPr lang="de-DE" dirty="0"/>
+              <a:t>Performance - Leistungsanforderungen</a:t>
+            </a:r>
+          </a:p>
+          <a:p>
+            <a:pPr lvl="1"/>
+            <a:endParaRPr lang="de-DE" dirty="0"/>
+          </a:p>
+          <a:p>
+            <a:pPr lvl="1"/>
+            <a:r>
+              <a:rPr lang="de-DE" dirty="0" err="1"/>
+              <a:t>Supportability</a:t>
+            </a:r>
+            <a:r>
+              <a:rPr lang="de-DE" dirty="0"/>
+              <a:t> – Wartbarkeit, Installation, Service</a:t>
+            </a:r>
+          </a:p>
           <a:p>
             <a:endParaRPr lang="en-US" dirty="0"/>
           </a:p>
@@ -2765,11 +2946,6 @@
         </p:txBody>
       </p:sp>
     </p:spTree>
-    <p:extLst>
-      <p:ext uri="{BB962C8B-B14F-4D97-AF65-F5344CB8AC3E}">
-        <p14:creationId xmlns:p14="http://schemas.microsoft.com/office/powerpoint/2010/main" val="2626155506"/>
-      </p:ext>
-    </p:extLst>
   </p:cSld>
   <p:clrMapOvr>
     <a:masterClrMapping/>
@@ -2828,83 +3004,10 @@
           </a:bodyPr>
           <a:lstStyle/>
           <a:p>
-            <a:pPr lvl="1"/>
-            <a:r>
-              <a:rPr lang="de-DE" dirty="0" err="1"/>
-              <a:t>Functionality</a:t>
-            </a:r>
-            <a:r>
-              <a:rPr lang="de-DE" dirty="0"/>
-              <a:t> – was geleistet werden muss</a:t>
-            </a:r>
-          </a:p>
-          <a:p>
-            <a:pPr lvl="1"/>
-            <a:endParaRPr lang="de-DE" dirty="0"/>
-          </a:p>
-          <a:p>
-            <a:pPr lvl="1"/>
-            <a:r>
-              <a:rPr lang="de-DE" dirty="0"/>
-              <a:t>Usability – zentrale (</a:t>
-            </a:r>
-            <a:r>
-              <a:rPr lang="de-DE" dirty="0" err="1"/>
-              <a:t>Be</a:t>
-            </a:r>
-            <a:r>
-              <a:rPr lang="de-DE" dirty="0"/>
-              <a:t>-)</a:t>
-            </a:r>
-            <a:r>
-              <a:rPr lang="de-DE" dirty="0" err="1"/>
-              <a:t>nutzungskonzepte</a:t>
-            </a:r>
-            <a:endParaRPr lang="de-DE" dirty="0"/>
-          </a:p>
-          <a:p>
-            <a:pPr lvl="1"/>
-            <a:endParaRPr lang="de-DE" dirty="0"/>
-          </a:p>
-          <a:p>
-            <a:pPr lvl="1"/>
-            <a:r>
-              <a:rPr lang="de-DE" dirty="0" err="1"/>
-              <a:t>Reliability</a:t>
-            </a:r>
-            <a:r>
-              <a:rPr lang="de-DE" dirty="0"/>
-              <a:t> – Zuverlässigkeit, Ausfalltoleranz</a:t>
-            </a:r>
-          </a:p>
-          <a:p>
-            <a:pPr lvl="1"/>
-            <a:endParaRPr lang="de-DE" dirty="0"/>
-          </a:p>
-          <a:p>
-            <a:pPr lvl="1"/>
-            <a:r>
-              <a:rPr lang="de-DE" dirty="0"/>
-              <a:t>Performance - Leistungsanforderungen</a:t>
-            </a:r>
-          </a:p>
-          <a:p>
-            <a:pPr lvl="1"/>
-            <a:endParaRPr lang="de-DE" dirty="0"/>
-          </a:p>
-          <a:p>
-            <a:pPr lvl="1"/>
-            <a:r>
-              <a:rPr lang="de-DE" dirty="0" err="1"/>
-              <a:t>Supportability</a:t>
-            </a:r>
-            <a:r>
-              <a:rPr lang="de-DE" dirty="0"/>
-              <a:t> – Wartbarkeit, Installation, Service</a:t>
-            </a:r>
-          </a:p>
-          <a:p>
-            <a:endParaRPr lang="en-US" dirty="0"/>
+            <a:r>
+              <a:rPr lang="en-US"/>
+              <a:t>Erhältlich beim Übungsleiter auf Anfrage</a:t>
+            </a:r>
           </a:p>
         </p:txBody>
       </p:sp>
@@ -2926,7 +3029,7 @@
             <a:fld id="{B2DE17EF-A9BB-4D33-B1DA-2A5BBAB4D44E}" type="slidenum">
               <a:rPr lang="en-US" smtClean="0"/>
               <a:pPr/>
-              <a:t>38</a:t>
+              <a:t>39</a:t>
             </a:fld>
             <a:endParaRPr lang="en-US"/>
           </a:p>
@@ -2992,9 +3095,70 @@
           <a:lstStyle/>
           <a:p>
             <a:r>
-              <a:rPr lang="en-US"/>
-              <a:t>Erhältlich beim Übungsleiter auf Anfrage</a:t>
-            </a:r>
+              <a:rPr lang="en-US" dirty="0" err="1"/>
+              <a:t>Bei</a:t>
+            </a:r>
+            <a:r>
+              <a:rPr lang="en-US" baseline="0" dirty="0"/>
+              <a:t> </a:t>
+            </a:r>
+            <a:r>
+              <a:rPr lang="en-US" baseline="0" dirty="0" err="1"/>
+              <a:t>Beschreibung</a:t>
+            </a:r>
+            <a:r>
+              <a:rPr lang="en-US" baseline="0" dirty="0"/>
+              <a:t> </a:t>
+            </a:r>
+            <a:r>
+              <a:rPr lang="en-US" baseline="0" dirty="0" err="1"/>
+              <a:t>darauf</a:t>
+            </a:r>
+            <a:r>
+              <a:rPr lang="en-US" baseline="0" dirty="0"/>
+              <a:t> </a:t>
+            </a:r>
+            <a:r>
+              <a:rPr lang="en-US" baseline="0" dirty="0" err="1"/>
+              <a:t>achten</a:t>
+            </a:r>
+            <a:r>
+              <a:rPr lang="en-US" baseline="0" dirty="0"/>
+              <a:t>, </a:t>
+            </a:r>
+            <a:r>
+              <a:rPr lang="en-US" baseline="0" dirty="0" err="1"/>
+              <a:t>dass</a:t>
+            </a:r>
+            <a:r>
+              <a:rPr lang="en-US" baseline="0" dirty="0"/>
+              <a:t> </a:t>
+            </a:r>
+            <a:r>
+              <a:rPr lang="en-US" baseline="0" dirty="0" err="1"/>
+              <a:t>Anforderungen</a:t>
+            </a:r>
+            <a:r>
+              <a:rPr lang="en-US" baseline="0" dirty="0"/>
+              <a:t> gut </a:t>
+            </a:r>
+            <a:r>
+              <a:rPr lang="en-US" baseline="0" dirty="0" err="1"/>
+              <a:t>definiert</a:t>
+            </a:r>
+            <a:r>
+              <a:rPr lang="en-US" baseline="0" dirty="0"/>
+              <a:t> </a:t>
+            </a:r>
+            <a:r>
+              <a:rPr lang="en-US" baseline="0" dirty="0" err="1"/>
+              <a:t>sind</a:t>
+            </a:r>
+            <a:r>
+              <a:rPr lang="en-US" baseline="0" dirty="0"/>
+              <a:t>.</a:t>
+            </a:r>
+            <a:endParaRPr lang="en-US" dirty="0"/>
           </a:p>
         </p:txBody>
       </p:sp>
@@ -3016,158 +3180,7 @@
             <a:fld id="{B2DE17EF-A9BB-4D33-B1DA-2A5BBAB4D44E}" type="slidenum">
               <a:rPr lang="en-US" smtClean="0"/>
               <a:pPr/>
-              <a:t>40</a:t>
-            </a:fld>
-            <a:endParaRPr lang="en-US"/>
-          </a:p>
-        </p:txBody>
-      </p:sp>
-    </p:spTree>
-  </p:cSld>
-  <p:clrMapOvr>
-    <a:masterClrMapping/>
-  </p:clrMapOvr>
-</p:notes>
-</file>
-
-<file path=ppt/notesSlides/notesSlide26.xml><?xml version="1.0" encoding="utf-8"?>
-<p:notes xmlns:a="http://schemas.openxmlformats.org/drawingml/2006/main" xmlns:r="http://schemas.openxmlformats.org/officeDocument/2006/relationships" xmlns:p="http://schemas.openxmlformats.org/presentationml/2006/main">
-  <p:cSld>
-    <p:spTree>
-      <p:nvGrpSpPr>
-        <p:cNvPr id="1" name=""/>
-        <p:cNvGrpSpPr/>
-        <p:nvPr/>
-      </p:nvGrpSpPr>
-      <p:grpSpPr>
-        <a:xfrm>
-          <a:off x="0" y="0"/>
-          <a:ext cx="0" cy="0"/>
-          <a:chOff x="0" y="0"/>
-          <a:chExt cx="0" cy="0"/>
-        </a:xfrm>
-      </p:grpSpPr>
-      <p:sp>
-        <p:nvSpPr>
-          <p:cNvPr id="2" name="Folienbildplatzhalter 1"/>
-          <p:cNvSpPr>
-            <a:spLocks noGrp="1" noRot="1" noChangeAspect="1"/>
-          </p:cNvSpPr>
-          <p:nvPr>
-            <p:ph type="sldImg"/>
-          </p:nvPr>
-        </p:nvSpPr>
-        <p:spPr>
-          <a:xfrm>
-            <a:off x="381000" y="685800"/>
-            <a:ext cx="6096000" cy="3429000"/>
-          </a:xfrm>
-        </p:spPr>
-      </p:sp>
-      <p:sp>
-        <p:nvSpPr>
-          <p:cNvPr id="3" name="Notizenplatzhalter 2"/>
-          <p:cNvSpPr>
-            <a:spLocks noGrp="1"/>
-          </p:cNvSpPr>
-          <p:nvPr>
-            <p:ph type="body" idx="1"/>
-          </p:nvPr>
-        </p:nvSpPr>
-        <p:spPr/>
-        <p:txBody>
-          <a:bodyPr>
-            <a:normAutofit/>
-          </a:bodyPr>
-          <a:lstStyle/>
-          <a:p>
-            <a:r>
-              <a:rPr lang="en-US" dirty="0" err="1"/>
-              <a:t>Bei</a:t>
-            </a:r>
-            <a:r>
-              <a:rPr lang="en-US" baseline="0" dirty="0"/>
-              <a:t> </a:t>
-            </a:r>
-            <a:r>
-              <a:rPr lang="en-US" baseline="0" dirty="0" err="1"/>
-              <a:t>Beschreibung</a:t>
-            </a:r>
-            <a:r>
-              <a:rPr lang="en-US" baseline="0" dirty="0"/>
-              <a:t> </a:t>
-            </a:r>
-            <a:r>
-              <a:rPr lang="en-US" baseline="0" dirty="0" err="1"/>
-              <a:t>darauf</a:t>
-            </a:r>
-            <a:r>
-              <a:rPr lang="en-US" baseline="0" dirty="0"/>
-              <a:t> </a:t>
-            </a:r>
-            <a:r>
-              <a:rPr lang="en-US" baseline="0" dirty="0" err="1"/>
-              <a:t>achten</a:t>
-            </a:r>
-            <a:r>
-              <a:rPr lang="en-US" baseline="0" dirty="0"/>
-              <a:t>, </a:t>
-            </a:r>
-            <a:r>
-              <a:rPr lang="en-US" baseline="0" dirty="0" err="1"/>
-              <a:t>dass</a:t>
-            </a:r>
-            <a:r>
-              <a:rPr lang="en-US" baseline="0" dirty="0"/>
-              <a:t> </a:t>
-            </a:r>
-            <a:r>
-              <a:rPr lang="en-US" baseline="0" dirty="0" err="1"/>
-              <a:t>Anforderungen</a:t>
-            </a:r>
-            <a:r>
-              <a:rPr lang="en-US" baseline="0" dirty="0"/>
-              <a:t> gut </a:t>
-            </a:r>
-            <a:r>
-              <a:rPr lang="en-US" baseline="0" dirty="0" err="1"/>
-              <a:t>definiert</a:t>
-            </a:r>
-            <a:r>
-              <a:rPr lang="en-US" baseline="0" dirty="0"/>
-              <a:t> </a:t>
-            </a:r>
-            <a:r>
-              <a:rPr lang="en-US" baseline="0" dirty="0" err="1"/>
-              <a:t>sind</a:t>
-            </a:r>
-            <a:r>
-              <a:rPr lang="en-US" baseline="0" dirty="0"/>
-              <a:t>.</a:t>
-            </a:r>
-            <a:endParaRPr lang="en-US" dirty="0"/>
-          </a:p>
-        </p:txBody>
-      </p:sp>
-      <p:sp>
-        <p:nvSpPr>
-          <p:cNvPr id="4" name="Foliennummernplatzhalter 3"/>
-          <p:cNvSpPr>
-            <a:spLocks noGrp="1"/>
-          </p:cNvSpPr>
-          <p:nvPr>
-            <p:ph type="sldNum" sz="quarter" idx="10"/>
-          </p:nvPr>
-        </p:nvSpPr>
-        <p:spPr/>
-        <p:txBody>
-          <a:bodyPr/>
-          <a:lstStyle/>
-          <a:p>
-            <a:fld id="{B2DE17EF-A9BB-4D33-B1DA-2A5BBAB4D44E}" type="slidenum">
-              <a:rPr lang="en-US" smtClean="0"/>
-              <a:pPr/>
-              <a:t>45</a:t>
+              <a:t>44</a:t>
             </a:fld>
             <a:endParaRPr lang="en-US"/>
           </a:p>
@@ -3249,13 +3262,8 @@
           <a:p>
             <a:r>
               <a:rPr lang="de-DE" baseline="0" dirty="0" smtClean="0"/>
-              <a:t>Vertrag/Standard: </a:t>
-            </a:r>
-            <a:r>
-              <a:rPr lang="de-DE" baseline="0" dirty="0" smtClean="0"/>
-              <a:t>Sicherheitsverhalten beim AT &amp; T Netzwerk, falls ein Switch ausfiel (führte zu einer Kettenreaktion); North East Blackout: Sicherstellen von Verteilen der Last</a:t>
-            </a:r>
-            <a:endParaRPr lang="de-DE" baseline="0" dirty="0" smtClean="0"/>
+              <a:t>Vertrag/Standard: Sicherheitsverhalten beim AT &amp; T Netzwerk, falls ein Switch ausfiel (führte zu einer Kettenreaktion); North East Blackout: Sicherstellen von Verteilen der Last</a:t>
+            </a:r>
           </a:p>
           <a:p>
             <a:r>
@@ -3392,11 +3400,7 @@
             </a:r>
             <a:r>
               <a:rPr lang="de-DE" baseline="0" dirty="0" smtClean="0"/>
-              <a:t>: </a:t>
-            </a:r>
-            <a:r>
-              <a:rPr lang="de-DE" baseline="0" dirty="0" smtClean="0"/>
-              <a:t>Sollte sich im Notfall einschalten</a:t>
+              <a:t>: Sollte sich im Notfall einschalten</a:t>
             </a:r>
           </a:p>
           <a:p>
@@ -3691,7 +3695,7 @@
         <p:spPr/>
         <p:txBody>
           <a:bodyPr>
-            <a:normAutofit lnSpcReduction="10000"/>
+            <a:normAutofit fontScale="70000" lnSpcReduction="20000"/>
           </a:bodyPr>
           <a:lstStyle/>
           <a:p>
@@ -4197,7 +4201,7 @@
               <a:pPr>
                 <a:defRPr/>
               </a:pPr>
-              <a:t>30.09.2019</a:t>
+              <a:t>15.10.2019</a:t>
             </a:fld>
             <a:endParaRPr lang="de-DE"/>
           </a:p>
@@ -4393,7 +4397,7 @@
             <a:fld id="{9E61CC21-B26F-4586-88BB-6E8D92114321}" type="datetime1">
               <a:rPr lang="de-DE" smtClean="0"/>
               <a:pPr/>
-              <a:t>30.09.2019</a:t>
+              <a:t>15.10.2019</a:t>
             </a:fld>
             <a:endParaRPr lang="de-DE"/>
           </a:p>
@@ -4639,7 +4643,7 @@
             <a:fld id="{E41E21B1-5E32-4670-8686-EF35BFCF47B3}" type="datetime1">
               <a:rPr lang="de-DE" smtClean="0"/>
               <a:pPr/>
-              <a:t>30.09.2019</a:t>
+              <a:t>15.10.2019</a:t>
             </a:fld>
             <a:endParaRPr lang="de-DE"/>
           </a:p>
@@ -4925,7 +4929,7 @@
             <a:fld id="{0BF00947-966B-4F5F-9E15-7684178BD27C}" type="datetime1">
               <a:rPr lang="de-DE" smtClean="0"/>
               <a:pPr/>
-              <a:t>30.09.2019</a:t>
+              <a:t>15.10.2019</a:t>
             </a:fld>
             <a:endParaRPr lang="de-DE"/>
           </a:p>
@@ -5219,7 +5223,7 @@
             <a:fld id="{C9EB1DF9-88FB-48FC-A405-BF23CB33E452}" type="datetime1">
               <a:rPr lang="de-DE" smtClean="0"/>
               <a:pPr/>
-              <a:t>30.09.2019</a:t>
+              <a:t>15.10.2019</a:t>
             </a:fld>
             <a:endParaRPr lang="de-DE"/>
           </a:p>
@@ -5639,7 +5643,7 @@
             <a:fld id="{3F00A75E-DFE9-4E93-B3F8-F158B8DA0622}" type="datetime1">
               <a:rPr lang="de-DE" smtClean="0"/>
               <a:pPr/>
-              <a:t>30.09.2019</a:t>
+              <a:t>15.10.2019</a:t>
             </a:fld>
             <a:endParaRPr lang="de-DE"/>
           </a:p>
@@ -6067,7 +6071,7 @@
             <a:fld id="{697AC762-A805-456A-99C4-752A731E7576}" type="datetime1">
               <a:rPr lang="de-DE" smtClean="0"/>
               <a:pPr/>
-              <a:t>30.09.2019</a:t>
+              <a:t>15.10.2019</a:t>
             </a:fld>
             <a:endParaRPr lang="de-DE"/>
           </a:p>
@@ -6185,7 +6189,7 @@
             <a:fld id="{16987D21-B5E2-4C5A-AE86-429CB3A1FDF1}" type="datetime1">
               <a:rPr lang="de-DE" smtClean="0"/>
               <a:pPr/>
-              <a:t>30.09.2019</a:t>
+              <a:t>15.10.2019</a:t>
             </a:fld>
             <a:endParaRPr lang="de-DE"/>
           </a:p>
@@ -6281,7 +6285,7 @@
             <a:fld id="{505B8B04-CAD8-448A-B87A-E0F30A453DA2}" type="datetime1">
               <a:rPr lang="de-DE" smtClean="0"/>
               <a:pPr/>
-              <a:t>30.09.2019</a:t>
+              <a:t>15.10.2019</a:t>
             </a:fld>
             <a:endParaRPr lang="de-DE"/>
           </a:p>
@@ -6557,7 +6561,7 @@
             <a:fld id="{5E791660-6CFF-46FF-B82D-1CCFA422E718}" type="datetime1">
               <a:rPr lang="de-DE" smtClean="0"/>
               <a:pPr/>
-              <a:t>30.09.2019</a:t>
+              <a:t>15.10.2019</a:t>
             </a:fld>
             <a:endParaRPr lang="de-DE"/>
           </a:p>
@@ -6810,7 +6814,7 @@
             <a:fld id="{26086489-D1D5-4BAA-8284-C1B8F4E27246}" type="datetime1">
               <a:rPr lang="de-DE" smtClean="0"/>
               <a:pPr/>
-              <a:t>30.09.2019</a:t>
+              <a:t>15.10.2019</a:t>
             </a:fld>
             <a:endParaRPr lang="de-DE"/>
           </a:p>
@@ -7090,7 +7094,7 @@
               <a:pPr>
                 <a:defRPr/>
               </a:pPr>
-              <a:t>30.09.2019</a:t>
+              <a:t>15.10.2019</a:t>
             </a:fld>
             <a:endParaRPr lang="de-DE"/>
           </a:p>
@@ -7393,7 +7397,7 @@
             <a:fld id="{791E87CA-2A49-4FF4-B052-C1E29E871362}" type="datetime1">
               <a:rPr lang="de-DE" smtClean="0"/>
               <a:pPr/>
-              <a:t>30.09.2019</a:t>
+              <a:t>15.10.2019</a:t>
             </a:fld>
             <a:endParaRPr lang="de-DE"/>
           </a:p>
@@ -7572,7 +7576,7 @@
             <a:fld id="{AD97239D-A672-4B9A-A67A-D231FAA20F20}" type="datetime1">
               <a:rPr lang="de-DE" smtClean="0"/>
               <a:pPr/>
-              <a:t>30.09.2019</a:t>
+              <a:t>15.10.2019</a:t>
             </a:fld>
             <a:endParaRPr lang="de-DE"/>
           </a:p>
@@ -7823,7 +7827,7 @@
               <a:pPr>
                 <a:defRPr/>
               </a:pPr>
-              <a:t>30.09.2019</a:t>
+              <a:t>15.10.2019</a:t>
             </a:fld>
             <a:endParaRPr lang="de-DE"/>
           </a:p>
@@ -8214,7 +8218,7 @@
               <a:pPr>
                 <a:defRPr/>
               </a:pPr>
-              <a:t>30.09.2019</a:t>
+              <a:t>15.10.2019</a:t>
             </a:fld>
             <a:endParaRPr lang="de-DE"/>
           </a:p>
@@ -8608,7 +8612,7 @@
               <a:pPr>
                 <a:defRPr/>
               </a:pPr>
-              <a:t>30.09.2019</a:t>
+              <a:t>15.10.2019</a:t>
             </a:fld>
             <a:endParaRPr lang="de-DE"/>
           </a:p>
@@ -9201,7 +9205,7 @@
               <a:pPr>
                 <a:defRPr/>
               </a:pPr>
-              <a:t>30.09.2019</a:t>
+              <a:t>15.10.2019</a:t>
             </a:fld>
             <a:endParaRPr lang="de-DE"/>
           </a:p>
@@ -9527,7 +9531,7 @@
               <a:pPr>
                 <a:defRPr/>
               </a:pPr>
-              <a:t>30.09.2019</a:t>
+              <a:t>15.10.2019</a:t>
             </a:fld>
             <a:endParaRPr lang="de-DE"/>
           </a:p>
@@ -9839,7 +9843,7 @@
               <a:pPr>
                 <a:defRPr/>
               </a:pPr>
-              <a:t>30.09.2019</a:t>
+              <a:t>15.10.2019</a:t>
             </a:fld>
             <a:endParaRPr lang="de-DE"/>
           </a:p>
@@ -10107,7 +10111,7 @@
             <a:fld id="{85E1837E-68D7-4B43-A3BD-E70A8A3CF731}" type="datetime1">
               <a:rPr lang="de-DE" smtClean="0"/>
               <a:pPr/>
-              <a:t>30.09.2019</a:t>
+              <a:t>15.10.2019</a:t>
             </a:fld>
             <a:endParaRPr lang="de-DE"/>
           </a:p>
@@ -10319,7 +10323,7 @@
             <a:fld id="{3CAC3472-8307-4DC0-9F38-E33F8AECC696}" type="datetime1">
               <a:rPr lang="de-DE" smtClean="0"/>
               <a:pPr/>
-              <a:t>30.09.2019</a:t>
+              <a:t>15.10.2019</a:t>
             </a:fld>
             <a:endParaRPr lang="de-DE"/>
           </a:p>
@@ -11012,53 +11016,6 @@
           </a:p>
         </p:txBody>
       </p:sp>
-      <p:pic>
-        <p:nvPicPr>
-          <p:cNvPr id="13" name="Picture 2" descr="http://www.uni-weimar.de/medien/webis/events/pan-15/pan15-figures/logo-bauhaus-universitaet-weimar.png">
-            <a:extLst>
-              <a:ext uri="{FF2B5EF4-FFF2-40B4-BE49-F238E27FC236}">
-                <a16:creationId xmlns:a16="http://schemas.microsoft.com/office/drawing/2014/main" id="{7935A4C3-4C78-4B31-8C0D-453A0C1CEADA}"/>
-              </a:ext>
-            </a:extLst>
-          </p:cNvPr>
-          <p:cNvPicPr>
-            <a:picLocks noChangeAspect="1" noChangeArrowheads="1"/>
-          </p:cNvPicPr>
-          <p:nvPr/>
-        </p:nvPicPr>
-        <p:blipFill>
-          <a:blip r:embed="rId3">
-            <a:extLst>
-              <a:ext uri="{28A0092B-C50C-407E-A947-70E740481C1C}">
-                <a14:useLocalDpi xmlns:a14="http://schemas.microsoft.com/office/drawing/2010/main" val="0"/>
-              </a:ext>
-            </a:extLst>
-          </a:blip>
-          <a:srcRect/>
-          <a:stretch>
-            <a:fillRect/>
-          </a:stretch>
-        </p:blipFill>
-        <p:spPr bwMode="auto">
-          <a:xfrm>
-            <a:off x="5807968" y="3953006"/>
-            <a:ext cx="4283968" cy="1092560"/>
-          </a:xfrm>
-          <a:prstGeom prst="rect">
-            <a:avLst/>
-          </a:prstGeom>
-          <a:noFill/>
-          <a:extLst>
-            <a:ext uri="{909E8E84-426E-40DD-AFC4-6F175D3DCCD1}">
-              <a14:hiddenFill xmlns:a14="http://schemas.microsoft.com/office/drawing/2010/main">
-                <a:solidFill>
-                  <a:srgbClr val="FFFFFF"/>
-                </a:solidFill>
-              </a14:hiddenFill>
-            </a:ext>
-          </a:extLst>
-        </p:spPr>
-      </p:pic>
       <p:sp>
         <p:nvSpPr>
           <p:cNvPr id="14" name="Untertitel 2">
@@ -11294,42 +11251,6 @@
           </a:p>
         </p:txBody>
       </p:sp>
-      <p:pic>
-        <p:nvPicPr>
-          <p:cNvPr id="15" name="Grafik 14">
-            <a:extLst>
-              <a:ext uri="{FF2B5EF4-FFF2-40B4-BE49-F238E27FC236}">
-                <a16:creationId xmlns:a16="http://schemas.microsoft.com/office/drawing/2014/main" id="{53786369-50EE-4F6A-9EF8-F342C14534B5}"/>
-              </a:ext>
-            </a:extLst>
-          </p:cNvPr>
-          <p:cNvPicPr>
-            <a:picLocks noChangeAspect="1"/>
-          </p:cNvPicPr>
-          <p:nvPr/>
-        </p:nvPicPr>
-        <p:blipFill>
-          <a:blip r:embed="rId4">
-            <a:extLst>
-              <a:ext uri="{28A0092B-C50C-407E-A947-70E740481C1C}">
-                <a14:useLocalDpi xmlns:a14="http://schemas.microsoft.com/office/drawing/2010/main" val="0"/>
-              </a:ext>
-            </a:extLst>
-          </a:blip>
-          <a:stretch>
-            <a:fillRect/>
-          </a:stretch>
-        </p:blipFill>
-        <p:spPr>
-          <a:xfrm>
-            <a:off x="2210296" y="2663375"/>
-            <a:ext cx="2844824" cy="2515326"/>
-          </a:xfrm>
-          <a:prstGeom prst="rect">
-            <a:avLst/>
-          </a:prstGeom>
-        </p:spPr>
-      </p:pic>
     </p:spTree>
     <p:extLst>
       <p:ext uri="{BB962C8B-B14F-4D97-AF65-F5344CB8AC3E}">
@@ -12255,7 +12176,7 @@
           <a:p>
             <a:r>
               <a:rPr lang="de-DE" dirty="0" smtClean="0"/>
-              <a:t>Problem </a:t>
+              <a:t>Probleme </a:t>
             </a:r>
             <a:r>
               <a:rPr lang="de-DE" dirty="0"/>
@@ -12990,11 +12911,11 @@
   <p:clrMapOvr>
     <a:masterClrMapping/>
   </p:clrMapOvr>
-  <mc:AlternateContent xmlns:mc="http://schemas.openxmlformats.org/markup-compatibility/2006">
-    <mc:Choice xmlns:p14="http://schemas.microsoft.com/office/powerpoint/2010/main" Requires="p14">
+  <mc:AlternateContent xmlns:mc="http://schemas.openxmlformats.org/markup-compatibility/2006" xmlns:p14="http://schemas.microsoft.com/office/powerpoint/2010/main">
+    <mc:Choice Requires="p14">
       <p:transition spd="slow" p14:dur="2000"/>
     </mc:Choice>
-    <mc:Fallback>
+    <mc:Fallback xmlns="">
       <p:transition spd="slow"/>
     </mc:Fallback>
   </mc:AlternateContent>
@@ -13189,11 +13110,11 @@
   <p:clrMapOvr>
     <a:masterClrMapping/>
   </p:clrMapOvr>
-  <mc:AlternateContent xmlns:mc="http://schemas.openxmlformats.org/markup-compatibility/2006">
-    <mc:Choice xmlns:p14="http://schemas.microsoft.com/office/powerpoint/2010/main" Requires="p14">
+  <mc:AlternateContent xmlns:mc="http://schemas.openxmlformats.org/markup-compatibility/2006" xmlns:p14="http://schemas.microsoft.com/office/powerpoint/2010/main">
+    <mc:Choice Requires="p14">
       <p:transition spd="slow" p14:dur="2000"/>
     </mc:Choice>
-    <mc:Fallback>
+    <mc:Fallback xmlns="">
       <p:transition spd="slow"/>
     </mc:Fallback>
   </mc:AlternateContent>
@@ -15403,11 +15324,11 @@
   <p:clrMapOvr>
     <a:masterClrMapping/>
   </p:clrMapOvr>
-  <mc:AlternateContent xmlns:mc="http://schemas.openxmlformats.org/markup-compatibility/2006">
-    <mc:Choice xmlns:p14="http://schemas.microsoft.com/office/powerpoint/2010/main" Requires="p14">
+  <mc:AlternateContent xmlns:mc="http://schemas.openxmlformats.org/markup-compatibility/2006" xmlns:p14="http://schemas.microsoft.com/office/powerpoint/2010/main">
+    <mc:Choice Requires="p14">
       <p:transition spd="slow" p14:dur="2000"/>
     </mc:Choice>
-    <mc:Fallback>
+    <mc:Fallback xmlns="">
       <p:transition spd="slow"/>
     </mc:Fallback>
   </mc:AlternateContent>
@@ -16044,11 +15965,7 @@
             </a:r>
             <a:r>
               <a:rPr lang="de-DE" sz="1400" dirty="0"/>
-              <a:t>keinen Tisch in der Mensa finden. </a:t>
-            </a:r>
-            <a:r>
-              <a:rPr lang="de-DE" sz="1400" dirty="0"/>
-              <a:t>Dies liegt daran, dass zu bestimmten Stoßzeiten besonders viele Studierende Essen gehen, die Mensa jedoch nur eine beschränkte Zahl von Sitzplätzen aufweist. </a:t>
+              <a:t>keinen Tisch in der Mensa finden. Dies liegt daran, dass zu bestimmten Stoßzeiten besonders viele Studierende Essen gehen, die Mensa jedoch nur eine beschränkte Zahl von Sitzplätzen aufweist. </a:t>
             </a:r>
           </a:p>
           <a:p>
@@ -18063,11 +17980,11 @@
   <p:clrMapOvr>
     <a:masterClrMapping/>
   </p:clrMapOvr>
-  <mc:AlternateContent xmlns:mc="http://schemas.openxmlformats.org/markup-compatibility/2006">
-    <mc:Choice xmlns:p14="http://schemas.microsoft.com/office/powerpoint/2010/main" Requires="p14">
+  <mc:AlternateContent xmlns:mc="http://schemas.openxmlformats.org/markup-compatibility/2006" xmlns:p14="http://schemas.microsoft.com/office/powerpoint/2010/main">
+    <mc:Choice Requires="p14">
       <p:transition spd="slow" p14:dur="2000"/>
     </mc:Choice>
-    <mc:Fallback>
+    <mc:Fallback xmlns="">
       <p:transition spd="slow"/>
     </mc:Fallback>
   </mc:AlternateContent>
@@ -21205,7 +21122,7 @@
 </file>
 
 <file path=ppt/slides/slide30.xml><?xml version="1.0" encoding="utf-8"?>
-<p:sld xmlns:a="http://schemas.openxmlformats.org/drawingml/2006/main" xmlns:r="http://schemas.openxmlformats.org/officeDocument/2006/relationships" xmlns:p="http://schemas.openxmlformats.org/presentationml/2006/main" show="0">
+<p:sld xmlns:a="http://schemas.openxmlformats.org/drawingml/2006/main" xmlns:r="http://schemas.openxmlformats.org/officeDocument/2006/relationships" xmlns:p="http://schemas.openxmlformats.org/presentationml/2006/main">
   <p:cSld>
     <p:spTree>
       <p:nvGrpSpPr>
@@ -22000,6 +21917,231 @@
           <a:lstStyle/>
           <a:p>
             <a:r>
+              <a:rPr lang="de-DE" dirty="0"/>
+              <a:t>Arten von Nicht-Funkt. Anforderungen</a:t>
+            </a:r>
+          </a:p>
+        </p:txBody>
+      </p:sp>
+      <p:sp>
+        <p:nvSpPr>
+          <p:cNvPr id="3" name="Inhaltsplatzhalter 2"/>
+          <p:cNvSpPr>
+            <a:spLocks noGrp="1"/>
+          </p:cNvSpPr>
+          <p:nvPr>
+            <p:ph idx="1"/>
+          </p:nvPr>
+        </p:nvSpPr>
+        <p:spPr/>
+        <p:txBody>
+          <a:bodyPr/>
+          <a:lstStyle/>
+          <a:p>
+            <a:endParaRPr lang="en-US"/>
+          </a:p>
+        </p:txBody>
+      </p:sp>
+      <p:sp>
+        <p:nvSpPr>
+          <p:cNvPr id="4" name="Foliennummernplatzhalter 3"/>
+          <p:cNvSpPr>
+            <a:spLocks noGrp="1"/>
+          </p:cNvSpPr>
+          <p:nvPr>
+            <p:ph type="sldNum" sz="quarter" idx="12"/>
+          </p:nvPr>
+        </p:nvSpPr>
+        <p:spPr/>
+        <p:txBody>
+          <a:bodyPr/>
+          <a:lstStyle/>
+          <a:p>
+            <a:pPr>
+              <a:defRPr/>
+            </a:pPr>
+            <a:fld id="{C0B85308-4B91-4084-B5EB-6B176834447A}" type="slidenum">
+              <a:rPr lang="de-DE" smtClean="0"/>
+              <a:pPr>
+                <a:defRPr/>
+              </a:pPr>
+              <a:t>31</a:t>
+            </a:fld>
+            <a:endParaRPr lang="de-DE"/>
+          </a:p>
+        </p:txBody>
+      </p:sp>
+      <p:sp>
+        <p:nvSpPr>
+          <p:cNvPr id="5" name="Rectangle 5"/>
+          <p:cNvSpPr>
+            <a:spLocks noChangeArrowheads="1"/>
+          </p:cNvSpPr>
+          <p:nvPr/>
+        </p:nvSpPr>
+        <p:spPr bwMode="auto">
+          <a:xfrm>
+            <a:off x="1828801" y="6308725"/>
+            <a:ext cx="1808163" cy="274638"/>
+          </a:xfrm>
+          <a:prstGeom prst="rect">
+            <a:avLst/>
+          </a:prstGeom>
+          <a:solidFill>
+            <a:schemeClr val="bg1"/>
+          </a:solidFill>
+          <a:ln>
+            <a:noFill/>
+          </a:ln>
+          <a:extLst>
+            <a:ext uri="{91240B29-F687-4F45-9708-019B960494DF}">
+              <a14:hiddenLine xmlns:a14="http://schemas.microsoft.com/office/drawing/2010/main" w="9525">
+                <a:solidFill>
+                  <a:srgbClr val="000000"/>
+                </a:solidFill>
+                <a:miter lim="800000"/>
+                <a:headEnd/>
+                <a:tailEnd/>
+              </a14:hiddenLine>
+            </a:ext>
+          </a:extLst>
+        </p:spPr>
+        <p:txBody>
+          <a:bodyPr wrap="none">
+            <a:spAutoFit/>
+          </a:bodyPr>
+          <a:lstStyle/>
+          <a:p>
+            <a:pPr eaLnBrk="0" hangingPunct="0"/>
+            <a:r>
+              <a:rPr lang="en-GB" sz="1200">
+                <a:solidFill>
+                  <a:srgbClr val="A7A7A7"/>
+                </a:solidFill>
+                <a:latin typeface="Helvetica" pitchFamily="34" charset="0"/>
+                <a:ea typeface="ＭＳ Ｐゴシック" pitchFamily="34" charset="-128"/>
+                <a:cs typeface="Helvetica" pitchFamily="34" charset="0"/>
+              </a:rPr>
+              <a:t>© Ian Sommerville 2000</a:t>
+            </a:r>
+            <a:endParaRPr lang="en-US" sz="1200">
+              <a:solidFill>
+                <a:srgbClr val="A7A7A7"/>
+              </a:solidFill>
+              <a:latin typeface="Helvetica" pitchFamily="34" charset="0"/>
+              <a:ea typeface="ＭＳ Ｐゴシック" pitchFamily="34" charset="-128"/>
+              <a:cs typeface="Helvetica" pitchFamily="34" charset="0"/>
+            </a:endParaRPr>
+          </a:p>
+        </p:txBody>
+      </p:sp>
+      <p:pic>
+        <p:nvPicPr>
+          <p:cNvPr id="6" name="Picture 6" descr="NFR"/>
+          <p:cNvPicPr>
+            <a:picLocks noChangeAspect="1" noChangeArrowheads="1"/>
+          </p:cNvPicPr>
+          <p:nvPr/>
+        </p:nvPicPr>
+        <p:blipFill>
+          <a:blip r:embed="rId2">
+            <a:extLst>
+              <a:ext uri="{28A0092B-C50C-407E-A947-70E740481C1C}">
+                <a14:useLocalDpi xmlns:a14="http://schemas.microsoft.com/office/drawing/2010/main" val="0"/>
+              </a:ext>
+            </a:extLst>
+          </a:blip>
+          <a:srcRect/>
+          <a:stretch>
+            <a:fillRect/>
+          </a:stretch>
+        </p:blipFill>
+        <p:spPr bwMode="auto">
+          <a:xfrm>
+            <a:off x="2133600" y="1600200"/>
+            <a:ext cx="8001000" cy="4622800"/>
+          </a:xfrm>
+          <a:prstGeom prst="rect">
+            <a:avLst/>
+          </a:prstGeom>
+          <a:noFill/>
+          <a:ln>
+            <a:noFill/>
+          </a:ln>
+          <a:extLst>
+            <a:ext uri="{909E8E84-426E-40DD-AFC4-6F175D3DCCD1}">
+              <a14:hiddenFill xmlns:a14="http://schemas.microsoft.com/office/drawing/2010/main">
+                <a:solidFill>
+                  <a:srgbClr val="FFFFFF"/>
+                </a:solidFill>
+              </a14:hiddenFill>
+            </a:ext>
+            <a:ext uri="{91240B29-F687-4F45-9708-019B960494DF}">
+              <a14:hiddenLine xmlns:a14="http://schemas.microsoft.com/office/drawing/2010/main" w="9525">
+                <a:solidFill>
+                  <a:srgbClr val="000000"/>
+                </a:solidFill>
+                <a:miter lim="800000"/>
+                <a:headEnd/>
+                <a:tailEnd/>
+              </a14:hiddenLine>
+            </a:ext>
+          </a:extLst>
+        </p:spPr>
+      </p:pic>
+    </p:spTree>
+    <p:extLst>
+      <p:ext uri="{BB962C8B-B14F-4D97-AF65-F5344CB8AC3E}">
+        <p14:creationId xmlns:p14="http://schemas.microsoft.com/office/powerpoint/2010/main" val="3254950412"/>
+      </p:ext>
+    </p:extLst>
+  </p:cSld>
+  <p:clrMapOvr>
+    <a:masterClrMapping/>
+  </p:clrMapOvr>
+  <p:timing>
+    <p:tnLst>
+      <p:par>
+        <p:cTn id="1" dur="indefinite" restart="never" nodeType="tmRoot"/>
+      </p:par>
+    </p:tnLst>
+  </p:timing>
+</p:sld>
+</file>
+
+<file path=ppt/slides/slide32.xml><?xml version="1.0" encoding="utf-8"?>
+<p:sld xmlns:a="http://schemas.openxmlformats.org/drawingml/2006/main" xmlns:r="http://schemas.openxmlformats.org/officeDocument/2006/relationships" xmlns:p="http://schemas.openxmlformats.org/presentationml/2006/main">
+  <p:cSld>
+    <p:spTree>
+      <p:nvGrpSpPr>
+        <p:cNvPr id="1" name=""/>
+        <p:cNvGrpSpPr/>
+        <p:nvPr/>
+      </p:nvGrpSpPr>
+      <p:grpSpPr>
+        <a:xfrm>
+          <a:off x="0" y="0"/>
+          <a:ext cx="0" cy="0"/>
+          <a:chOff x="0" y="0"/>
+          <a:chExt cx="0" cy="0"/>
+        </a:xfrm>
+      </p:grpSpPr>
+      <p:sp>
+        <p:nvSpPr>
+          <p:cNvPr id="2" name="Titel 1"/>
+          <p:cNvSpPr>
+            <a:spLocks noGrp="1"/>
+          </p:cNvSpPr>
+          <p:nvPr>
+            <p:ph type="title"/>
+          </p:nvPr>
+        </p:nvSpPr>
+        <p:spPr/>
+        <p:txBody>
+          <a:bodyPr/>
+          <a:lstStyle/>
+          <a:p>
+            <a:r>
               <a:rPr lang="de-DE"/>
               <a:t>2. Anforderungsanalyse</a:t>
             </a:r>
@@ -22098,7 +22240,7 @@
             <a:fld id="{6C6AE60A-B69C-4790-82F7-3882EDF23186}" type="slidenum">
               <a:rPr lang="de-DE" smtClean="0"/>
               <a:pPr/>
-              <a:t>31</a:t>
+              <a:t>32</a:t>
             </a:fld>
             <a:endParaRPr lang="de-DE"/>
           </a:p>
@@ -22289,231 +22431,6 @@
 </p:sld>
 </file>
 
-<file path=ppt/slides/slide32.xml><?xml version="1.0" encoding="utf-8"?>
-<p:sld xmlns:a="http://schemas.openxmlformats.org/drawingml/2006/main" xmlns:r="http://schemas.openxmlformats.org/officeDocument/2006/relationships" xmlns:p="http://schemas.openxmlformats.org/presentationml/2006/main">
-  <p:cSld>
-    <p:spTree>
-      <p:nvGrpSpPr>
-        <p:cNvPr id="1" name=""/>
-        <p:cNvGrpSpPr/>
-        <p:nvPr/>
-      </p:nvGrpSpPr>
-      <p:grpSpPr>
-        <a:xfrm>
-          <a:off x="0" y="0"/>
-          <a:ext cx="0" cy="0"/>
-          <a:chOff x="0" y="0"/>
-          <a:chExt cx="0" cy="0"/>
-        </a:xfrm>
-      </p:grpSpPr>
-      <p:sp>
-        <p:nvSpPr>
-          <p:cNvPr id="2" name="Titel 1"/>
-          <p:cNvSpPr>
-            <a:spLocks noGrp="1"/>
-          </p:cNvSpPr>
-          <p:nvPr>
-            <p:ph type="title"/>
-          </p:nvPr>
-        </p:nvSpPr>
-        <p:spPr/>
-        <p:txBody>
-          <a:bodyPr/>
-          <a:lstStyle/>
-          <a:p>
-            <a:r>
-              <a:rPr lang="de-DE" dirty="0"/>
-              <a:t>Arten von Nicht-Funkt. Anforderungen</a:t>
-            </a:r>
-          </a:p>
-        </p:txBody>
-      </p:sp>
-      <p:sp>
-        <p:nvSpPr>
-          <p:cNvPr id="3" name="Inhaltsplatzhalter 2"/>
-          <p:cNvSpPr>
-            <a:spLocks noGrp="1"/>
-          </p:cNvSpPr>
-          <p:nvPr>
-            <p:ph idx="1"/>
-          </p:nvPr>
-        </p:nvSpPr>
-        <p:spPr/>
-        <p:txBody>
-          <a:bodyPr/>
-          <a:lstStyle/>
-          <a:p>
-            <a:endParaRPr lang="en-US"/>
-          </a:p>
-        </p:txBody>
-      </p:sp>
-      <p:sp>
-        <p:nvSpPr>
-          <p:cNvPr id="4" name="Foliennummernplatzhalter 3"/>
-          <p:cNvSpPr>
-            <a:spLocks noGrp="1"/>
-          </p:cNvSpPr>
-          <p:nvPr>
-            <p:ph type="sldNum" sz="quarter" idx="12"/>
-          </p:nvPr>
-        </p:nvSpPr>
-        <p:spPr/>
-        <p:txBody>
-          <a:bodyPr/>
-          <a:lstStyle/>
-          <a:p>
-            <a:pPr>
-              <a:defRPr/>
-            </a:pPr>
-            <a:fld id="{C0B85308-4B91-4084-B5EB-6B176834447A}" type="slidenum">
-              <a:rPr lang="de-DE" smtClean="0"/>
-              <a:pPr>
-                <a:defRPr/>
-              </a:pPr>
-              <a:t>32</a:t>
-            </a:fld>
-            <a:endParaRPr lang="de-DE"/>
-          </a:p>
-        </p:txBody>
-      </p:sp>
-      <p:sp>
-        <p:nvSpPr>
-          <p:cNvPr id="5" name="Rectangle 5"/>
-          <p:cNvSpPr>
-            <a:spLocks noChangeArrowheads="1"/>
-          </p:cNvSpPr>
-          <p:nvPr/>
-        </p:nvSpPr>
-        <p:spPr bwMode="auto">
-          <a:xfrm>
-            <a:off x="1828801" y="6308725"/>
-            <a:ext cx="1808163" cy="274638"/>
-          </a:xfrm>
-          <a:prstGeom prst="rect">
-            <a:avLst/>
-          </a:prstGeom>
-          <a:solidFill>
-            <a:schemeClr val="bg1"/>
-          </a:solidFill>
-          <a:ln>
-            <a:noFill/>
-          </a:ln>
-          <a:extLst>
-            <a:ext uri="{91240B29-F687-4F45-9708-019B960494DF}">
-              <a14:hiddenLine xmlns:a14="http://schemas.microsoft.com/office/drawing/2010/main" w="9525">
-                <a:solidFill>
-                  <a:srgbClr val="000000"/>
-                </a:solidFill>
-                <a:miter lim="800000"/>
-                <a:headEnd/>
-                <a:tailEnd/>
-              </a14:hiddenLine>
-            </a:ext>
-          </a:extLst>
-        </p:spPr>
-        <p:txBody>
-          <a:bodyPr wrap="none">
-            <a:spAutoFit/>
-          </a:bodyPr>
-          <a:lstStyle/>
-          <a:p>
-            <a:pPr eaLnBrk="0" hangingPunct="0"/>
-            <a:r>
-              <a:rPr lang="en-GB" sz="1200">
-                <a:solidFill>
-                  <a:srgbClr val="A7A7A7"/>
-                </a:solidFill>
-                <a:latin typeface="Helvetica" pitchFamily="34" charset="0"/>
-                <a:ea typeface="ＭＳ Ｐゴシック" pitchFamily="34" charset="-128"/>
-                <a:cs typeface="Helvetica" pitchFamily="34" charset="0"/>
-              </a:rPr>
-              <a:t>© Ian Sommerville 2000</a:t>
-            </a:r>
-            <a:endParaRPr lang="en-US" sz="1200">
-              <a:solidFill>
-                <a:srgbClr val="A7A7A7"/>
-              </a:solidFill>
-              <a:latin typeface="Helvetica" pitchFamily="34" charset="0"/>
-              <a:ea typeface="ＭＳ Ｐゴシック" pitchFamily="34" charset="-128"/>
-              <a:cs typeface="Helvetica" pitchFamily="34" charset="0"/>
-            </a:endParaRPr>
-          </a:p>
-        </p:txBody>
-      </p:sp>
-      <p:pic>
-        <p:nvPicPr>
-          <p:cNvPr id="6" name="Picture 6" descr="NFR"/>
-          <p:cNvPicPr>
-            <a:picLocks noChangeAspect="1" noChangeArrowheads="1"/>
-          </p:cNvPicPr>
-          <p:nvPr/>
-        </p:nvPicPr>
-        <p:blipFill>
-          <a:blip r:embed="rId2">
-            <a:extLst>
-              <a:ext uri="{28A0092B-C50C-407E-A947-70E740481C1C}">
-                <a14:useLocalDpi xmlns:a14="http://schemas.microsoft.com/office/drawing/2010/main" val="0"/>
-              </a:ext>
-            </a:extLst>
-          </a:blip>
-          <a:srcRect/>
-          <a:stretch>
-            <a:fillRect/>
-          </a:stretch>
-        </p:blipFill>
-        <p:spPr bwMode="auto">
-          <a:xfrm>
-            <a:off x="2133600" y="1600200"/>
-            <a:ext cx="8001000" cy="4622800"/>
-          </a:xfrm>
-          <a:prstGeom prst="rect">
-            <a:avLst/>
-          </a:prstGeom>
-          <a:noFill/>
-          <a:ln>
-            <a:noFill/>
-          </a:ln>
-          <a:extLst>
-            <a:ext uri="{909E8E84-426E-40DD-AFC4-6F175D3DCCD1}">
-              <a14:hiddenFill xmlns:a14="http://schemas.microsoft.com/office/drawing/2010/main">
-                <a:solidFill>
-                  <a:srgbClr val="FFFFFF"/>
-                </a:solidFill>
-              </a14:hiddenFill>
-            </a:ext>
-            <a:ext uri="{91240B29-F687-4F45-9708-019B960494DF}">
-              <a14:hiddenLine xmlns:a14="http://schemas.microsoft.com/office/drawing/2010/main" w="9525">
-                <a:solidFill>
-                  <a:srgbClr val="000000"/>
-                </a:solidFill>
-                <a:miter lim="800000"/>
-                <a:headEnd/>
-                <a:tailEnd/>
-              </a14:hiddenLine>
-            </a:ext>
-          </a:extLst>
-        </p:spPr>
-      </p:pic>
-    </p:spTree>
-    <p:extLst>
-      <p:ext uri="{BB962C8B-B14F-4D97-AF65-F5344CB8AC3E}">
-        <p14:creationId xmlns:p14="http://schemas.microsoft.com/office/powerpoint/2010/main" val="3254950412"/>
-      </p:ext>
-    </p:extLst>
-  </p:cSld>
-  <p:clrMapOvr>
-    <a:masterClrMapping/>
-  </p:clrMapOvr>
-  <p:timing>
-    <p:tnLst>
-      <p:par>
-        <p:cTn id="1" dur="indefinite" restart="never" nodeType="tmRoot"/>
-      </p:par>
-    </p:tnLst>
-  </p:timing>
-</p:sld>
-</file>
-
 <file path=ppt/slides/slide33.xml><?xml version="1.0" encoding="utf-8"?>
 <p:sld xmlns:a="http://schemas.openxmlformats.org/drawingml/2006/main" xmlns:r="http://schemas.openxmlformats.org/officeDocument/2006/relationships" xmlns:p="http://schemas.openxmlformats.org/presentationml/2006/main">
   <p:cSld>
@@ -22533,1394 +22450,6 @@
       </p:grpSpPr>
       <p:sp>
         <p:nvSpPr>
-          <p:cNvPr id="7" name="Inhaltsplatzhalter 6"/>
-          <p:cNvSpPr>
-            <a:spLocks noGrp="1"/>
-          </p:cNvSpPr>
-          <p:nvPr>
-            <p:ph idx="1"/>
-          </p:nvPr>
-        </p:nvSpPr>
-        <p:spPr>
-          <a:xfrm>
-            <a:off x="1670572" y="1767833"/>
-            <a:ext cx="10513168" cy="4307682"/>
-          </a:xfrm>
-        </p:spPr>
-        <p:txBody>
-          <a:bodyPr>
-            <a:normAutofit/>
-          </a:bodyPr>
-          <a:lstStyle/>
-          <a:p>
-            <a:r>
-              <a:rPr lang="en-US" sz="1800" dirty="0" err="1"/>
-              <a:t>Welche</a:t>
-            </a:r>
-            <a:r>
-              <a:rPr lang="en-US" sz="1800" dirty="0"/>
-              <a:t> der </a:t>
-            </a:r>
-            <a:r>
-              <a:rPr lang="en-US" sz="1800" dirty="0" err="1"/>
-              <a:t>gefundenen</a:t>
-            </a:r>
-            <a:r>
-              <a:rPr lang="en-US" sz="1800" dirty="0"/>
-              <a:t> </a:t>
-            </a:r>
-            <a:r>
-              <a:rPr lang="en-US" sz="1800" dirty="0" err="1"/>
-              <a:t>Anforderungen</a:t>
-            </a:r>
-            <a:r>
-              <a:rPr lang="en-US" sz="1800" dirty="0"/>
-              <a:t> </a:t>
-            </a:r>
-            <a:r>
-              <a:rPr lang="en-US" sz="1800" dirty="0" err="1"/>
-              <a:t>sind</a:t>
-            </a:r>
-            <a:r>
-              <a:rPr lang="en-US" sz="1800" dirty="0"/>
-              <a:t> </a:t>
-            </a:r>
-            <a:r>
-              <a:rPr lang="en-US" sz="1800" dirty="0" err="1"/>
-              <a:t>funktional</a:t>
-            </a:r>
-            <a:r>
-              <a:rPr lang="en-US" sz="1800" dirty="0"/>
-              <a:t>, </a:t>
-            </a:r>
-            <a:r>
-              <a:rPr lang="en-US" sz="1800" dirty="0" err="1"/>
-              <a:t>welche</a:t>
-            </a:r>
-            <a:r>
-              <a:rPr lang="en-US" sz="1800" dirty="0"/>
-              <a:t> </a:t>
-            </a:r>
-            <a:r>
-              <a:rPr lang="en-US" sz="1800" dirty="0" err="1"/>
-              <a:t>nicht-funktional</a:t>
-            </a:r>
-            <a:r>
-              <a:rPr lang="en-US" sz="1800" dirty="0"/>
-              <a:t>?</a:t>
-            </a:r>
-          </a:p>
-          <a:p>
-            <a:pPr marL="0" indent="0">
-              <a:buNone/>
-            </a:pPr>
-            <a:endParaRPr lang="en-US" sz="1800" dirty="0"/>
-          </a:p>
-        </p:txBody>
-      </p:sp>
-      <p:sp>
-        <p:nvSpPr>
-          <p:cNvPr id="5" name="Foliennummernplatzhalter 4"/>
-          <p:cNvSpPr>
-            <a:spLocks noGrp="1"/>
-          </p:cNvSpPr>
-          <p:nvPr>
-            <p:ph type="sldNum" sz="quarter" idx="12"/>
-          </p:nvPr>
-        </p:nvSpPr>
-        <p:spPr/>
-        <p:txBody>
-          <a:bodyPr/>
-          <a:lstStyle/>
-          <a:p>
-            <a:fld id="{6C6AE60A-B69C-4790-82F7-3882EDF23186}" type="slidenum">
-              <a:rPr lang="de-DE" smtClean="0"/>
-              <a:pPr/>
-              <a:t>33</a:t>
-            </a:fld>
-            <a:endParaRPr lang="de-DE"/>
-          </a:p>
-        </p:txBody>
-      </p:sp>
-      <p:sp>
-        <p:nvSpPr>
-          <p:cNvPr id="6" name="Titel 5"/>
-          <p:cNvSpPr>
-            <a:spLocks noGrp="1"/>
-          </p:cNvSpPr>
-          <p:nvPr>
-            <p:ph type="title"/>
-          </p:nvPr>
-        </p:nvSpPr>
-        <p:spPr/>
-        <p:txBody>
-          <a:bodyPr/>
-          <a:lstStyle/>
-          <a:p>
-            <a:r>
-              <a:rPr lang="en-US" dirty="0" err="1"/>
-              <a:t>Aufgabe</a:t>
-            </a:r>
-            <a:endParaRPr lang="en-US" dirty="0"/>
-          </a:p>
-        </p:txBody>
-      </p:sp>
-      <p:sp>
-        <p:nvSpPr>
-          <p:cNvPr id="8" name="Inhaltsplatzhalter 9"/>
-          <p:cNvSpPr txBox="1">
-            <a:spLocks/>
-          </p:cNvSpPr>
-          <p:nvPr/>
-        </p:nvSpPr>
-        <p:spPr>
-          <a:xfrm>
-            <a:off x="1497536" y="2549996"/>
-            <a:ext cx="4536504" cy="5127476"/>
-          </a:xfrm>
-          <a:prstGeom prst="rect">
-            <a:avLst/>
-          </a:prstGeom>
-        </p:spPr>
-        <p:txBody>
-          <a:bodyPr vert="horz" lIns="91440" tIns="45720" rIns="91440" bIns="45720" rtlCol="0">
-            <a:normAutofit/>
-          </a:bodyPr>
-          <a:lstStyle>
-            <a:lvl1pPr marL="342900" indent="-342900" algn="l" defTabSz="914400" rtl="0" eaLnBrk="1" latinLnBrk="0" hangingPunct="1">
-              <a:spcBef>
-                <a:spcPct val="20000"/>
-              </a:spcBef>
-              <a:buFont typeface="Arial" pitchFamily="34" charset="0"/>
-              <a:buChar char="•"/>
-              <a:defRPr sz="2600" kern="1200">
-                <a:solidFill>
-                  <a:schemeClr val="tx1"/>
-                </a:solidFill>
-                <a:latin typeface="+mn-lt"/>
-                <a:ea typeface="+mn-ea"/>
-                <a:cs typeface="+mn-cs"/>
-              </a:defRPr>
-            </a:lvl1pPr>
-            <a:lvl2pPr marL="742950" indent="-285750" algn="l" defTabSz="914400" rtl="0" eaLnBrk="1" latinLnBrk="0" hangingPunct="1">
-              <a:spcBef>
-                <a:spcPct val="20000"/>
-              </a:spcBef>
-              <a:buFont typeface="Arial" pitchFamily="34" charset="0"/>
-              <a:buChar char="–"/>
-              <a:defRPr sz="2400" kern="1200">
-                <a:solidFill>
-                  <a:schemeClr val="tx1"/>
-                </a:solidFill>
-                <a:latin typeface="+mn-lt"/>
-                <a:ea typeface="+mn-ea"/>
-                <a:cs typeface="+mn-cs"/>
-              </a:defRPr>
-            </a:lvl2pPr>
-            <a:lvl3pPr marL="1143000" indent="-228600" algn="l" defTabSz="914400" rtl="0" eaLnBrk="1" latinLnBrk="0" hangingPunct="1">
-              <a:spcBef>
-                <a:spcPct val="20000"/>
-              </a:spcBef>
-              <a:buFont typeface="Arial" pitchFamily="34" charset="0"/>
-              <a:buChar char="•"/>
-              <a:defRPr sz="2000" kern="1200">
-                <a:solidFill>
-                  <a:schemeClr val="tx1"/>
-                </a:solidFill>
-                <a:latin typeface="+mn-lt"/>
-                <a:ea typeface="+mn-ea"/>
-                <a:cs typeface="+mn-cs"/>
-              </a:defRPr>
-            </a:lvl3pPr>
-            <a:lvl4pPr marL="1600200" indent="-228600" algn="l" defTabSz="914400" rtl="0" eaLnBrk="1" latinLnBrk="0" hangingPunct="1">
-              <a:spcBef>
-                <a:spcPct val="20000"/>
-              </a:spcBef>
-              <a:buFont typeface="Arial" pitchFamily="34" charset="0"/>
-              <a:buChar char="–"/>
-              <a:defRPr sz="1800" kern="1200">
-                <a:solidFill>
-                  <a:schemeClr val="tx1"/>
-                </a:solidFill>
-                <a:latin typeface="+mn-lt"/>
-                <a:ea typeface="+mn-ea"/>
-                <a:cs typeface="+mn-cs"/>
-              </a:defRPr>
-            </a:lvl4pPr>
-            <a:lvl5pPr marL="2057400" indent="-228600" algn="l" defTabSz="914400" rtl="0" eaLnBrk="1" latinLnBrk="0" hangingPunct="1">
-              <a:spcBef>
-                <a:spcPct val="20000"/>
-              </a:spcBef>
-              <a:buFont typeface="Arial" pitchFamily="34" charset="0"/>
-              <a:buChar char="»"/>
-              <a:defRPr sz="1800" kern="1200">
-                <a:solidFill>
-                  <a:schemeClr val="tx1"/>
-                </a:solidFill>
-                <a:latin typeface="+mn-lt"/>
-                <a:ea typeface="+mn-ea"/>
-                <a:cs typeface="+mn-cs"/>
-              </a:defRPr>
-            </a:lvl5pPr>
-            <a:lvl6pPr marL="2514600" indent="-228600" algn="l" defTabSz="914400" rtl="0" eaLnBrk="1" latinLnBrk="0" hangingPunct="1">
-              <a:spcBef>
-                <a:spcPct val="20000"/>
-              </a:spcBef>
-              <a:buFont typeface="Arial" pitchFamily="34" charset="0"/>
-              <a:buChar char="•"/>
-              <a:defRPr sz="2000" kern="1200">
-                <a:solidFill>
-                  <a:schemeClr val="tx1"/>
-                </a:solidFill>
-                <a:latin typeface="+mn-lt"/>
-                <a:ea typeface="+mn-ea"/>
-                <a:cs typeface="+mn-cs"/>
-              </a:defRPr>
-            </a:lvl6pPr>
-            <a:lvl7pPr marL="2971800" indent="-228600" algn="l" defTabSz="914400" rtl="0" eaLnBrk="1" latinLnBrk="0" hangingPunct="1">
-              <a:spcBef>
-                <a:spcPct val="20000"/>
-              </a:spcBef>
-              <a:buFont typeface="Arial" pitchFamily="34" charset="0"/>
-              <a:buChar char="•"/>
-              <a:defRPr sz="2000" kern="1200">
-                <a:solidFill>
-                  <a:schemeClr val="tx1"/>
-                </a:solidFill>
-                <a:latin typeface="+mn-lt"/>
-                <a:ea typeface="+mn-ea"/>
-                <a:cs typeface="+mn-cs"/>
-              </a:defRPr>
-            </a:lvl7pPr>
-            <a:lvl8pPr marL="3429000" indent="-228600" algn="l" defTabSz="914400" rtl="0" eaLnBrk="1" latinLnBrk="0" hangingPunct="1">
-              <a:spcBef>
-                <a:spcPct val="20000"/>
-              </a:spcBef>
-              <a:buFont typeface="Arial" pitchFamily="34" charset="0"/>
-              <a:buChar char="•"/>
-              <a:defRPr sz="2000" kern="1200">
-                <a:solidFill>
-                  <a:schemeClr val="tx1"/>
-                </a:solidFill>
-                <a:latin typeface="+mn-lt"/>
-                <a:ea typeface="+mn-ea"/>
-                <a:cs typeface="+mn-cs"/>
-              </a:defRPr>
-            </a:lvl8pPr>
-            <a:lvl9pPr marL="3886200" indent="-228600" algn="l" defTabSz="914400" rtl="0" eaLnBrk="1" latinLnBrk="0" hangingPunct="1">
-              <a:spcBef>
-                <a:spcPct val="20000"/>
-              </a:spcBef>
-              <a:buFont typeface="Arial" pitchFamily="34" charset="0"/>
-              <a:buChar char="•"/>
-              <a:defRPr sz="2000" kern="1200">
-                <a:solidFill>
-                  <a:schemeClr val="tx1"/>
-                </a:solidFill>
-                <a:latin typeface="+mn-lt"/>
-                <a:ea typeface="+mn-ea"/>
-                <a:cs typeface="+mn-cs"/>
-              </a:defRPr>
-            </a:lvl9pPr>
-          </a:lstStyle>
-          <a:p>
-            <a:r>
-              <a:rPr lang="en-US" sz="1500" dirty="0"/>
-              <a:t>Schnell</a:t>
-            </a:r>
-          </a:p>
-          <a:p>
-            <a:r>
-              <a:rPr lang="en-US" sz="1500" dirty="0" err="1"/>
-              <a:t>Einfach</a:t>
-            </a:r>
-            <a:endParaRPr lang="en-US" sz="1500" dirty="0"/>
-          </a:p>
-          <a:p>
-            <a:r>
-              <a:rPr lang="en-US" sz="1500" dirty="0" err="1"/>
-              <a:t>Übersichtlich</a:t>
-            </a:r>
-            <a:endParaRPr lang="en-US" sz="1500" dirty="0"/>
-          </a:p>
-          <a:p>
-            <a:r>
-              <a:rPr lang="en-US" sz="1500" dirty="0" err="1"/>
-              <a:t>Schnelle</a:t>
-            </a:r>
-            <a:r>
-              <a:rPr lang="en-US" sz="1500" dirty="0"/>
-              <a:t> </a:t>
-            </a:r>
-            <a:r>
-              <a:rPr lang="en-US" sz="1500" dirty="0" err="1"/>
-              <a:t>Abmeldung</a:t>
-            </a:r>
-            <a:endParaRPr lang="en-US" sz="1500" dirty="0"/>
-          </a:p>
-          <a:p>
-            <a:r>
-              <a:rPr lang="en-US" sz="1500" dirty="0" err="1"/>
-              <a:t>Rückmeldung</a:t>
-            </a:r>
-            <a:r>
-              <a:rPr lang="en-US" sz="1500" dirty="0"/>
-              <a:t> </a:t>
-            </a:r>
-            <a:r>
-              <a:rPr lang="en-US" sz="1500" dirty="0" err="1"/>
-              <a:t>über</a:t>
-            </a:r>
-            <a:r>
-              <a:rPr lang="en-US" sz="1500" dirty="0"/>
-              <a:t> Credits und </a:t>
-            </a:r>
-            <a:r>
-              <a:rPr lang="en-US" sz="1500" dirty="0" err="1"/>
-              <a:t>Reservierungsstatus</a:t>
-            </a:r>
-            <a:endParaRPr lang="en-US" sz="1500" dirty="0"/>
-          </a:p>
-          <a:p>
-            <a:r>
-              <a:rPr lang="en-US" sz="1500" dirty="0" err="1"/>
-              <a:t>Mitarbeiter</a:t>
-            </a:r>
-            <a:r>
-              <a:rPr lang="en-US" sz="1500" dirty="0"/>
-              <a:t> der Mensa </a:t>
-            </a:r>
-            <a:r>
-              <a:rPr lang="en-US" sz="1500" dirty="0" err="1"/>
-              <a:t>sollen</a:t>
-            </a:r>
-            <a:r>
-              <a:rPr lang="en-US" sz="1500" dirty="0"/>
-              <a:t> </a:t>
-            </a:r>
-            <a:r>
-              <a:rPr lang="en-US" sz="1500" dirty="0" err="1"/>
-              <a:t>es</a:t>
-            </a:r>
-            <a:r>
-              <a:rPr lang="en-US" sz="1500" dirty="0"/>
-              <a:t> </a:t>
-            </a:r>
-            <a:r>
-              <a:rPr lang="en-US" sz="1500" dirty="0" err="1"/>
-              <a:t>einfach</a:t>
-            </a:r>
-            <a:r>
-              <a:rPr lang="en-US" sz="1500" dirty="0"/>
-              <a:t> </a:t>
-            </a:r>
-            <a:r>
-              <a:rPr lang="en-US" sz="1500" dirty="0" err="1"/>
-              <a:t>handeln</a:t>
-            </a:r>
-            <a:r>
-              <a:rPr lang="en-US" sz="1500" dirty="0"/>
-              <a:t> </a:t>
-            </a:r>
-            <a:r>
-              <a:rPr lang="en-US" sz="1500" dirty="0" err="1"/>
-              <a:t>können</a:t>
-            </a:r>
-            <a:endParaRPr lang="en-US" sz="1500" dirty="0"/>
-          </a:p>
-          <a:p>
-            <a:r>
-              <a:rPr lang="en-US" sz="1500" dirty="0" err="1"/>
-              <a:t>Nichtbenutzer</a:t>
-            </a:r>
-            <a:r>
-              <a:rPr lang="en-US" sz="1500" dirty="0"/>
-              <a:t> </a:t>
-            </a:r>
-            <a:r>
-              <a:rPr lang="en-US" sz="1500" dirty="0" err="1"/>
-              <a:t>sollen</a:t>
-            </a:r>
-            <a:r>
-              <a:rPr lang="en-US" sz="1500" dirty="0"/>
-              <a:t> </a:t>
-            </a:r>
-            <a:r>
-              <a:rPr lang="en-US" sz="1500" dirty="0" err="1"/>
-              <a:t>nicht</a:t>
-            </a:r>
-            <a:r>
-              <a:rPr lang="en-US" sz="1500" dirty="0"/>
-              <a:t> </a:t>
-            </a:r>
-            <a:r>
-              <a:rPr lang="en-US" sz="1500" dirty="0" err="1"/>
-              <a:t>eingschränkt</a:t>
-            </a:r>
-            <a:r>
-              <a:rPr lang="en-US" sz="1500" dirty="0"/>
-              <a:t> </a:t>
-            </a:r>
-            <a:r>
-              <a:rPr lang="en-US" sz="1500" dirty="0" err="1"/>
-              <a:t>werden</a:t>
-            </a:r>
-            <a:endParaRPr lang="en-US" sz="1500" dirty="0"/>
-          </a:p>
-          <a:p>
-            <a:r>
-              <a:rPr lang="en-US" sz="1500" dirty="0" err="1"/>
-              <a:t>Mehrfachbuchen</a:t>
-            </a:r>
-            <a:r>
-              <a:rPr lang="en-US" sz="1500" dirty="0"/>
-              <a:t> </a:t>
-            </a:r>
-            <a:r>
-              <a:rPr lang="en-US" sz="1500" dirty="0" err="1"/>
-              <a:t>soll</a:t>
-            </a:r>
-            <a:r>
-              <a:rPr lang="en-US" sz="1500" dirty="0"/>
-              <a:t> </a:t>
-            </a:r>
-            <a:r>
-              <a:rPr lang="en-US" sz="1500" dirty="0" err="1"/>
-              <a:t>nicht</a:t>
-            </a:r>
-            <a:r>
-              <a:rPr lang="en-US" sz="1500" dirty="0"/>
-              <a:t> </a:t>
-            </a:r>
-            <a:r>
-              <a:rPr lang="en-US" sz="1500" dirty="0" err="1"/>
-              <a:t>möglich</a:t>
-            </a:r>
-            <a:r>
-              <a:rPr lang="en-US" sz="1500" dirty="0"/>
-              <a:t> sein</a:t>
-            </a:r>
-          </a:p>
-          <a:p>
-            <a:r>
-              <a:rPr lang="en-US" sz="1500" dirty="0" err="1"/>
-              <a:t>Datenschutz</a:t>
-            </a:r>
-            <a:r>
-              <a:rPr lang="en-US" sz="1500" dirty="0"/>
-              <a:t> (anonym)</a:t>
-            </a:r>
-          </a:p>
-          <a:p>
-            <a:r>
-              <a:rPr lang="en-US" sz="1500" dirty="0"/>
-              <a:t>Student </a:t>
-            </a:r>
-            <a:r>
-              <a:rPr lang="en-US" sz="1500" dirty="0" err="1"/>
-              <a:t>soll</a:t>
-            </a:r>
-            <a:r>
-              <a:rPr lang="en-US" sz="1500" dirty="0"/>
-              <a:t> </a:t>
-            </a:r>
-            <a:r>
-              <a:rPr lang="en-US" sz="1500" dirty="0" err="1"/>
-              <a:t>Platz</a:t>
-            </a:r>
-            <a:r>
-              <a:rPr lang="en-US" sz="1500" dirty="0"/>
-              <a:t> </a:t>
-            </a:r>
-            <a:r>
-              <a:rPr lang="en-US" sz="1500" dirty="0" err="1"/>
-              <a:t>einfordern</a:t>
-            </a:r>
-            <a:r>
-              <a:rPr lang="en-US" sz="1500" dirty="0"/>
-              <a:t> </a:t>
-            </a:r>
-            <a:r>
-              <a:rPr lang="en-US" sz="1500" dirty="0" err="1"/>
-              <a:t>können</a:t>
-            </a:r>
-            <a:r>
-              <a:rPr lang="en-US" sz="1500" dirty="0"/>
-              <a:t>, </a:t>
-            </a:r>
-            <a:r>
-              <a:rPr lang="en-US" sz="1500" dirty="0" err="1"/>
-              <a:t>wenn</a:t>
-            </a:r>
-            <a:r>
-              <a:rPr lang="en-US" sz="1500" dirty="0"/>
-              <a:t> </a:t>
-            </a:r>
-            <a:r>
-              <a:rPr lang="en-US" sz="1500" dirty="0" err="1"/>
-              <a:t>andere</a:t>
-            </a:r>
-            <a:r>
-              <a:rPr lang="en-US" sz="1500" dirty="0"/>
-              <a:t> </a:t>
-            </a:r>
-            <a:r>
-              <a:rPr lang="en-US" sz="1500" dirty="0" err="1"/>
-              <a:t>reservierten</a:t>
-            </a:r>
-            <a:r>
-              <a:rPr lang="en-US" sz="1500" dirty="0"/>
-              <a:t> </a:t>
-            </a:r>
-            <a:r>
-              <a:rPr lang="en-US" sz="1500" dirty="0" err="1"/>
-              <a:t>Platz</a:t>
-            </a:r>
-            <a:r>
-              <a:rPr lang="en-US" sz="1500" dirty="0"/>
-              <a:t> </a:t>
-            </a:r>
-            <a:r>
-              <a:rPr lang="en-US" sz="1500" dirty="0" err="1"/>
-              <a:t>benutzen</a:t>
-            </a:r>
-            <a:endParaRPr lang="en-US" sz="1500" dirty="0"/>
-          </a:p>
-          <a:p>
-            <a:r>
-              <a:rPr lang="en-US" sz="1500" dirty="0" err="1"/>
-              <a:t>Gruppenreservierung</a:t>
-            </a:r>
-            <a:endParaRPr lang="en-US" sz="1500" dirty="0"/>
-          </a:p>
-        </p:txBody>
-      </p:sp>
-      <p:sp>
-        <p:nvSpPr>
-          <p:cNvPr id="9" name="Textplatzhalter 8"/>
-          <p:cNvSpPr txBox="1">
-            <a:spLocks/>
-          </p:cNvSpPr>
-          <p:nvPr/>
-        </p:nvSpPr>
-        <p:spPr>
-          <a:xfrm>
-            <a:off x="1524000" y="2233490"/>
-            <a:ext cx="4040188" cy="639762"/>
-          </a:xfrm>
-          <a:prstGeom prst="rect">
-            <a:avLst/>
-          </a:prstGeom>
-        </p:spPr>
-        <p:txBody>
-          <a:bodyPr vert="horz" lIns="91440" tIns="45720" rIns="91440" bIns="45720" rtlCol="0">
-            <a:normAutofit/>
-          </a:bodyPr>
-          <a:lstStyle>
-            <a:lvl1pPr marL="342900" indent="-342900" algn="l" defTabSz="914400" rtl="0" eaLnBrk="1" latinLnBrk="0" hangingPunct="1">
-              <a:spcBef>
-                <a:spcPct val="20000"/>
-              </a:spcBef>
-              <a:buFont typeface="Arial" pitchFamily="34" charset="0"/>
-              <a:buChar char="•"/>
-              <a:defRPr sz="3200" kern="1200">
-                <a:solidFill>
-                  <a:schemeClr val="tx1"/>
-                </a:solidFill>
-                <a:latin typeface="+mn-lt"/>
-                <a:ea typeface="+mn-ea"/>
-                <a:cs typeface="+mn-cs"/>
-              </a:defRPr>
-            </a:lvl1pPr>
-            <a:lvl2pPr marL="742950" indent="-285750" algn="l" defTabSz="914400" rtl="0" eaLnBrk="1" latinLnBrk="0" hangingPunct="1">
-              <a:spcBef>
-                <a:spcPct val="20000"/>
-              </a:spcBef>
-              <a:buFont typeface="Arial" pitchFamily="34" charset="0"/>
-              <a:buChar char="–"/>
-              <a:defRPr sz="2800" kern="1200">
-                <a:solidFill>
-                  <a:schemeClr val="tx1"/>
-                </a:solidFill>
-                <a:latin typeface="+mn-lt"/>
-                <a:ea typeface="+mn-ea"/>
-                <a:cs typeface="+mn-cs"/>
-              </a:defRPr>
-            </a:lvl2pPr>
-            <a:lvl3pPr marL="1143000" indent="-228600" algn="l" defTabSz="914400" rtl="0" eaLnBrk="1" latinLnBrk="0" hangingPunct="1">
-              <a:spcBef>
-                <a:spcPct val="20000"/>
-              </a:spcBef>
-              <a:buFont typeface="Arial" pitchFamily="34" charset="0"/>
-              <a:buChar char="•"/>
-              <a:defRPr sz="2400" kern="1200">
-                <a:solidFill>
-                  <a:schemeClr val="tx1"/>
-                </a:solidFill>
-                <a:latin typeface="+mn-lt"/>
-                <a:ea typeface="+mn-ea"/>
-                <a:cs typeface="+mn-cs"/>
-              </a:defRPr>
-            </a:lvl3pPr>
-            <a:lvl4pPr marL="1600200" indent="-228600" algn="l" defTabSz="914400" rtl="0" eaLnBrk="1" latinLnBrk="0" hangingPunct="1">
-              <a:spcBef>
-                <a:spcPct val="20000"/>
-              </a:spcBef>
-              <a:buFont typeface="Arial" pitchFamily="34" charset="0"/>
-              <a:buChar char="–"/>
-              <a:defRPr sz="2000" kern="1200">
-                <a:solidFill>
-                  <a:schemeClr val="tx1"/>
-                </a:solidFill>
-                <a:latin typeface="+mn-lt"/>
-                <a:ea typeface="+mn-ea"/>
-                <a:cs typeface="+mn-cs"/>
-              </a:defRPr>
-            </a:lvl4pPr>
-            <a:lvl5pPr marL="2057400" indent="-228600" algn="l" defTabSz="914400" rtl="0" eaLnBrk="1" latinLnBrk="0" hangingPunct="1">
-              <a:spcBef>
-                <a:spcPct val="20000"/>
-              </a:spcBef>
-              <a:buFont typeface="Arial" pitchFamily="34" charset="0"/>
-              <a:buChar char="»"/>
-              <a:defRPr sz="2000" kern="1200">
-                <a:solidFill>
-                  <a:schemeClr val="tx1"/>
-                </a:solidFill>
-                <a:latin typeface="+mn-lt"/>
-                <a:ea typeface="+mn-ea"/>
-                <a:cs typeface="+mn-cs"/>
-              </a:defRPr>
-            </a:lvl5pPr>
-            <a:lvl6pPr marL="2514600" indent="-228600" algn="l" defTabSz="914400" rtl="0" eaLnBrk="1" latinLnBrk="0" hangingPunct="1">
-              <a:spcBef>
-                <a:spcPct val="20000"/>
-              </a:spcBef>
-              <a:buFont typeface="Arial" pitchFamily="34" charset="0"/>
-              <a:buChar char="•"/>
-              <a:defRPr sz="2000" kern="1200">
-                <a:solidFill>
-                  <a:schemeClr val="tx1"/>
-                </a:solidFill>
-                <a:latin typeface="+mn-lt"/>
-                <a:ea typeface="+mn-ea"/>
-                <a:cs typeface="+mn-cs"/>
-              </a:defRPr>
-            </a:lvl6pPr>
-            <a:lvl7pPr marL="2971800" indent="-228600" algn="l" defTabSz="914400" rtl="0" eaLnBrk="1" latinLnBrk="0" hangingPunct="1">
-              <a:spcBef>
-                <a:spcPct val="20000"/>
-              </a:spcBef>
-              <a:buFont typeface="Arial" pitchFamily="34" charset="0"/>
-              <a:buChar char="•"/>
-              <a:defRPr sz="2000" kern="1200">
-                <a:solidFill>
-                  <a:schemeClr val="tx1"/>
-                </a:solidFill>
-                <a:latin typeface="+mn-lt"/>
-                <a:ea typeface="+mn-ea"/>
-                <a:cs typeface="+mn-cs"/>
-              </a:defRPr>
-            </a:lvl7pPr>
-            <a:lvl8pPr marL="3429000" indent="-228600" algn="l" defTabSz="914400" rtl="0" eaLnBrk="1" latinLnBrk="0" hangingPunct="1">
-              <a:spcBef>
-                <a:spcPct val="20000"/>
-              </a:spcBef>
-              <a:buFont typeface="Arial" pitchFamily="34" charset="0"/>
-              <a:buChar char="•"/>
-              <a:defRPr sz="2000" kern="1200">
-                <a:solidFill>
-                  <a:schemeClr val="tx1"/>
-                </a:solidFill>
-                <a:latin typeface="+mn-lt"/>
-                <a:ea typeface="+mn-ea"/>
-                <a:cs typeface="+mn-cs"/>
-              </a:defRPr>
-            </a:lvl8pPr>
-            <a:lvl9pPr marL="3886200" indent="-228600" algn="l" defTabSz="914400" rtl="0" eaLnBrk="1" latinLnBrk="0" hangingPunct="1">
-              <a:spcBef>
-                <a:spcPct val="20000"/>
-              </a:spcBef>
-              <a:buFont typeface="Arial" pitchFamily="34" charset="0"/>
-              <a:buChar char="•"/>
-              <a:defRPr sz="2000" kern="1200">
-                <a:solidFill>
-                  <a:schemeClr val="tx1"/>
-                </a:solidFill>
-                <a:latin typeface="+mn-lt"/>
-                <a:ea typeface="+mn-ea"/>
-                <a:cs typeface="+mn-cs"/>
-              </a:defRPr>
-            </a:lvl9pPr>
-          </a:lstStyle>
-          <a:p>
-            <a:pPr marL="0" indent="0">
-              <a:buNone/>
-            </a:pPr>
-            <a:r>
-              <a:rPr lang="en-US" sz="1800" dirty="0"/>
-              <a:t>Stakeholder-</a:t>
-            </a:r>
-            <a:r>
-              <a:rPr lang="en-US" sz="1800" dirty="0" err="1"/>
-              <a:t>basiert</a:t>
-            </a:r>
-            <a:endParaRPr lang="en-US" sz="1800" dirty="0"/>
-          </a:p>
-        </p:txBody>
-      </p:sp>
-      <p:sp>
-        <p:nvSpPr>
-          <p:cNvPr id="10" name="Textplatzhalter 10"/>
-          <p:cNvSpPr txBox="1">
-            <a:spLocks/>
-          </p:cNvSpPr>
-          <p:nvPr/>
-        </p:nvSpPr>
-        <p:spPr>
-          <a:xfrm>
-            <a:off x="5955324" y="2211724"/>
-            <a:ext cx="4041775" cy="639762"/>
-          </a:xfrm>
-          <a:prstGeom prst="rect">
-            <a:avLst/>
-          </a:prstGeom>
-        </p:spPr>
-        <p:txBody>
-          <a:bodyPr vert="horz" lIns="91440" tIns="45720" rIns="91440" bIns="45720" rtlCol="0">
-            <a:normAutofit/>
-          </a:bodyPr>
-          <a:lstStyle>
-            <a:lvl1pPr marL="342900" indent="-342900" algn="l" defTabSz="914400" rtl="0" eaLnBrk="1" latinLnBrk="0" hangingPunct="1">
-              <a:spcBef>
-                <a:spcPct val="20000"/>
-              </a:spcBef>
-              <a:buFont typeface="Arial" pitchFamily="34" charset="0"/>
-              <a:buChar char="•"/>
-              <a:defRPr sz="3200" kern="1200">
-                <a:solidFill>
-                  <a:schemeClr val="tx1"/>
-                </a:solidFill>
-                <a:latin typeface="+mn-lt"/>
-                <a:ea typeface="+mn-ea"/>
-                <a:cs typeface="+mn-cs"/>
-              </a:defRPr>
-            </a:lvl1pPr>
-            <a:lvl2pPr marL="742950" indent="-285750" algn="l" defTabSz="914400" rtl="0" eaLnBrk="1" latinLnBrk="0" hangingPunct="1">
-              <a:spcBef>
-                <a:spcPct val="20000"/>
-              </a:spcBef>
-              <a:buFont typeface="Arial" pitchFamily="34" charset="0"/>
-              <a:buChar char="–"/>
-              <a:defRPr sz="2800" kern="1200">
-                <a:solidFill>
-                  <a:schemeClr val="tx1"/>
-                </a:solidFill>
-                <a:latin typeface="+mn-lt"/>
-                <a:ea typeface="+mn-ea"/>
-                <a:cs typeface="+mn-cs"/>
-              </a:defRPr>
-            </a:lvl2pPr>
-            <a:lvl3pPr marL="1143000" indent="-228600" algn="l" defTabSz="914400" rtl="0" eaLnBrk="1" latinLnBrk="0" hangingPunct="1">
-              <a:spcBef>
-                <a:spcPct val="20000"/>
-              </a:spcBef>
-              <a:buFont typeface="Arial" pitchFamily="34" charset="0"/>
-              <a:buChar char="•"/>
-              <a:defRPr sz="2400" kern="1200">
-                <a:solidFill>
-                  <a:schemeClr val="tx1"/>
-                </a:solidFill>
-                <a:latin typeface="+mn-lt"/>
-                <a:ea typeface="+mn-ea"/>
-                <a:cs typeface="+mn-cs"/>
-              </a:defRPr>
-            </a:lvl3pPr>
-            <a:lvl4pPr marL="1600200" indent="-228600" algn="l" defTabSz="914400" rtl="0" eaLnBrk="1" latinLnBrk="0" hangingPunct="1">
-              <a:spcBef>
-                <a:spcPct val="20000"/>
-              </a:spcBef>
-              <a:buFont typeface="Arial" pitchFamily="34" charset="0"/>
-              <a:buChar char="–"/>
-              <a:defRPr sz="2000" kern="1200">
-                <a:solidFill>
-                  <a:schemeClr val="tx1"/>
-                </a:solidFill>
-                <a:latin typeface="+mn-lt"/>
-                <a:ea typeface="+mn-ea"/>
-                <a:cs typeface="+mn-cs"/>
-              </a:defRPr>
-            </a:lvl4pPr>
-            <a:lvl5pPr marL="2057400" indent="-228600" algn="l" defTabSz="914400" rtl="0" eaLnBrk="1" latinLnBrk="0" hangingPunct="1">
-              <a:spcBef>
-                <a:spcPct val="20000"/>
-              </a:spcBef>
-              <a:buFont typeface="Arial" pitchFamily="34" charset="0"/>
-              <a:buChar char="»"/>
-              <a:defRPr sz="2000" kern="1200">
-                <a:solidFill>
-                  <a:schemeClr val="tx1"/>
-                </a:solidFill>
-                <a:latin typeface="+mn-lt"/>
-                <a:ea typeface="+mn-ea"/>
-                <a:cs typeface="+mn-cs"/>
-              </a:defRPr>
-            </a:lvl5pPr>
-            <a:lvl6pPr marL="2514600" indent="-228600" algn="l" defTabSz="914400" rtl="0" eaLnBrk="1" latinLnBrk="0" hangingPunct="1">
-              <a:spcBef>
-                <a:spcPct val="20000"/>
-              </a:spcBef>
-              <a:buFont typeface="Arial" pitchFamily="34" charset="0"/>
-              <a:buChar char="•"/>
-              <a:defRPr sz="2000" kern="1200">
-                <a:solidFill>
-                  <a:schemeClr val="tx1"/>
-                </a:solidFill>
-                <a:latin typeface="+mn-lt"/>
-                <a:ea typeface="+mn-ea"/>
-                <a:cs typeface="+mn-cs"/>
-              </a:defRPr>
-            </a:lvl6pPr>
-            <a:lvl7pPr marL="2971800" indent="-228600" algn="l" defTabSz="914400" rtl="0" eaLnBrk="1" latinLnBrk="0" hangingPunct="1">
-              <a:spcBef>
-                <a:spcPct val="20000"/>
-              </a:spcBef>
-              <a:buFont typeface="Arial" pitchFamily="34" charset="0"/>
-              <a:buChar char="•"/>
-              <a:defRPr sz="2000" kern="1200">
-                <a:solidFill>
-                  <a:schemeClr val="tx1"/>
-                </a:solidFill>
-                <a:latin typeface="+mn-lt"/>
-                <a:ea typeface="+mn-ea"/>
-                <a:cs typeface="+mn-cs"/>
-              </a:defRPr>
-            </a:lvl7pPr>
-            <a:lvl8pPr marL="3429000" indent="-228600" algn="l" defTabSz="914400" rtl="0" eaLnBrk="1" latinLnBrk="0" hangingPunct="1">
-              <a:spcBef>
-                <a:spcPct val="20000"/>
-              </a:spcBef>
-              <a:buFont typeface="Arial" pitchFamily="34" charset="0"/>
-              <a:buChar char="•"/>
-              <a:defRPr sz="2000" kern="1200">
-                <a:solidFill>
-                  <a:schemeClr val="tx1"/>
-                </a:solidFill>
-                <a:latin typeface="+mn-lt"/>
-                <a:ea typeface="+mn-ea"/>
-                <a:cs typeface="+mn-cs"/>
-              </a:defRPr>
-            </a:lvl8pPr>
-            <a:lvl9pPr marL="3886200" indent="-228600" algn="l" defTabSz="914400" rtl="0" eaLnBrk="1" latinLnBrk="0" hangingPunct="1">
-              <a:spcBef>
-                <a:spcPct val="20000"/>
-              </a:spcBef>
-              <a:buFont typeface="Arial" pitchFamily="34" charset="0"/>
-              <a:buChar char="•"/>
-              <a:defRPr sz="2000" kern="1200">
-                <a:solidFill>
-                  <a:schemeClr val="tx1"/>
-                </a:solidFill>
-                <a:latin typeface="+mn-lt"/>
-                <a:ea typeface="+mn-ea"/>
-                <a:cs typeface="+mn-cs"/>
-              </a:defRPr>
-            </a:lvl9pPr>
-          </a:lstStyle>
-          <a:p>
-            <a:pPr marL="0" indent="0">
-              <a:buNone/>
-            </a:pPr>
-            <a:r>
-              <a:rPr lang="en-US" sz="1800" dirty="0" err="1"/>
-              <a:t>Szenario-basiert</a:t>
-            </a:r>
-            <a:endParaRPr lang="en-US" sz="1800" dirty="0"/>
-          </a:p>
-        </p:txBody>
-      </p:sp>
-      <p:sp>
-        <p:nvSpPr>
-          <p:cNvPr id="11" name="Inhaltsplatzhalter 11"/>
-          <p:cNvSpPr txBox="1">
-            <a:spLocks/>
-          </p:cNvSpPr>
-          <p:nvPr/>
-        </p:nvSpPr>
-        <p:spPr>
-          <a:xfrm>
-            <a:off x="6021388" y="2498862"/>
-            <a:ext cx="4968552" cy="3951287"/>
-          </a:xfrm>
-          <a:prstGeom prst="rect">
-            <a:avLst/>
-          </a:prstGeom>
-        </p:spPr>
-        <p:txBody>
-          <a:bodyPr vert="horz" lIns="91440" tIns="45720" rIns="91440" bIns="45720" rtlCol="0">
-            <a:noAutofit/>
-          </a:bodyPr>
-          <a:lstStyle>
-            <a:lvl1pPr marL="342900" indent="-342900" algn="l" defTabSz="914400" rtl="0" eaLnBrk="1" latinLnBrk="0" hangingPunct="1">
-              <a:spcBef>
-                <a:spcPct val="20000"/>
-              </a:spcBef>
-              <a:buFont typeface="Arial" pitchFamily="34" charset="0"/>
-              <a:buChar char="•"/>
-              <a:defRPr sz="3200" kern="1200">
-                <a:solidFill>
-                  <a:schemeClr val="tx1"/>
-                </a:solidFill>
-                <a:latin typeface="+mn-lt"/>
-                <a:ea typeface="+mn-ea"/>
-                <a:cs typeface="+mn-cs"/>
-              </a:defRPr>
-            </a:lvl1pPr>
-            <a:lvl2pPr marL="742950" indent="-285750" algn="l" defTabSz="914400" rtl="0" eaLnBrk="1" latinLnBrk="0" hangingPunct="1">
-              <a:spcBef>
-                <a:spcPct val="20000"/>
-              </a:spcBef>
-              <a:buFont typeface="Arial" pitchFamily="34" charset="0"/>
-              <a:buChar char="–"/>
-              <a:defRPr sz="2800" kern="1200">
-                <a:solidFill>
-                  <a:schemeClr val="tx1"/>
-                </a:solidFill>
-                <a:latin typeface="+mn-lt"/>
-                <a:ea typeface="+mn-ea"/>
-                <a:cs typeface="+mn-cs"/>
-              </a:defRPr>
-            </a:lvl2pPr>
-            <a:lvl3pPr marL="1143000" indent="-228600" algn="l" defTabSz="914400" rtl="0" eaLnBrk="1" latinLnBrk="0" hangingPunct="1">
-              <a:spcBef>
-                <a:spcPct val="20000"/>
-              </a:spcBef>
-              <a:buFont typeface="Arial" pitchFamily="34" charset="0"/>
-              <a:buChar char="•"/>
-              <a:defRPr sz="2400" kern="1200">
-                <a:solidFill>
-                  <a:schemeClr val="tx1"/>
-                </a:solidFill>
-                <a:latin typeface="+mn-lt"/>
-                <a:ea typeface="+mn-ea"/>
-                <a:cs typeface="+mn-cs"/>
-              </a:defRPr>
-            </a:lvl3pPr>
-            <a:lvl4pPr marL="1600200" indent="-228600" algn="l" defTabSz="914400" rtl="0" eaLnBrk="1" latinLnBrk="0" hangingPunct="1">
-              <a:spcBef>
-                <a:spcPct val="20000"/>
-              </a:spcBef>
-              <a:buFont typeface="Arial" pitchFamily="34" charset="0"/>
-              <a:buChar char="–"/>
-              <a:defRPr sz="2000" kern="1200">
-                <a:solidFill>
-                  <a:schemeClr val="tx1"/>
-                </a:solidFill>
-                <a:latin typeface="+mn-lt"/>
-                <a:ea typeface="+mn-ea"/>
-                <a:cs typeface="+mn-cs"/>
-              </a:defRPr>
-            </a:lvl4pPr>
-            <a:lvl5pPr marL="2057400" indent="-228600" algn="l" defTabSz="914400" rtl="0" eaLnBrk="1" latinLnBrk="0" hangingPunct="1">
-              <a:spcBef>
-                <a:spcPct val="20000"/>
-              </a:spcBef>
-              <a:buFont typeface="Arial" pitchFamily="34" charset="0"/>
-              <a:buChar char="»"/>
-              <a:defRPr sz="2000" kern="1200">
-                <a:solidFill>
-                  <a:schemeClr val="tx1"/>
-                </a:solidFill>
-                <a:latin typeface="+mn-lt"/>
-                <a:ea typeface="+mn-ea"/>
-                <a:cs typeface="+mn-cs"/>
-              </a:defRPr>
-            </a:lvl5pPr>
-            <a:lvl6pPr marL="2514600" indent="-228600" algn="l" defTabSz="914400" rtl="0" eaLnBrk="1" latinLnBrk="0" hangingPunct="1">
-              <a:spcBef>
-                <a:spcPct val="20000"/>
-              </a:spcBef>
-              <a:buFont typeface="Arial" pitchFamily="34" charset="0"/>
-              <a:buChar char="•"/>
-              <a:defRPr sz="2000" kern="1200">
-                <a:solidFill>
-                  <a:schemeClr val="tx1"/>
-                </a:solidFill>
-                <a:latin typeface="+mn-lt"/>
-                <a:ea typeface="+mn-ea"/>
-                <a:cs typeface="+mn-cs"/>
-              </a:defRPr>
-            </a:lvl6pPr>
-            <a:lvl7pPr marL="2971800" indent="-228600" algn="l" defTabSz="914400" rtl="0" eaLnBrk="1" latinLnBrk="0" hangingPunct="1">
-              <a:spcBef>
-                <a:spcPct val="20000"/>
-              </a:spcBef>
-              <a:buFont typeface="Arial" pitchFamily="34" charset="0"/>
-              <a:buChar char="•"/>
-              <a:defRPr sz="2000" kern="1200">
-                <a:solidFill>
-                  <a:schemeClr val="tx1"/>
-                </a:solidFill>
-                <a:latin typeface="+mn-lt"/>
-                <a:ea typeface="+mn-ea"/>
-                <a:cs typeface="+mn-cs"/>
-              </a:defRPr>
-            </a:lvl7pPr>
-            <a:lvl8pPr marL="3429000" indent="-228600" algn="l" defTabSz="914400" rtl="0" eaLnBrk="1" latinLnBrk="0" hangingPunct="1">
-              <a:spcBef>
-                <a:spcPct val="20000"/>
-              </a:spcBef>
-              <a:buFont typeface="Arial" pitchFamily="34" charset="0"/>
-              <a:buChar char="•"/>
-              <a:defRPr sz="2000" kern="1200">
-                <a:solidFill>
-                  <a:schemeClr val="tx1"/>
-                </a:solidFill>
-                <a:latin typeface="+mn-lt"/>
-                <a:ea typeface="+mn-ea"/>
-                <a:cs typeface="+mn-cs"/>
-              </a:defRPr>
-            </a:lvl8pPr>
-            <a:lvl9pPr marL="3886200" indent="-228600" algn="l" defTabSz="914400" rtl="0" eaLnBrk="1" latinLnBrk="0" hangingPunct="1">
-              <a:spcBef>
-                <a:spcPct val="20000"/>
-              </a:spcBef>
-              <a:buFont typeface="Arial" pitchFamily="34" charset="0"/>
-              <a:buChar char="•"/>
-              <a:defRPr sz="2000" kern="1200">
-                <a:solidFill>
-                  <a:schemeClr val="tx1"/>
-                </a:solidFill>
-                <a:latin typeface="+mn-lt"/>
-                <a:ea typeface="+mn-ea"/>
-                <a:cs typeface="+mn-cs"/>
-              </a:defRPr>
-            </a:lvl9pPr>
-          </a:lstStyle>
-          <a:p>
-            <a:r>
-              <a:rPr lang="en-US" sz="1500" dirty="0" err="1"/>
-              <a:t>Reservieren</a:t>
-            </a:r>
-            <a:r>
-              <a:rPr lang="en-US" sz="1500" dirty="0"/>
-              <a:t>:</a:t>
-            </a:r>
-          </a:p>
-          <a:p>
-            <a:pPr lvl="1"/>
-            <a:r>
-              <a:rPr lang="en-US" sz="1500" dirty="0" err="1"/>
-              <a:t>Kostenlos</a:t>
-            </a:r>
-            <a:endParaRPr lang="en-US" sz="1500" dirty="0"/>
-          </a:p>
-          <a:p>
-            <a:r>
-              <a:rPr lang="en-US" sz="1500" dirty="0" err="1"/>
-              <a:t>Freigeben</a:t>
-            </a:r>
-            <a:endParaRPr lang="en-US" sz="1500" dirty="0"/>
-          </a:p>
-          <a:p>
-            <a:pPr lvl="1"/>
-            <a:r>
-              <a:rPr lang="en-US" sz="1500" dirty="0"/>
-              <a:t>System muss </a:t>
-            </a:r>
-            <a:r>
-              <a:rPr lang="en-US" sz="1500" dirty="0" err="1"/>
-              <a:t>wissen</a:t>
-            </a:r>
-            <a:r>
-              <a:rPr lang="en-US" sz="1500" dirty="0"/>
-              <a:t>, </a:t>
-            </a:r>
-            <a:r>
-              <a:rPr lang="en-US" sz="1500" dirty="0" err="1"/>
-              <a:t>dass</a:t>
-            </a:r>
-            <a:r>
-              <a:rPr lang="en-US" sz="1500" dirty="0"/>
-              <a:t> </a:t>
-            </a:r>
-            <a:r>
-              <a:rPr lang="en-US" sz="1500" dirty="0" err="1"/>
-              <a:t>Platz</a:t>
-            </a:r>
-            <a:r>
-              <a:rPr lang="en-US" sz="1500" dirty="0"/>
-              <a:t> </a:t>
-            </a:r>
-            <a:r>
-              <a:rPr lang="en-US" sz="1500" dirty="0" err="1"/>
-              <a:t>frei</a:t>
-            </a:r>
-            <a:r>
-              <a:rPr lang="en-US" sz="1500" dirty="0"/>
-              <a:t> </a:t>
-            </a:r>
-            <a:r>
-              <a:rPr lang="en-US" sz="1500" dirty="0" err="1"/>
-              <a:t>ist</a:t>
-            </a:r>
-            <a:endParaRPr lang="en-US" sz="1500" dirty="0"/>
-          </a:p>
-          <a:p>
-            <a:r>
-              <a:rPr lang="en-US" sz="1500" dirty="0" err="1"/>
-              <a:t>Registrierung</a:t>
-            </a:r>
-            <a:endParaRPr lang="en-US" sz="1500" dirty="0"/>
-          </a:p>
-          <a:p>
-            <a:pPr lvl="1"/>
-            <a:r>
-              <a:rPr lang="en-US" sz="1500" dirty="0" err="1"/>
-              <a:t>Ohne</a:t>
-            </a:r>
-            <a:r>
-              <a:rPr lang="en-US" sz="1500" dirty="0"/>
-              <a:t> </a:t>
-            </a:r>
-            <a:r>
-              <a:rPr lang="en-US" sz="1500" dirty="0" err="1"/>
-              <a:t>Matrikelnummer</a:t>
-            </a:r>
-            <a:r>
-              <a:rPr lang="en-US" sz="1500" dirty="0"/>
-              <a:t>?</a:t>
-            </a:r>
-          </a:p>
-          <a:p>
-            <a:pPr lvl="1"/>
-            <a:r>
-              <a:rPr lang="en-US" sz="1500" dirty="0"/>
-              <a:t>Fake-</a:t>
-            </a:r>
-            <a:r>
-              <a:rPr lang="en-US" sz="1500" dirty="0" err="1"/>
-              <a:t>Reservierung</a:t>
-            </a:r>
-            <a:r>
-              <a:rPr lang="en-US" sz="1500" dirty="0"/>
-              <a:t>?</a:t>
-            </a:r>
-          </a:p>
-          <a:p>
-            <a:pPr lvl="1"/>
-            <a:r>
-              <a:rPr lang="en-US" sz="1500" dirty="0" err="1"/>
-              <a:t>Schnitsttelle</a:t>
-            </a:r>
-            <a:r>
-              <a:rPr lang="en-US" sz="1500" dirty="0"/>
-              <a:t> </a:t>
-            </a:r>
-            <a:r>
-              <a:rPr lang="en-US" sz="1500" dirty="0" err="1"/>
-              <a:t>zur</a:t>
-            </a:r>
-            <a:r>
-              <a:rPr lang="en-US" sz="1500" dirty="0"/>
-              <a:t> </a:t>
-            </a:r>
-            <a:r>
-              <a:rPr lang="en-US" sz="1500" dirty="0" err="1"/>
-              <a:t>Univerwaltung</a:t>
-            </a:r>
-            <a:r>
-              <a:rPr lang="en-US" sz="1500" dirty="0"/>
-              <a:t> </a:t>
-            </a:r>
-            <a:r>
-              <a:rPr lang="en-US" sz="1500" dirty="0" err="1"/>
-              <a:t>zum</a:t>
-            </a:r>
-            <a:r>
-              <a:rPr lang="en-US" sz="1500" dirty="0"/>
-              <a:t> </a:t>
-            </a:r>
-            <a:r>
-              <a:rPr lang="en-US" sz="1500" dirty="0" err="1"/>
-              <a:t>Validieren</a:t>
-            </a:r>
-            <a:r>
-              <a:rPr lang="en-US" sz="1500" dirty="0"/>
-              <a:t> von </a:t>
-            </a:r>
-            <a:r>
-              <a:rPr lang="en-US" sz="1500" dirty="0" err="1"/>
-              <a:t>MatNr</a:t>
-            </a:r>
-            <a:r>
-              <a:rPr lang="en-US" sz="1500" dirty="0"/>
-              <a:t>.</a:t>
-            </a:r>
-          </a:p>
-          <a:p>
-            <a:r>
-              <a:rPr lang="en-US" sz="1500" dirty="0" err="1"/>
-              <a:t>Sammeln</a:t>
-            </a:r>
-            <a:endParaRPr lang="en-US" sz="1500" dirty="0"/>
-          </a:p>
-          <a:p>
-            <a:pPr lvl="1"/>
-            <a:r>
-              <a:rPr lang="en-US" sz="1500" dirty="0" err="1"/>
-              <a:t>Verfälschung</a:t>
-            </a:r>
-            <a:r>
-              <a:rPr lang="en-US" sz="1500" dirty="0"/>
-              <a:t> von </a:t>
-            </a:r>
-            <a:r>
-              <a:rPr lang="en-US" sz="1500" dirty="0" err="1"/>
-              <a:t>Statistken</a:t>
-            </a:r>
-            <a:r>
-              <a:rPr lang="en-US" sz="1500" dirty="0"/>
-              <a:t> </a:t>
-            </a:r>
-            <a:r>
-              <a:rPr lang="en-US" sz="1500" dirty="0" err="1"/>
-              <a:t>bei</a:t>
-            </a:r>
-            <a:r>
-              <a:rPr lang="en-US" sz="1500" dirty="0"/>
-              <a:t> </a:t>
-            </a:r>
-            <a:r>
-              <a:rPr lang="en-US" sz="1500" dirty="0" err="1"/>
-              <a:t>Gruppenbenutzung</a:t>
-            </a:r>
-            <a:r>
-              <a:rPr lang="en-US" sz="1500" dirty="0"/>
-              <a:t> </a:t>
-            </a:r>
-            <a:r>
-              <a:rPr lang="en-US" sz="1500" dirty="0" err="1"/>
-              <a:t>verhindern</a:t>
-            </a:r>
-            <a:endParaRPr lang="en-US" sz="1500" dirty="0"/>
-          </a:p>
-          <a:p>
-            <a:r>
-              <a:rPr lang="en-US" sz="1500" dirty="0"/>
-              <a:t>Feedback</a:t>
-            </a:r>
-          </a:p>
-          <a:p>
-            <a:pPr lvl="1"/>
-            <a:r>
-              <a:rPr lang="en-US" sz="1500" dirty="0" err="1"/>
-              <a:t>Andere</a:t>
-            </a:r>
-            <a:r>
-              <a:rPr lang="en-US" sz="1500" dirty="0"/>
-              <a:t> </a:t>
-            </a:r>
-            <a:r>
-              <a:rPr lang="en-US" sz="1500" dirty="0" err="1"/>
-              <a:t>müssen</a:t>
-            </a:r>
-            <a:r>
-              <a:rPr lang="en-US" sz="1500" dirty="0"/>
-              <a:t> </a:t>
-            </a:r>
-            <a:r>
-              <a:rPr lang="en-US" sz="1500" dirty="0" err="1"/>
-              <a:t>Gruppenreservierung</a:t>
-            </a:r>
-            <a:r>
-              <a:rPr lang="en-US" sz="1500" dirty="0"/>
-              <a:t> </a:t>
-            </a:r>
-            <a:r>
-              <a:rPr lang="en-US" sz="1500" dirty="0" err="1"/>
-              <a:t>annehmen</a:t>
-            </a:r>
-            <a:endParaRPr lang="en-US" sz="1500" dirty="0"/>
-          </a:p>
-          <a:p>
-            <a:r>
-              <a:rPr lang="en-US" sz="1500" dirty="0" err="1"/>
-              <a:t>Verschlüsselung</a:t>
-            </a:r>
-            <a:r>
-              <a:rPr lang="en-US" sz="1500" dirty="0"/>
-              <a:t> der </a:t>
-            </a:r>
-            <a:r>
-              <a:rPr lang="en-US" sz="1500" dirty="0" err="1"/>
-              <a:t>Daten</a:t>
-            </a:r>
-            <a:endParaRPr lang="en-US" sz="1500" dirty="0"/>
-          </a:p>
-          <a:p>
-            <a:r>
-              <a:rPr lang="en-US" sz="1500" dirty="0"/>
-              <a:t>Max. </a:t>
-            </a:r>
-            <a:r>
-              <a:rPr lang="en-US" sz="1500" dirty="0" err="1"/>
-              <a:t>Platzbeschränkung</a:t>
-            </a:r>
-            <a:r>
-              <a:rPr lang="en-US" sz="1500" dirty="0"/>
-              <a:t> </a:t>
-            </a:r>
-            <a:r>
-              <a:rPr lang="en-US" sz="1500" dirty="0" err="1"/>
-              <a:t>bei</a:t>
-            </a:r>
-            <a:r>
-              <a:rPr lang="en-US" sz="1500" dirty="0"/>
-              <a:t> </a:t>
-            </a:r>
-            <a:r>
-              <a:rPr lang="en-US" sz="1500" dirty="0" err="1"/>
-              <a:t>Reservierung</a:t>
-            </a:r>
-            <a:endParaRPr lang="en-US" sz="1500" dirty="0"/>
-          </a:p>
-        </p:txBody>
-      </p:sp>
-    </p:spTree>
-  </p:cSld>
-  <p:clrMapOvr>
-    <a:masterClrMapping/>
-  </p:clrMapOvr>
-  <p:timing>
-    <p:tnLst>
-      <p:par>
-        <p:cTn id="1" dur="indefinite" restart="never" nodeType="tmRoot"/>
-      </p:par>
-    </p:tnLst>
-  </p:timing>
-</p:sld>
-</file>
-
-<file path=ppt/slides/slide34.xml><?xml version="1.0" encoding="utf-8"?>
-<p:sld xmlns:a="http://schemas.openxmlformats.org/drawingml/2006/main" xmlns:r="http://schemas.openxmlformats.org/officeDocument/2006/relationships" xmlns:p="http://schemas.openxmlformats.org/presentationml/2006/main">
-  <p:cSld>
-    <p:spTree>
-      <p:nvGrpSpPr>
-        <p:cNvPr id="1" name=""/>
-        <p:cNvGrpSpPr/>
-        <p:nvPr/>
-      </p:nvGrpSpPr>
-      <p:grpSpPr>
-        <a:xfrm>
-          <a:off x="0" y="0"/>
-          <a:ext cx="0" cy="0"/>
-          <a:chOff x="0" y="0"/>
-          <a:chExt cx="0" cy="0"/>
-        </a:xfrm>
-      </p:grpSpPr>
-      <p:sp>
-        <p:nvSpPr>
           <p:cNvPr id="2" name="Titel 1"/>
           <p:cNvSpPr>
             <a:spLocks noGrp="1"/>
@@ -24095,7 +22624,7 @@
               <a:pPr>
                 <a:defRPr/>
               </a:pPr>
-              <a:t>34</a:t>
+              <a:t>33</a:t>
             </a:fld>
             <a:endParaRPr lang="de-DE"/>
           </a:p>
@@ -24413,7 +22942,7 @@
 </p:sld>
 </file>
 
-<file path=ppt/slides/slide35.xml><?xml version="1.0" encoding="utf-8"?>
+<file path=ppt/slides/slide34.xml><?xml version="1.0" encoding="utf-8"?>
 <p:sld xmlns:a="http://schemas.openxmlformats.org/drawingml/2006/main" xmlns:r="http://schemas.openxmlformats.org/officeDocument/2006/relationships" xmlns:p="http://schemas.openxmlformats.org/presentationml/2006/main">
   <p:cSld>
     <p:spTree>
@@ -24475,7 +23004,7 @@
               <a:pPr>
                 <a:defRPr/>
               </a:pPr>
-              <a:t>35</a:t>
+              <a:t>34</a:t>
             </a:fld>
             <a:endParaRPr lang="de-DE"/>
           </a:p>
@@ -26030,7 +24559,7 @@
 </p:sld>
 </file>
 
-<file path=ppt/slides/slide36.xml><?xml version="1.0" encoding="utf-8"?>
+<file path=ppt/slides/slide35.xml><?xml version="1.0" encoding="utf-8"?>
 <p:sld xmlns:a="http://schemas.openxmlformats.org/drawingml/2006/main" xmlns:r="http://schemas.openxmlformats.org/officeDocument/2006/relationships" xmlns:p="http://schemas.openxmlformats.org/presentationml/2006/main">
   <p:cSld>
     <p:spTree>
@@ -26156,7 +24685,7 @@
             <a:fld id="{6C6AE60A-B69C-4790-82F7-3882EDF23186}" type="slidenum">
               <a:rPr lang="de-DE" smtClean="0"/>
               <a:pPr/>
-              <a:t>36</a:t>
+              <a:t>35</a:t>
             </a:fld>
             <a:endParaRPr lang="de-DE"/>
           </a:p>
@@ -26635,7 +25164,7 @@
 </p:sld>
 </file>
 
-<file path=ppt/slides/slide37.xml><?xml version="1.0" encoding="utf-8"?>
+<file path=ppt/slides/slide36.xml><?xml version="1.0" encoding="utf-8"?>
 <p:sld xmlns:a="http://schemas.openxmlformats.org/drawingml/2006/main" xmlns:r="http://schemas.openxmlformats.org/officeDocument/2006/relationships" xmlns:p="http://schemas.openxmlformats.org/presentationml/2006/main">
   <p:cSld>
     <p:spTree>
@@ -26734,7 +25263,7 @@
             <a:fld id="{6C6AE60A-B69C-4790-82F7-3882EDF23186}" type="slidenum">
               <a:rPr lang="de-DE" smtClean="0"/>
               <a:pPr/>
-              <a:t>37</a:t>
+              <a:t>36</a:t>
             </a:fld>
             <a:endParaRPr lang="de-DE"/>
           </a:p>
@@ -28005,6 +26534,145 @@
 </p:sld>
 </file>
 
+<file path=ppt/slides/slide37.xml><?xml version="1.0" encoding="utf-8"?>
+<p:sld xmlns:a="http://schemas.openxmlformats.org/drawingml/2006/main" xmlns:r="http://schemas.openxmlformats.org/officeDocument/2006/relationships" xmlns:p="http://schemas.openxmlformats.org/presentationml/2006/main">
+  <p:cSld>
+    <p:spTree>
+      <p:nvGrpSpPr>
+        <p:cNvPr id="1" name=""/>
+        <p:cNvGrpSpPr/>
+        <p:nvPr/>
+      </p:nvGrpSpPr>
+      <p:grpSpPr>
+        <a:xfrm>
+          <a:off x="0" y="0"/>
+          <a:ext cx="0" cy="0"/>
+          <a:chOff x="0" y="0"/>
+          <a:chExt cx="0" cy="0"/>
+        </a:xfrm>
+      </p:grpSpPr>
+      <p:sp>
+        <p:nvSpPr>
+          <p:cNvPr id="2" name="Titel 1"/>
+          <p:cNvSpPr>
+            <a:spLocks noGrp="1"/>
+          </p:cNvSpPr>
+          <p:nvPr>
+            <p:ph type="title"/>
+          </p:nvPr>
+        </p:nvSpPr>
+        <p:spPr/>
+        <p:txBody>
+          <a:bodyPr/>
+          <a:lstStyle/>
+          <a:p>
+            <a:r>
+              <a:rPr lang="en-US"/>
+              <a:t>3. Anforderungsbeschreibung</a:t>
+            </a:r>
+          </a:p>
+        </p:txBody>
+      </p:sp>
+      <p:sp>
+        <p:nvSpPr>
+          <p:cNvPr id="3" name="Inhaltsplatzhalter 2"/>
+          <p:cNvSpPr>
+            <a:spLocks noGrp="1"/>
+          </p:cNvSpPr>
+          <p:nvPr>
+            <p:ph idx="1"/>
+          </p:nvPr>
+        </p:nvSpPr>
+        <p:spPr/>
+        <p:txBody>
+          <a:bodyPr/>
+          <a:lstStyle/>
+          <a:p>
+            <a:r>
+              <a:rPr lang="de-DE" dirty="0"/>
+              <a:t>Anforderungen müssen systematisch und einheitlich beschrieben werden</a:t>
+            </a:r>
+          </a:p>
+          <a:p>
+            <a:r>
+              <a:rPr lang="de-DE" dirty="0"/>
+              <a:t>Beispiele:</a:t>
+            </a:r>
+          </a:p>
+          <a:p>
+            <a:pPr lvl="1"/>
+            <a:r>
+              <a:rPr lang="de-DE" dirty="0" err="1"/>
+              <a:t>Volere</a:t>
+            </a:r>
+            <a:r>
+              <a:rPr lang="de-DE" dirty="0"/>
+              <a:t>-Template (Snow </a:t>
+            </a:r>
+            <a:r>
+              <a:rPr lang="de-DE" dirty="0" err="1"/>
+              <a:t>card</a:t>
+            </a:r>
+            <a:r>
+              <a:rPr lang="de-DE" dirty="0"/>
+              <a:t>)</a:t>
+            </a:r>
+          </a:p>
+          <a:p>
+            <a:pPr lvl="1"/>
+            <a:r>
+              <a:rPr lang="de-DE" dirty="0"/>
+              <a:t>IEEE  Std 830-1998</a:t>
+            </a:r>
+          </a:p>
+          <a:p>
+            <a:pPr lvl="1"/>
+            <a:r>
+              <a:rPr lang="de-DE" dirty="0"/>
+              <a:t>FURPS/FURPS+</a:t>
+            </a:r>
+          </a:p>
+        </p:txBody>
+      </p:sp>
+      <p:sp>
+        <p:nvSpPr>
+          <p:cNvPr id="4" name="Foliennummernplatzhalter 3"/>
+          <p:cNvSpPr>
+            <a:spLocks noGrp="1"/>
+          </p:cNvSpPr>
+          <p:nvPr>
+            <p:ph type="sldNum" sz="quarter" idx="12"/>
+          </p:nvPr>
+        </p:nvSpPr>
+        <p:spPr/>
+        <p:txBody>
+          <a:bodyPr/>
+          <a:lstStyle/>
+          <a:p>
+            <a:fld id="{6C6AE60A-B69C-4790-82F7-3882EDF23186}" type="slidenum">
+              <a:rPr lang="de-DE" smtClean="0"/>
+              <a:pPr/>
+              <a:t>37</a:t>
+            </a:fld>
+            <a:endParaRPr lang="de-DE"/>
+          </a:p>
+        </p:txBody>
+      </p:sp>
+    </p:spTree>
+  </p:cSld>
+  <p:clrMapOvr>
+    <a:masterClrMapping/>
+  </p:clrMapOvr>
+  <p:timing>
+    <p:tnLst>
+      <p:par>
+        <p:cTn id="1" dur="indefinite" restart="never" nodeType="tmRoot"/>
+      </p:par>
+    </p:tnLst>
+  </p:timing>
+</p:sld>
+</file>
+
 <file path=ppt/slides/slide38.xml><?xml version="1.0" encoding="utf-8"?>
 <p:sld xmlns:a="http://schemas.openxmlformats.org/drawingml/2006/main" xmlns:r="http://schemas.openxmlformats.org/officeDocument/2006/relationships" xmlns:p="http://schemas.openxmlformats.org/presentationml/2006/main">
   <p:cSld>
@@ -28038,9 +26706,10 @@
           <a:lstStyle/>
           <a:p>
             <a:r>
-              <a:rPr lang="en-US"/>
-              <a:t>3. Anforderungsbeschreibung</a:t>
-            </a:r>
+              <a:rPr lang="de-DE" dirty="0" err="1"/>
+              <a:t>Volere</a:t>
+            </a:r>
+            <a:endParaRPr lang="de-DE" dirty="0"/>
           </a:p>
         </p:txBody>
       </p:sp>
@@ -28061,53 +26730,88 @@
           <a:p>
             <a:r>
               <a:rPr lang="de-DE" dirty="0"/>
-              <a:t>Anforderungen müssen systematisch und einheitlich beschrieben werden</a:t>
-            </a:r>
-          </a:p>
-          <a:p>
+              <a:t>5 Hauptkategorien, in denen Anforderungen genau beschrieben werden</a:t>
+            </a:r>
+          </a:p>
+          <a:p>
+            <a:pPr lvl="1"/>
             <a:r>
               <a:rPr lang="de-DE" dirty="0"/>
-              <a:t>Beispiele:</a:t>
-            </a:r>
-          </a:p>
-          <a:p>
-            <a:pPr lvl="1"/>
+              <a:t>Project Drivers, Project </a:t>
+            </a:r>
             <a:r>
               <a:rPr lang="de-DE" dirty="0" err="1"/>
-              <a:t>Volere</a:t>
+              <a:t>Constraints</a:t>
             </a:r>
             <a:r>
               <a:rPr lang="de-DE" dirty="0"/>
-              <a:t>-Template (Snow </a:t>
+              <a:t>, </a:t>
             </a:r>
             <a:r>
               <a:rPr lang="de-DE" dirty="0" err="1"/>
-              <a:t>card</a:t>
+              <a:t>Functional</a:t>
             </a:r>
             <a:r>
               <a:rPr lang="de-DE" dirty="0"/>
-              <a:t>)</a:t>
-            </a:r>
-          </a:p>
-          <a:p>
-            <a:pPr lvl="1"/>
+              <a:t> </a:t>
+            </a:r>
+            <a:r>
+              <a:rPr lang="de-DE" dirty="0" err="1"/>
+              <a:t>Requirements</a:t>
+            </a:r>
             <a:r>
               <a:rPr lang="de-DE" dirty="0"/>
-              <a:t>IEEE  Std 830-1998</a:t>
-            </a:r>
-          </a:p>
-          <a:p>
-            <a:pPr lvl="1"/>
+              <a:t>, Non-</a:t>
+            </a:r>
+            <a:r>
+              <a:rPr lang="de-DE" dirty="0" err="1"/>
+              <a:t>Functional</a:t>
+            </a:r>
             <a:r>
               <a:rPr lang="de-DE" dirty="0"/>
-              <a:t>FURPS/FURPS+</a:t>
-            </a:r>
-          </a:p>
-        </p:txBody>
-      </p:sp>
-      <p:sp>
-        <p:nvSpPr>
-          <p:cNvPr id="4" name="Foliennummernplatzhalter 3"/>
+              <a:t> </a:t>
+            </a:r>
+            <a:r>
+              <a:rPr lang="de-DE" dirty="0" err="1"/>
+              <a:t>Requirements</a:t>
+            </a:r>
+            <a:r>
+              <a:rPr lang="de-DE" dirty="0"/>
+              <a:t>, Project </a:t>
+            </a:r>
+            <a:r>
+              <a:rPr lang="de-DE" dirty="0" err="1"/>
+              <a:t>Issues</a:t>
+            </a:r>
+            <a:endParaRPr lang="de-DE" dirty="0"/>
+          </a:p>
+          <a:p>
+            <a:r>
+              <a:rPr lang="de-DE" dirty="0"/>
+              <a:t>Eingeteilt in </a:t>
+            </a:r>
+            <a:r>
+              <a:rPr lang="de-DE" dirty="0" smtClean="0"/>
+              <a:t>Subkategorien</a:t>
+            </a:r>
+          </a:p>
+          <a:p>
+            <a:r>
+              <a:rPr lang="en-US" dirty="0">
+                <a:hlinkClick r:id="rId2"/>
+              </a:rPr>
+              <a:t>https://www.volere.org/templates/volere-requirements-specification-template/</a:t>
+            </a:r>
+            <a:endParaRPr lang="de-DE" dirty="0"/>
+          </a:p>
+          <a:p>
+            <a:endParaRPr lang="de-DE" dirty="0"/>
+          </a:p>
+        </p:txBody>
+      </p:sp>
+      <p:sp>
+        <p:nvSpPr>
+          <p:cNvPr id="5" name="Foliennummernplatzhalter 4"/>
           <p:cNvSpPr>
             <a:spLocks noGrp="1"/>
           </p:cNvSpPr>
@@ -28177,10 +26881,13 @@
           <a:lstStyle/>
           <a:p>
             <a:r>
-              <a:rPr lang="de-DE" dirty="0" err="1"/>
+              <a:rPr lang="en-US" dirty="0" err="1"/>
               <a:t>Volere</a:t>
             </a:r>
-            <a:endParaRPr lang="de-DE" dirty="0"/>
+            <a:r>
+              <a:rPr lang="en-US" dirty="0"/>
+              <a:t>: Project Drivers</a:t>
+            </a:r>
           </a:p>
         </p:txBody>
       </p:sp>
@@ -28199,77 +26906,40 @@
           <a:bodyPr/>
           <a:lstStyle/>
           <a:p>
-            <a:r>
-              <a:rPr lang="de-DE" dirty="0"/>
-              <a:t>5 Hauptkategorien, in denen Anforderungen genau beschrieben werden</a:t>
-            </a:r>
-          </a:p>
-          <a:p>
-            <a:pPr lvl="1"/>
-            <a:r>
-              <a:rPr lang="de-DE" dirty="0"/>
-              <a:t>Project Drivers, Project </a:t>
-            </a:r>
-            <a:r>
-              <a:rPr lang="de-DE" dirty="0" err="1"/>
-              <a:t>Constraints</a:t>
-            </a:r>
-            <a:r>
-              <a:rPr lang="de-DE" dirty="0"/>
-              <a:t>, </a:t>
-            </a:r>
-            <a:r>
-              <a:rPr lang="de-DE" dirty="0" err="1"/>
-              <a:t>Functional</a:t>
-            </a:r>
-            <a:r>
-              <a:rPr lang="de-DE" dirty="0"/>
-              <a:t> </a:t>
-            </a:r>
-            <a:r>
-              <a:rPr lang="de-DE" dirty="0" err="1"/>
-              <a:t>Requirements</a:t>
-            </a:r>
-            <a:r>
-              <a:rPr lang="de-DE" dirty="0"/>
-              <a:t>, Non-</a:t>
-            </a:r>
-            <a:r>
-              <a:rPr lang="de-DE" dirty="0" err="1"/>
-              <a:t>Functional</a:t>
-            </a:r>
-            <a:r>
-              <a:rPr lang="de-DE" dirty="0"/>
-              <a:t> </a:t>
-            </a:r>
-            <a:r>
-              <a:rPr lang="de-DE" dirty="0" err="1"/>
-              <a:t>Requirements</a:t>
-            </a:r>
-            <a:r>
-              <a:rPr lang="de-DE" dirty="0"/>
-              <a:t>, Project </a:t>
-            </a:r>
-            <a:r>
-              <a:rPr lang="de-DE" dirty="0" err="1"/>
-              <a:t>Issues</a:t>
-            </a:r>
-            <a:endParaRPr lang="de-DE" dirty="0"/>
-          </a:p>
-          <a:p>
-            <a:r>
-              <a:rPr lang="de-DE" dirty="0"/>
-              <a:t>Eingeteilt in Subkategorien</a:t>
-            </a:r>
-          </a:p>
-          <a:p>
-            <a:endParaRPr lang="de-DE" dirty="0"/>
-          </a:p>
-        </p:txBody>
-      </p:sp>
-      <p:sp>
-        <p:nvSpPr>
-          <p:cNvPr id="5" name="Foliennummernplatzhalter 4"/>
+            <a:pPr marL="361950" indent="-361950"/>
+            <a:r>
+              <a:rPr lang="de-DE" sz="2800" dirty="0"/>
+              <a:t>Warum machen wir das Projekt?</a:t>
+            </a:r>
+          </a:p>
+          <a:p>
+            <a:pPr marL="819150" lvl="1" indent="-361950">
+              <a:buFont typeface="Symbol" pitchFamily="18" charset="2"/>
+              <a:buChar char="-"/>
+            </a:pPr>
+            <a:r>
+              <a:rPr lang="de-DE" sz="2800" dirty="0"/>
+              <a:t>Zweck des Projekts</a:t>
+            </a:r>
+          </a:p>
+          <a:p>
+            <a:pPr marL="819150" lvl="1" indent="-361950">
+              <a:buFont typeface="Symbol" pitchFamily="18" charset="2"/>
+              <a:buChar char="-"/>
+            </a:pPr>
+            <a:r>
+              <a:rPr lang="de-DE" sz="2800" dirty="0"/>
+              <a:t>Stakeholder</a:t>
+            </a:r>
+          </a:p>
+          <a:p>
+            <a:endParaRPr lang="en-US" dirty="0"/>
+          </a:p>
+        </p:txBody>
+      </p:sp>
+      <p:sp>
+        <p:nvSpPr>
+          <p:cNvPr id="4" name="Foliennummernplatzhalter 3"/>
           <p:cNvSpPr>
             <a:spLocks noGrp="1"/>
           </p:cNvSpPr>
@@ -28572,8 +27242,9 @@
             </a:r>
             <a:r>
               <a:rPr lang="en-US" dirty="0"/>
-              <a:t>: Project Drivers</a:t>
-            </a:r>
+              <a:t>: Project Constraints</a:t>
+            </a:r>
+            <a:endParaRPr lang="de-DE" dirty="0"/>
           </a:p>
         </p:txBody>
       </p:sp>
@@ -28594,38 +27265,36 @@
           <a:p>
             <a:pPr marL="361950" indent="-361950"/>
             <a:r>
-              <a:rPr lang="de-DE" sz="2800" dirty="0"/>
-              <a:t>Warum machen wir das Projekt?</a:t>
-            </a:r>
-          </a:p>
-          <a:p>
-            <a:pPr marL="819150" lvl="1" indent="-361950">
-              <a:buFont typeface="Symbol" pitchFamily="18" charset="2"/>
-              <a:buChar char="-"/>
-            </a:pPr>
-            <a:r>
-              <a:rPr lang="de-DE" sz="2800" dirty="0"/>
-              <a:t>Zweck des Projekts</a:t>
-            </a:r>
-          </a:p>
-          <a:p>
-            <a:pPr marL="819150" lvl="1" indent="-361950">
-              <a:buFont typeface="Symbol" pitchFamily="18" charset="2"/>
-              <a:buChar char="-"/>
-            </a:pPr>
-            <a:r>
-              <a:rPr lang="de-DE" sz="2800" dirty="0"/>
-              <a:t>Stakeholder</a:t>
-            </a:r>
-          </a:p>
-          <a:p>
-            <a:endParaRPr lang="en-US" dirty="0"/>
-          </a:p>
-        </p:txBody>
-      </p:sp>
-      <p:sp>
-        <p:nvSpPr>
-          <p:cNvPr id="4" name="Foliennummernplatzhalter 3"/>
+              <a:rPr lang="de-DE" dirty="0"/>
+              <a:t>Welchen (gesetzlichen) Rahmenbedingungen müssen eingehalten werden?</a:t>
+            </a:r>
+          </a:p>
+          <a:p>
+            <a:pPr marL="762000" lvl="1" indent="-361950"/>
+            <a:r>
+              <a:rPr lang="de-DE" dirty="0"/>
+              <a:t>Einschränkungen</a:t>
+            </a:r>
+          </a:p>
+          <a:p>
+            <a:pPr marL="762000" lvl="1" indent="-361950"/>
+            <a:r>
+              <a:rPr lang="de-DE" dirty="0"/>
+              <a:t>Namenskonventionen und Terminologie</a:t>
+            </a:r>
+          </a:p>
+          <a:p>
+            <a:pPr marL="762000" lvl="1" indent="-361950"/>
+            <a:r>
+              <a:rPr lang="de-DE" dirty="0"/>
+              <a:t>Relevante Fakten und Annahmen</a:t>
+            </a:r>
+          </a:p>
+        </p:txBody>
+      </p:sp>
+      <p:sp>
+        <p:nvSpPr>
+          <p:cNvPr id="5" name="Foliennummernplatzhalter 4"/>
           <p:cNvSpPr>
             <a:spLocks noGrp="1"/>
           </p:cNvSpPr>
@@ -28691,68 +27360,82 @@
         </p:nvSpPr>
         <p:spPr/>
         <p:txBody>
-          <a:bodyPr/>
+          <a:bodyPr>
+            <a:normAutofit/>
+          </a:bodyPr>
           <a:lstStyle/>
           <a:p>
             <a:r>
-              <a:rPr lang="en-US" dirty="0" err="1"/>
-              <a:t>Volere</a:t>
-            </a:r>
-            <a:r>
-              <a:rPr lang="en-US" dirty="0"/>
-              <a:t>: Project Constraints</a:t>
+              <a:rPr lang="en-US"/>
+              <a:t>Volere: Functional Requirements</a:t>
+            </a:r>
+          </a:p>
+        </p:txBody>
+      </p:sp>
+      <p:sp>
+        <p:nvSpPr>
+          <p:cNvPr id="3" name="Inhaltsplatzhalter 2"/>
+          <p:cNvSpPr>
+            <a:spLocks noGrp="1"/>
+          </p:cNvSpPr>
+          <p:nvPr>
+            <p:ph idx="1"/>
+          </p:nvPr>
+        </p:nvSpPr>
+        <p:spPr/>
+        <p:txBody>
+          <a:bodyPr>
+            <a:normAutofit/>
+          </a:bodyPr>
+          <a:lstStyle/>
+          <a:p>
+            <a:r>
+              <a:rPr lang="de-DE" dirty="0"/>
+              <a:t>Was ist der Sinn des Systems?</a:t>
+            </a:r>
+            <a:endParaRPr lang="en-US" dirty="0"/>
+          </a:p>
+          <a:p>
+            <a:pPr lvl="1"/>
+            <a:r>
+              <a:rPr lang="de-DE" dirty="0"/>
+              <a:t>Rahmen der Arbeit</a:t>
+            </a:r>
+          </a:p>
+          <a:p>
+            <a:pPr lvl="1"/>
+            <a:r>
+              <a:rPr lang="de-DE" dirty="0"/>
+              <a:t>Datenmodell und Data-</a:t>
+            </a:r>
+            <a:r>
+              <a:rPr lang="de-DE" dirty="0" err="1"/>
+              <a:t>dictionary</a:t>
             </a:r>
             <a:endParaRPr lang="de-DE" dirty="0"/>
           </a:p>
-        </p:txBody>
-      </p:sp>
-      <p:sp>
-        <p:nvSpPr>
-          <p:cNvPr id="3" name="Inhaltsplatzhalter 2"/>
-          <p:cNvSpPr>
-            <a:spLocks noGrp="1"/>
-          </p:cNvSpPr>
-          <p:nvPr>
-            <p:ph idx="1"/>
-          </p:nvPr>
-        </p:nvSpPr>
-        <p:spPr/>
-        <p:txBody>
-          <a:bodyPr/>
-          <a:lstStyle/>
-          <a:p>
-            <a:pPr marL="361950" indent="-361950"/>
+          <a:p>
+            <a:pPr lvl="1"/>
             <a:r>
               <a:rPr lang="de-DE" dirty="0"/>
-              <a:t>Welchen (gesetzlichen) Rahmenbedingungen müssen eingehalten werden?</a:t>
-            </a:r>
-          </a:p>
-          <a:p>
-            <a:pPr marL="762000" lvl="1" indent="-361950"/>
+              <a:t>Rahmen des Produkts</a:t>
+            </a:r>
+          </a:p>
+          <a:p>
+            <a:pPr lvl="1"/>
             <a:r>
               <a:rPr lang="de-DE" dirty="0"/>
-              <a:t>Einschränkungen</a:t>
-            </a:r>
-          </a:p>
-          <a:p>
-            <a:pPr marL="762000" lvl="1" indent="-361950"/>
-            <a:r>
-              <a:rPr lang="de-DE" dirty="0"/>
-              <a:t>Namenskonventionen und Terminologie</a:t>
-            </a:r>
-          </a:p>
-          <a:p>
-            <a:pPr marL="762000" lvl="1" indent="-361950"/>
-            <a:r>
-              <a:rPr lang="de-DE" dirty="0"/>
-              <a:t>Relevante Fakten und Annahmen</a:t>
-            </a:r>
-          </a:p>
-        </p:txBody>
-      </p:sp>
-      <p:sp>
-        <p:nvSpPr>
-          <p:cNvPr id="5" name="Foliennummernplatzhalter 4"/>
+              <a:t>Funktionelle Anforderungen und Anforderungen an Daten</a:t>
+            </a:r>
+          </a:p>
+          <a:p>
+            <a:endParaRPr lang="en-US" dirty="0"/>
+          </a:p>
+        </p:txBody>
+      </p:sp>
+      <p:sp>
+        <p:nvSpPr>
+          <p:cNvPr id="4" name="Foliennummernplatzhalter 3"/>
           <p:cNvSpPr>
             <a:spLocks noGrp="1"/>
           </p:cNvSpPr>
@@ -28824,8 +27507,12 @@
           <a:lstStyle/>
           <a:p>
             <a:r>
-              <a:rPr lang="en-US"/>
-              <a:t>Volere: Functional Requirements</a:t>
+              <a:rPr lang="en-US" dirty="0" err="1"/>
+              <a:t>Volere</a:t>
+            </a:r>
+            <a:r>
+              <a:rPr lang="en-US" dirty="0"/>
+              <a:t>: Non-functional Requirements</a:t>
             </a:r>
           </a:p>
         </p:txBody>
@@ -28849,44 +27536,72 @@
           <a:p>
             <a:r>
               <a:rPr lang="de-DE" dirty="0"/>
-              <a:t>Was ist der Sinn des Systems?</a:t>
+              <a:t>Was sind (selbstverständliche) Erwartungen an das System?</a:t>
             </a:r>
             <a:endParaRPr lang="en-US" dirty="0"/>
           </a:p>
           <a:p>
             <a:pPr lvl="1"/>
             <a:r>
+              <a:rPr lang="en-US" dirty="0"/>
+              <a:t>Look and feel</a:t>
+            </a:r>
+          </a:p>
+          <a:p>
+            <a:pPr lvl="1"/>
+            <a:r>
+              <a:rPr lang="en-US" dirty="0"/>
+              <a:t>Usability and humanity</a:t>
+            </a:r>
+          </a:p>
+          <a:p>
+            <a:pPr lvl="1"/>
+            <a:r>
               <a:rPr lang="de-DE" dirty="0"/>
-              <a:t>Rahmen der Arbeit</a:t>
+              <a:t>Performance</a:t>
             </a:r>
           </a:p>
           <a:p>
             <a:pPr lvl="1"/>
             <a:r>
+              <a:rPr lang="en-US" dirty="0" err="1"/>
+              <a:t>Wartbarkeit</a:t>
+            </a:r>
+            <a:r>
+              <a:rPr lang="en-US" dirty="0"/>
+              <a:t>- und Support</a:t>
+            </a:r>
+          </a:p>
+          <a:p>
+            <a:pPr lvl="1"/>
+            <a:r>
               <a:rPr lang="de-DE" dirty="0"/>
-              <a:t>Datenmodell und Data-</a:t>
-            </a:r>
-            <a:r>
-              <a:rPr lang="de-DE" dirty="0" err="1"/>
-              <a:t>dictionary</a:t>
-            </a:r>
-            <a:endParaRPr lang="de-DE" dirty="0"/>
+              <a:t>Sicherheit</a:t>
+            </a:r>
+            <a:endParaRPr lang="en-US" dirty="0"/>
           </a:p>
           <a:p>
             <a:pPr lvl="1"/>
             <a:r>
+              <a:rPr lang="en-US" dirty="0" err="1"/>
+              <a:t>Kulturell</a:t>
+            </a:r>
+            <a:r>
+              <a:rPr lang="en-US" dirty="0"/>
+              <a:t> und </a:t>
+            </a:r>
+            <a:r>
+              <a:rPr lang="en-US" dirty="0" err="1"/>
+              <a:t>politisch</a:t>
+            </a:r>
+            <a:endParaRPr lang="en-US" dirty="0"/>
+          </a:p>
+          <a:p>
+            <a:pPr lvl="1"/>
+            <a:r>
               <a:rPr lang="de-DE" dirty="0"/>
-              <a:t>Rahmen des Produkts</a:t>
-            </a:r>
-          </a:p>
-          <a:p>
-            <a:pPr lvl="1"/>
-            <a:r>
-              <a:rPr lang="de-DE" dirty="0"/>
-              <a:t>Funktionelle Anforderungen und Anforderungen an Daten</a:t>
-            </a:r>
-          </a:p>
-          <a:p>
+              <a:t>Gesetzliche</a:t>
+            </a:r>
             <a:endParaRPr lang="en-US" dirty="0"/>
           </a:p>
         </p:txBody>
@@ -28959,114 +27674,148 @@
         </p:nvSpPr>
         <p:spPr/>
         <p:txBody>
+          <a:bodyPr/>
+          <a:lstStyle/>
+          <a:p>
+            <a:r>
+              <a:rPr lang="de-DE" dirty="0" err="1"/>
+              <a:t>Volere</a:t>
+            </a:r>
+            <a:r>
+              <a:rPr lang="de-DE" dirty="0"/>
+              <a:t>: Project </a:t>
+            </a:r>
+            <a:r>
+              <a:rPr lang="de-DE" dirty="0" err="1"/>
+              <a:t>Issues</a:t>
+            </a:r>
+            <a:endParaRPr lang="de-DE" dirty="0"/>
+          </a:p>
+        </p:txBody>
+      </p:sp>
+      <p:sp>
+        <p:nvSpPr>
+          <p:cNvPr id="3" name="Inhaltsplatzhalter 2"/>
+          <p:cNvSpPr>
+            <a:spLocks noGrp="1"/>
+          </p:cNvSpPr>
+          <p:nvPr>
+            <p:ph idx="1"/>
+          </p:nvPr>
+        </p:nvSpPr>
+        <p:spPr/>
+        <p:txBody>
           <a:bodyPr>
-            <a:normAutofit/>
+            <a:normAutofit lnSpcReduction="10000"/>
           </a:bodyPr>
           <a:lstStyle/>
           <a:p>
             <a:r>
-              <a:rPr lang="en-US" dirty="0" err="1"/>
-              <a:t>Volere</a:t>
-            </a:r>
-            <a:r>
-              <a:rPr lang="en-US" dirty="0"/>
-              <a:t>: Non-functional Requirements</a:t>
-            </a:r>
-          </a:p>
-        </p:txBody>
-      </p:sp>
-      <p:sp>
-        <p:nvSpPr>
-          <p:cNvPr id="3" name="Inhaltsplatzhalter 2"/>
-          <p:cNvSpPr>
-            <a:spLocks noGrp="1"/>
-          </p:cNvSpPr>
-          <p:nvPr>
-            <p:ph idx="1"/>
-          </p:nvPr>
-        </p:nvSpPr>
-        <p:spPr/>
-        <p:txBody>
-          <a:bodyPr>
-            <a:normAutofit/>
-          </a:bodyPr>
-          <a:lstStyle/>
-          <a:p>
-            <a:r>
               <a:rPr lang="de-DE" dirty="0"/>
-              <a:t>Was sind (selbstverständliche) Erwartungen an das System?</a:t>
-            </a:r>
-            <a:endParaRPr lang="en-US" dirty="0"/>
+              <a:t>Sonstige Eigenschaften:</a:t>
+            </a:r>
           </a:p>
           <a:p>
             <a:pPr lvl="1"/>
             <a:r>
-              <a:rPr lang="en-US" dirty="0"/>
-              <a:t>Look and feel</a:t>
+              <a:rPr lang="de-DE" dirty="0"/>
+              <a:t>Offene Probleme</a:t>
             </a:r>
           </a:p>
           <a:p>
             <a:pPr lvl="1"/>
             <a:r>
-              <a:rPr lang="en-US" dirty="0"/>
-              <a:t>Usability and humanity</a:t>
+              <a:rPr lang="de-DE" dirty="0"/>
+              <a:t>Off-</a:t>
+            </a:r>
+            <a:r>
+              <a:rPr lang="de-DE" dirty="0" err="1"/>
+              <a:t>the</a:t>
+            </a:r>
+            <a:r>
+              <a:rPr lang="de-DE" dirty="0"/>
+              <a:t>-</a:t>
+            </a:r>
+            <a:r>
+              <a:rPr lang="de-DE" dirty="0" err="1"/>
+              <a:t>Shelf</a:t>
+            </a:r>
+            <a:r>
+              <a:rPr lang="de-DE" dirty="0"/>
+              <a:t> Lösungen</a:t>
             </a:r>
           </a:p>
           <a:p>
             <a:pPr lvl="1"/>
             <a:r>
               <a:rPr lang="de-DE" dirty="0"/>
-              <a:t>Performance</a:t>
+              <a:t>Neue Probleme</a:t>
             </a:r>
           </a:p>
           <a:p>
             <a:pPr lvl="1"/>
             <a:r>
-              <a:rPr lang="en-US" dirty="0" err="1"/>
-              <a:t>Wartbarkeit</a:t>
-            </a:r>
-            <a:r>
-              <a:rPr lang="en-US" dirty="0"/>
-              <a:t>- und Support</a:t>
+              <a:rPr lang="de-DE" dirty="0"/>
+              <a:t>Aufgaben</a:t>
             </a:r>
           </a:p>
           <a:p>
             <a:pPr lvl="1"/>
             <a:r>
               <a:rPr lang="de-DE" dirty="0"/>
-              <a:t>Sicherheit</a:t>
-            </a:r>
-            <a:endParaRPr lang="en-US" dirty="0"/>
+              <a:t>Migration auf neues Produkt</a:t>
+            </a:r>
           </a:p>
           <a:p>
             <a:pPr lvl="1"/>
             <a:r>
-              <a:rPr lang="en-US" dirty="0" err="1"/>
-              <a:t>Kulturell</a:t>
-            </a:r>
-            <a:r>
-              <a:rPr lang="en-US" dirty="0"/>
-              <a:t> und </a:t>
-            </a:r>
-            <a:r>
-              <a:rPr lang="en-US" dirty="0" err="1"/>
-              <a:t>politisch</a:t>
-            </a:r>
-            <a:endParaRPr lang="en-US" dirty="0"/>
+              <a:rPr lang="de-DE" dirty="0"/>
+              <a:t>Risiken</a:t>
+            </a:r>
           </a:p>
           <a:p>
             <a:pPr lvl="1"/>
             <a:r>
               <a:rPr lang="de-DE" dirty="0"/>
-              <a:t>Gesetzliche</a:t>
-            </a:r>
-            <a:endParaRPr lang="en-US" dirty="0"/>
-          </a:p>
-        </p:txBody>
-      </p:sp>
-      <p:sp>
-        <p:nvSpPr>
-          <p:cNvPr id="4" name="Foliennummernplatzhalter 3"/>
+              <a:t>Kosten</a:t>
+            </a:r>
+          </a:p>
+          <a:p>
+            <a:pPr lvl="1"/>
+            <a:r>
+              <a:rPr lang="de-DE" dirty="0"/>
+              <a:t>Nutzerdokumentation und –</a:t>
+            </a:r>
+            <a:r>
+              <a:rPr lang="de-DE" dirty="0" err="1"/>
+              <a:t>training</a:t>
+            </a:r>
+            <a:endParaRPr lang="de-DE" dirty="0"/>
+          </a:p>
+          <a:p>
+            <a:pPr lvl="1"/>
+            <a:r>
+              <a:rPr lang="de-DE" dirty="0"/>
+              <a:t>Waiting </a:t>
+            </a:r>
+            <a:r>
+              <a:rPr lang="de-DE" dirty="0" err="1"/>
+              <a:t>room</a:t>
+            </a:r>
+            <a:endParaRPr lang="de-DE" dirty="0"/>
+          </a:p>
+          <a:p>
+            <a:pPr lvl="1"/>
+            <a:r>
+              <a:rPr lang="de-DE" dirty="0"/>
+              <a:t>Ideen für Lösungen</a:t>
+            </a:r>
+          </a:p>
+        </p:txBody>
+      </p:sp>
+      <p:sp>
+        <p:nvSpPr>
+          <p:cNvPr id="5" name="Foliennummernplatzhalter 4"/>
           <p:cNvSpPr>
             <a:spLocks noGrp="1"/>
           </p:cNvSpPr>
@@ -29136,144 +27885,15 @@
           <a:lstStyle/>
           <a:p>
             <a:r>
-              <a:rPr lang="de-DE" dirty="0" err="1"/>
-              <a:t>Volere</a:t>
-            </a:r>
-            <a:r>
-              <a:rPr lang="de-DE" dirty="0"/>
-              <a:t>: Project </a:t>
-            </a:r>
-            <a:r>
-              <a:rPr lang="de-DE" dirty="0" err="1"/>
-              <a:t>Issues</a:t>
-            </a:r>
-            <a:endParaRPr lang="de-DE" dirty="0"/>
-          </a:p>
-        </p:txBody>
-      </p:sp>
-      <p:sp>
-        <p:nvSpPr>
-          <p:cNvPr id="3" name="Inhaltsplatzhalter 2"/>
-          <p:cNvSpPr>
-            <a:spLocks noGrp="1"/>
-          </p:cNvSpPr>
-          <p:nvPr>
-            <p:ph idx="1"/>
-          </p:nvPr>
-        </p:nvSpPr>
-        <p:spPr/>
-        <p:txBody>
-          <a:bodyPr>
-            <a:normAutofit lnSpcReduction="10000"/>
-          </a:bodyPr>
-          <a:lstStyle/>
-          <a:p>
-            <a:r>
-              <a:rPr lang="de-DE" dirty="0"/>
-              <a:t>Sonstige Eigenschaften:</a:t>
-            </a:r>
-          </a:p>
-          <a:p>
-            <a:pPr lvl="1"/>
-            <a:r>
-              <a:rPr lang="de-DE" dirty="0"/>
-              <a:t>Offene Probleme</a:t>
-            </a:r>
-          </a:p>
-          <a:p>
-            <a:pPr lvl="1"/>
-            <a:r>
-              <a:rPr lang="de-DE" dirty="0"/>
-              <a:t>Off-</a:t>
-            </a:r>
-            <a:r>
-              <a:rPr lang="de-DE" dirty="0" err="1"/>
-              <a:t>the</a:t>
-            </a:r>
-            <a:r>
-              <a:rPr lang="de-DE" dirty="0"/>
-              <a:t>-</a:t>
-            </a:r>
-            <a:r>
-              <a:rPr lang="de-DE" dirty="0" err="1"/>
-              <a:t>Shelf</a:t>
-            </a:r>
-            <a:r>
-              <a:rPr lang="de-DE" dirty="0"/>
-              <a:t> Lösungen</a:t>
-            </a:r>
-          </a:p>
-          <a:p>
-            <a:pPr lvl="1"/>
-            <a:r>
-              <a:rPr lang="de-DE" dirty="0"/>
-              <a:t>Neue Probleme</a:t>
-            </a:r>
-          </a:p>
-          <a:p>
-            <a:pPr lvl="1"/>
-            <a:r>
-              <a:rPr lang="de-DE" dirty="0"/>
-              <a:t>Aufgaben</a:t>
-            </a:r>
-          </a:p>
-          <a:p>
-            <a:pPr lvl="1"/>
-            <a:r>
-              <a:rPr lang="de-DE" dirty="0"/>
-              <a:t>Migration auf neues Produkt</a:t>
-            </a:r>
-          </a:p>
-          <a:p>
-            <a:pPr lvl="1"/>
-            <a:r>
-              <a:rPr lang="de-DE" dirty="0"/>
-              <a:t>Risiken</a:t>
-            </a:r>
-          </a:p>
-          <a:p>
-            <a:pPr lvl="1"/>
-            <a:r>
-              <a:rPr lang="de-DE" dirty="0"/>
-              <a:t>Kosten</a:t>
-            </a:r>
-          </a:p>
-          <a:p>
-            <a:pPr lvl="1"/>
-            <a:r>
-              <a:rPr lang="de-DE" dirty="0"/>
-              <a:t>Nutzerdokumentation und –</a:t>
-            </a:r>
-            <a:r>
-              <a:rPr lang="de-DE" dirty="0" err="1"/>
-              <a:t>training</a:t>
-            </a:r>
-            <a:endParaRPr lang="de-DE" dirty="0"/>
-          </a:p>
-          <a:p>
-            <a:pPr lvl="1"/>
-            <a:r>
-              <a:rPr lang="de-DE" dirty="0"/>
-              <a:t>Waiting </a:t>
-            </a:r>
-            <a:r>
-              <a:rPr lang="de-DE" dirty="0" err="1"/>
-              <a:t>room</a:t>
-            </a:r>
-            <a:endParaRPr lang="de-DE" dirty="0"/>
-          </a:p>
-          <a:p>
-            <a:pPr lvl="1"/>
-            <a:r>
-              <a:rPr lang="de-DE" dirty="0"/>
-              <a:t>Ideen für Lösungen</a:t>
-            </a:r>
-          </a:p>
-        </p:txBody>
-      </p:sp>
-      <p:sp>
-        <p:nvSpPr>
-          <p:cNvPr id="5" name="Foliennummernplatzhalter 4"/>
+              <a:rPr lang="en-US"/>
+              <a:t>Volere: Snow Card</a:t>
+            </a:r>
+          </a:p>
+        </p:txBody>
+      </p:sp>
+      <p:sp>
+        <p:nvSpPr>
+          <p:cNvPr id="4" name="Foliennummernplatzhalter 3"/>
           <p:cNvSpPr>
             <a:spLocks noGrp="1"/>
           </p:cNvSpPr>
@@ -29290,84 +27910,6 @@
               <a:rPr lang="de-DE" smtClean="0"/>
               <a:pPr/>
               <a:t>44</a:t>
-            </a:fld>
-            <a:endParaRPr lang="de-DE"/>
-          </a:p>
-        </p:txBody>
-      </p:sp>
-    </p:spTree>
-  </p:cSld>
-  <p:clrMapOvr>
-    <a:masterClrMapping/>
-  </p:clrMapOvr>
-  <p:timing>
-    <p:tnLst>
-      <p:par>
-        <p:cTn id="1" dur="indefinite" restart="never" nodeType="tmRoot"/>
-      </p:par>
-    </p:tnLst>
-  </p:timing>
-</p:sld>
-</file>
-
-<file path=ppt/slides/slide45.xml><?xml version="1.0" encoding="utf-8"?>
-<p:sld xmlns:a="http://schemas.openxmlformats.org/drawingml/2006/main" xmlns:r="http://schemas.openxmlformats.org/officeDocument/2006/relationships" xmlns:p="http://schemas.openxmlformats.org/presentationml/2006/main">
-  <p:cSld>
-    <p:spTree>
-      <p:nvGrpSpPr>
-        <p:cNvPr id="1" name=""/>
-        <p:cNvGrpSpPr/>
-        <p:nvPr/>
-      </p:nvGrpSpPr>
-      <p:grpSpPr>
-        <a:xfrm>
-          <a:off x="0" y="0"/>
-          <a:ext cx="0" cy="0"/>
-          <a:chOff x="0" y="0"/>
-          <a:chExt cx="0" cy="0"/>
-        </a:xfrm>
-      </p:grpSpPr>
-      <p:sp>
-        <p:nvSpPr>
-          <p:cNvPr id="2" name="Titel 1"/>
-          <p:cNvSpPr>
-            <a:spLocks noGrp="1"/>
-          </p:cNvSpPr>
-          <p:nvPr>
-            <p:ph type="title"/>
-          </p:nvPr>
-        </p:nvSpPr>
-        <p:spPr/>
-        <p:txBody>
-          <a:bodyPr/>
-          <a:lstStyle/>
-          <a:p>
-            <a:r>
-              <a:rPr lang="en-US"/>
-              <a:t>Volere: Snow Card</a:t>
-            </a:r>
-          </a:p>
-        </p:txBody>
-      </p:sp>
-      <p:sp>
-        <p:nvSpPr>
-          <p:cNvPr id="4" name="Foliennummernplatzhalter 3"/>
-          <p:cNvSpPr>
-            <a:spLocks noGrp="1"/>
-          </p:cNvSpPr>
-          <p:nvPr>
-            <p:ph type="sldNum" sz="quarter" idx="12"/>
-          </p:nvPr>
-        </p:nvSpPr>
-        <p:spPr/>
-        <p:txBody>
-          <a:bodyPr/>
-          <a:lstStyle/>
-          <a:p>
-            <a:fld id="{6C6AE60A-B69C-4790-82F7-3882EDF23186}" type="slidenum">
-              <a:rPr lang="de-DE" smtClean="0"/>
-              <a:pPr/>
-              <a:t>45</a:t>
             </a:fld>
             <a:endParaRPr lang="de-DE"/>
           </a:p>
@@ -30923,6 +29465,113 @@
 </p:sld>
 </file>
 
+<file path=ppt/slides/slide45.xml><?xml version="1.0" encoding="utf-8"?>
+<p:sld xmlns:a="http://schemas.openxmlformats.org/drawingml/2006/main" xmlns:r="http://schemas.openxmlformats.org/officeDocument/2006/relationships" xmlns:p="http://schemas.openxmlformats.org/presentationml/2006/main">
+  <p:cSld>
+    <p:spTree>
+      <p:nvGrpSpPr>
+        <p:cNvPr id="1" name=""/>
+        <p:cNvGrpSpPr/>
+        <p:nvPr/>
+      </p:nvGrpSpPr>
+      <p:grpSpPr>
+        <a:xfrm>
+          <a:off x="0" y="0"/>
+          <a:ext cx="0" cy="0"/>
+          <a:chOff x="0" y="0"/>
+          <a:chExt cx="0" cy="0"/>
+        </a:xfrm>
+      </p:grpSpPr>
+      <p:sp>
+        <p:nvSpPr>
+          <p:cNvPr id="3" name="Inhaltsplatzhalter 2"/>
+          <p:cNvSpPr>
+            <a:spLocks noGrp="1"/>
+          </p:cNvSpPr>
+          <p:nvPr>
+            <p:ph idx="1"/>
+          </p:nvPr>
+        </p:nvSpPr>
+        <p:spPr/>
+        <p:txBody>
+          <a:bodyPr/>
+          <a:lstStyle/>
+          <a:p>
+            <a:r>
+              <a:rPr lang="en-US"/>
+              <a:t>Welche Kriterien sollten gute Anforderungen erfüllen?</a:t>
+            </a:r>
+          </a:p>
+          <a:p>
+            <a:r>
+              <a:rPr lang="en-US"/>
+              <a:t>Sind die gefundenen Anforderungen gute Anforderungen?</a:t>
+            </a:r>
+          </a:p>
+        </p:txBody>
+      </p:sp>
+      <p:sp>
+        <p:nvSpPr>
+          <p:cNvPr id="4" name="Foliennummernplatzhalter 3"/>
+          <p:cNvSpPr>
+            <a:spLocks noGrp="1"/>
+          </p:cNvSpPr>
+          <p:nvPr>
+            <p:ph type="sldNum" sz="quarter" idx="12"/>
+          </p:nvPr>
+        </p:nvSpPr>
+        <p:spPr/>
+        <p:txBody>
+          <a:bodyPr/>
+          <a:lstStyle/>
+          <a:p>
+            <a:fld id="{6C6AE60A-B69C-4790-82F7-3882EDF23186}" type="slidenum">
+              <a:rPr lang="de-DE" smtClean="0"/>
+              <a:pPr/>
+              <a:t>45</a:t>
+            </a:fld>
+            <a:endParaRPr lang="de-DE"/>
+          </a:p>
+        </p:txBody>
+      </p:sp>
+      <p:sp>
+        <p:nvSpPr>
+          <p:cNvPr id="2" name="Titel 1"/>
+          <p:cNvSpPr>
+            <a:spLocks noGrp="1"/>
+          </p:cNvSpPr>
+          <p:nvPr>
+            <p:ph type="title"/>
+          </p:nvPr>
+        </p:nvSpPr>
+        <p:spPr/>
+        <p:txBody>
+          <a:bodyPr/>
+          <a:lstStyle/>
+          <a:p>
+            <a:r>
+              <a:rPr lang="en-US" dirty="0" err="1" smtClean="0"/>
+              <a:t>Bewertungskriterien</a:t>
+            </a:r>
+            <a:endParaRPr lang="en-US" dirty="0"/>
+          </a:p>
+        </p:txBody>
+      </p:sp>
+    </p:spTree>
+  </p:cSld>
+  <p:clrMapOvr>
+    <a:masterClrMapping/>
+  </p:clrMapOvr>
+  <p:timing>
+    <p:tnLst>
+      <p:par>
+        <p:cTn id="1" dur="indefinite" restart="never" nodeType="tmRoot"/>
+      </p:par>
+    </p:tnLst>
+  </p:timing>
+</p:sld>
+</file>
+
 <file path=ppt/slides/slide46.xml><?xml version="1.0" encoding="utf-8"?>
 <p:sld xmlns:a="http://schemas.openxmlformats.org/drawingml/2006/main" xmlns:r="http://schemas.openxmlformats.org/officeDocument/2006/relationships" xmlns:p="http://schemas.openxmlformats.org/presentationml/2006/main">
   <p:cSld>
@@ -30942,28 +29591,140 @@
       </p:grpSpPr>
       <p:sp>
         <p:nvSpPr>
-          <p:cNvPr id="3" name="Inhaltsplatzhalter 2"/>
+          <p:cNvPr id="5" name="Titel 4"/>
           <p:cNvSpPr>
             <a:spLocks noGrp="1"/>
           </p:cNvSpPr>
           <p:nvPr>
+            <p:ph type="title"/>
+          </p:nvPr>
+        </p:nvSpPr>
+        <p:spPr/>
+        <p:txBody>
+          <a:bodyPr>
+            <a:normAutofit/>
+          </a:bodyPr>
+          <a:lstStyle/>
+          <a:p>
+            <a:r>
+              <a:rPr lang="en-US"/>
+              <a:t>Bewertungskriterien</a:t>
+            </a:r>
+          </a:p>
+        </p:txBody>
+      </p:sp>
+      <p:sp>
+        <p:nvSpPr>
+          <p:cNvPr id="6" name="Inhaltsplatzhalter 5"/>
+          <p:cNvSpPr>
+            <a:spLocks noGrp="1"/>
+          </p:cNvSpPr>
+          <p:nvPr>
             <p:ph idx="1"/>
           </p:nvPr>
         </p:nvSpPr>
         <p:spPr/>
         <p:txBody>
-          <a:bodyPr/>
+          <a:bodyPr>
+            <a:normAutofit/>
+          </a:bodyPr>
           <a:lstStyle/>
           <a:p>
             <a:r>
-              <a:rPr lang="en-US"/>
-              <a:t>Welche Kriterien sollten gute Anforderungen erfüllen?</a:t>
-            </a:r>
-          </a:p>
-          <a:p>
-            <a:r>
-              <a:rPr lang="en-US"/>
-              <a:t>Sind die gefundenen Anforderungen gute Anforderungen?</a:t>
+              <a:rPr lang="en-US" dirty="0" err="1"/>
+              <a:t>Korrekt</a:t>
+            </a:r>
+            <a:endParaRPr lang="en-US" dirty="0"/>
+          </a:p>
+          <a:p>
+            <a:r>
+              <a:rPr lang="en-US" dirty="0" err="1"/>
+              <a:t>Eindeutig</a:t>
+            </a:r>
+            <a:endParaRPr lang="en-US" dirty="0"/>
+          </a:p>
+          <a:p>
+            <a:r>
+              <a:rPr lang="en-US" dirty="0" err="1"/>
+              <a:t>Vollständig</a:t>
+            </a:r>
+            <a:endParaRPr lang="en-US" dirty="0"/>
+          </a:p>
+          <a:p>
+            <a:r>
+              <a:rPr lang="en-US" dirty="0" err="1"/>
+              <a:t>Konsistent</a:t>
+            </a:r>
+            <a:endParaRPr lang="en-US" dirty="0"/>
+          </a:p>
+          <a:p>
+            <a:r>
+              <a:rPr lang="en-US" dirty="0" err="1"/>
+              <a:t>Gewichtet</a:t>
+            </a:r>
+            <a:r>
+              <a:rPr lang="en-US" dirty="0"/>
+              <a:t> </a:t>
+            </a:r>
+            <a:r>
+              <a:rPr lang="en-US" dirty="0" err="1"/>
+              <a:t>nach</a:t>
+            </a:r>
+            <a:r>
+              <a:rPr lang="en-US" dirty="0"/>
+              <a:t> </a:t>
+            </a:r>
+            <a:r>
+              <a:rPr lang="en-US" dirty="0" err="1"/>
+              <a:t>Wichtigkeit</a:t>
+            </a:r>
+            <a:r>
+              <a:rPr lang="en-US" dirty="0"/>
+              <a:t> und </a:t>
+            </a:r>
+            <a:r>
+              <a:rPr lang="en-US" dirty="0" err="1"/>
+              <a:t>Stabilität</a:t>
+            </a:r>
+            <a:endParaRPr lang="en-US" dirty="0"/>
+          </a:p>
+          <a:p>
+            <a:r>
+              <a:rPr lang="en-US" dirty="0" err="1"/>
+              <a:t>Überprüfbar</a:t>
+            </a:r>
+            <a:endParaRPr lang="en-US" dirty="0"/>
+          </a:p>
+          <a:p>
+            <a:r>
+              <a:rPr lang="en-US" dirty="0" err="1"/>
+              <a:t>Modifizierbar</a:t>
+            </a:r>
+            <a:endParaRPr lang="en-US" dirty="0"/>
+          </a:p>
+          <a:p>
+            <a:r>
+              <a:rPr lang="en-US" dirty="0" err="1"/>
+              <a:t>Nachvollziehbar</a:t>
+            </a:r>
+            <a:endParaRPr lang="en-US" dirty="0"/>
+          </a:p>
+          <a:p>
+            <a:r>
+              <a:rPr lang="en-US" dirty="0" err="1"/>
+              <a:t>Quelle</a:t>
+            </a:r>
+            <a:r>
+              <a:rPr lang="en-US" dirty="0"/>
+              <a:t>: IEEE </a:t>
+            </a:r>
+            <a:r>
+              <a:rPr lang="en-US" dirty="0" err="1"/>
+              <a:t>Std</a:t>
+            </a:r>
+            <a:r>
+              <a:rPr lang="en-US" dirty="0"/>
+              <a:t> 830-1998</a:t>
             </a:r>
           </a:p>
         </p:txBody>
@@ -30989,29 +29750,6 @@
               <a:t>46</a:t>
             </a:fld>
             <a:endParaRPr lang="de-DE"/>
-          </a:p>
-        </p:txBody>
-      </p:sp>
-      <p:sp>
-        <p:nvSpPr>
-          <p:cNvPr id="2" name="Titel 1"/>
-          <p:cNvSpPr>
-            <a:spLocks noGrp="1"/>
-          </p:cNvSpPr>
-          <p:nvPr>
-            <p:ph type="title"/>
-          </p:nvPr>
-        </p:nvSpPr>
-        <p:spPr/>
-        <p:txBody>
-          <a:bodyPr/>
-          <a:lstStyle/>
-          <a:p>
-            <a:r>
-              <a:rPr lang="en-US" dirty="0" err="1" smtClean="0"/>
-              <a:t>Bewertungskriterien</a:t>
-            </a:r>
-            <a:endParaRPr lang="en-US" dirty="0"/>
           </a:p>
         </p:txBody>
       </p:sp>
@@ -31049,202 +29787,6 @@
       </p:grpSpPr>
       <p:sp>
         <p:nvSpPr>
-          <p:cNvPr id="5" name="Titel 4"/>
-          <p:cNvSpPr>
-            <a:spLocks noGrp="1"/>
-          </p:cNvSpPr>
-          <p:nvPr>
-            <p:ph type="title"/>
-          </p:nvPr>
-        </p:nvSpPr>
-        <p:spPr/>
-        <p:txBody>
-          <a:bodyPr>
-            <a:normAutofit/>
-          </a:bodyPr>
-          <a:lstStyle/>
-          <a:p>
-            <a:r>
-              <a:rPr lang="en-US"/>
-              <a:t>Bewertungskriterien</a:t>
-            </a:r>
-          </a:p>
-        </p:txBody>
-      </p:sp>
-      <p:sp>
-        <p:nvSpPr>
-          <p:cNvPr id="6" name="Inhaltsplatzhalter 5"/>
-          <p:cNvSpPr>
-            <a:spLocks noGrp="1"/>
-          </p:cNvSpPr>
-          <p:nvPr>
-            <p:ph idx="1"/>
-          </p:nvPr>
-        </p:nvSpPr>
-        <p:spPr/>
-        <p:txBody>
-          <a:bodyPr>
-            <a:normAutofit/>
-          </a:bodyPr>
-          <a:lstStyle/>
-          <a:p>
-            <a:r>
-              <a:rPr lang="en-US" dirty="0" err="1"/>
-              <a:t>Korrekt</a:t>
-            </a:r>
-            <a:endParaRPr lang="en-US" dirty="0"/>
-          </a:p>
-          <a:p>
-            <a:r>
-              <a:rPr lang="en-US" dirty="0" err="1"/>
-              <a:t>Eindeutig</a:t>
-            </a:r>
-            <a:endParaRPr lang="en-US" dirty="0"/>
-          </a:p>
-          <a:p>
-            <a:r>
-              <a:rPr lang="en-US" dirty="0" err="1"/>
-              <a:t>Vollständig</a:t>
-            </a:r>
-            <a:endParaRPr lang="en-US" dirty="0"/>
-          </a:p>
-          <a:p>
-            <a:r>
-              <a:rPr lang="en-US" dirty="0" err="1"/>
-              <a:t>Konsistent</a:t>
-            </a:r>
-            <a:endParaRPr lang="en-US" dirty="0"/>
-          </a:p>
-          <a:p>
-            <a:r>
-              <a:rPr lang="en-US" dirty="0" err="1"/>
-              <a:t>Gewichtet</a:t>
-            </a:r>
-            <a:r>
-              <a:rPr lang="en-US" dirty="0"/>
-              <a:t> </a:t>
-            </a:r>
-            <a:r>
-              <a:rPr lang="en-US" dirty="0" err="1"/>
-              <a:t>nach</a:t>
-            </a:r>
-            <a:r>
-              <a:rPr lang="en-US" dirty="0"/>
-              <a:t> </a:t>
-            </a:r>
-            <a:r>
-              <a:rPr lang="en-US" dirty="0" err="1"/>
-              <a:t>Wichtigkeit</a:t>
-            </a:r>
-            <a:r>
-              <a:rPr lang="en-US" dirty="0"/>
-              <a:t> und </a:t>
-            </a:r>
-            <a:r>
-              <a:rPr lang="en-US" dirty="0" err="1"/>
-              <a:t>Stabilität</a:t>
-            </a:r>
-            <a:endParaRPr lang="en-US" dirty="0"/>
-          </a:p>
-          <a:p>
-            <a:r>
-              <a:rPr lang="en-US" dirty="0" err="1"/>
-              <a:t>Überprüfbar</a:t>
-            </a:r>
-            <a:endParaRPr lang="en-US" dirty="0"/>
-          </a:p>
-          <a:p>
-            <a:r>
-              <a:rPr lang="en-US" dirty="0" err="1"/>
-              <a:t>Modifizierbar</a:t>
-            </a:r>
-            <a:endParaRPr lang="en-US" dirty="0"/>
-          </a:p>
-          <a:p>
-            <a:r>
-              <a:rPr lang="en-US" dirty="0" err="1"/>
-              <a:t>Nachvollziehbar</a:t>
-            </a:r>
-            <a:endParaRPr lang="en-US" dirty="0"/>
-          </a:p>
-          <a:p>
-            <a:r>
-              <a:rPr lang="en-US" dirty="0" err="1"/>
-              <a:t>Quelle</a:t>
-            </a:r>
-            <a:r>
-              <a:rPr lang="en-US" dirty="0"/>
-              <a:t>: IEEE </a:t>
-            </a:r>
-            <a:r>
-              <a:rPr lang="en-US" dirty="0" err="1"/>
-              <a:t>Std</a:t>
-            </a:r>
-            <a:r>
-              <a:rPr lang="en-US" dirty="0"/>
-              <a:t> 830-1998</a:t>
-            </a:r>
-          </a:p>
-        </p:txBody>
-      </p:sp>
-      <p:sp>
-        <p:nvSpPr>
-          <p:cNvPr id="4" name="Foliennummernplatzhalter 3"/>
-          <p:cNvSpPr>
-            <a:spLocks noGrp="1"/>
-          </p:cNvSpPr>
-          <p:nvPr>
-            <p:ph type="sldNum" sz="quarter" idx="12"/>
-          </p:nvPr>
-        </p:nvSpPr>
-        <p:spPr/>
-        <p:txBody>
-          <a:bodyPr/>
-          <a:lstStyle/>
-          <a:p>
-            <a:fld id="{6C6AE60A-B69C-4790-82F7-3882EDF23186}" type="slidenum">
-              <a:rPr lang="de-DE" smtClean="0"/>
-              <a:pPr/>
-              <a:t>47</a:t>
-            </a:fld>
-            <a:endParaRPr lang="de-DE"/>
-          </a:p>
-        </p:txBody>
-      </p:sp>
-    </p:spTree>
-  </p:cSld>
-  <p:clrMapOvr>
-    <a:masterClrMapping/>
-  </p:clrMapOvr>
-  <p:timing>
-    <p:tnLst>
-      <p:par>
-        <p:cTn id="1" dur="indefinite" restart="never" nodeType="tmRoot"/>
-      </p:par>
-    </p:tnLst>
-  </p:timing>
-</p:sld>
-</file>
-
-<file path=ppt/slides/slide48.xml><?xml version="1.0" encoding="utf-8"?>
-<p:sld xmlns:a="http://schemas.openxmlformats.org/drawingml/2006/main" xmlns:r="http://schemas.openxmlformats.org/officeDocument/2006/relationships" xmlns:p="http://schemas.openxmlformats.org/presentationml/2006/main">
-  <p:cSld>
-    <p:spTree>
-      <p:nvGrpSpPr>
-        <p:cNvPr id="1" name=""/>
-        <p:cNvGrpSpPr/>
-        <p:nvPr/>
-      </p:nvGrpSpPr>
-      <p:grpSpPr>
-        <a:xfrm>
-          <a:off x="0" y="0"/>
-          <a:ext cx="0" cy="0"/>
-          <a:chOff x="0" y="0"/>
-          <a:chExt cx="0" cy="0"/>
-        </a:xfrm>
-      </p:grpSpPr>
-      <p:sp>
-        <p:nvSpPr>
           <p:cNvPr id="2" name="Titel 1"/>
           <p:cNvSpPr>
             <a:spLocks noGrp="1"/>
@@ -31460,7 +30002,7 @@
               <a:pPr>
                 <a:defRPr/>
               </a:pPr>
-              <a:t>48</a:t>
+              <a:t>47</a:t>
             </a:fld>
             <a:endParaRPr lang="de-DE"/>
           </a:p>
@@ -31699,7 +30241,7 @@
 </p:sld>
 </file>
 
-<file path=ppt/slides/slide49.xml><?xml version="1.0" encoding="utf-8"?>
+<file path=ppt/slides/slide48.xml><?xml version="1.0" encoding="utf-8"?>
 <p:sld xmlns:a="http://schemas.openxmlformats.org/drawingml/2006/main" xmlns:r="http://schemas.openxmlformats.org/officeDocument/2006/relationships" xmlns:p="http://schemas.openxmlformats.org/presentationml/2006/main">
   <p:cSld>
     <p:spTree>
@@ -31796,7 +30338,7 @@
             <a:fld id="{6C6AE60A-B69C-4790-82F7-3882EDF23186}" type="slidenum">
               <a:rPr lang="de-DE" smtClean="0"/>
               <a:pPr/>
-              <a:t>49</a:t>
+              <a:t>48</a:t>
             </a:fld>
             <a:endParaRPr lang="de-DE"/>
           </a:p>
@@ -32675,7 +31217,7 @@
 </p:sld>
 </file>
 
-<file path=ppt/slides/slide5.xml><?xml version="1.0" encoding="utf-8"?>
+<file path=ppt/slides/slide49.xml><?xml version="1.0" encoding="utf-8"?>
 <p:sld xmlns:a="http://schemas.openxmlformats.org/drawingml/2006/main" xmlns:r="http://schemas.openxmlformats.org/officeDocument/2006/relationships" xmlns:p="http://schemas.openxmlformats.org/presentationml/2006/main">
   <p:cSld>
     <p:spTree>
@@ -32708,166 +31250,6 @@
           <a:lstStyle/>
           <a:p>
             <a:r>
-              <a:rPr lang="en-US" dirty="0"/>
-              <a:t>Was </a:t>
-            </a:r>
-            <a:r>
-              <a:rPr lang="en-US" dirty="0" err="1"/>
-              <a:t>sind</a:t>
-            </a:r>
-            <a:r>
-              <a:rPr lang="en-US" dirty="0"/>
-              <a:t> Requirements</a:t>
-            </a:r>
-            <a:r>
-              <a:rPr lang="en-US" dirty="0" smtClean="0"/>
-              <a:t>? I</a:t>
-            </a:r>
-            <a:endParaRPr lang="en-US" dirty="0"/>
-          </a:p>
-        </p:txBody>
-      </p:sp>
-      <p:sp>
-        <p:nvSpPr>
-          <p:cNvPr id="3" name="Inhaltsplatzhalter 2"/>
-          <p:cNvSpPr>
-            <a:spLocks noGrp="1"/>
-          </p:cNvSpPr>
-          <p:nvPr>
-            <p:ph idx="1"/>
-          </p:nvPr>
-        </p:nvSpPr>
-        <p:spPr/>
-        <p:txBody>
-          <a:bodyPr>
-            <a:normAutofit/>
-          </a:bodyPr>
-          <a:lstStyle/>
-          <a:p>
-            <a:r>
-              <a:rPr lang="de-DE"/>
-              <a:t>Bedingung oder Eigenschaft, die ein System benötigt,</a:t>
-            </a:r>
-          </a:p>
-          <a:p>
-            <a:pPr lvl="1"/>
-            <a:r>
-              <a:rPr lang="de-DE"/>
-              <a:t>um ein Problem zu lösen</a:t>
-            </a:r>
-          </a:p>
-          <a:p>
-            <a:pPr lvl="1">
-              <a:buNone/>
-            </a:pPr>
-            <a:r>
-              <a:rPr lang="de-DE" sz="1400"/>
-              <a:t>	oder</a:t>
-            </a:r>
-          </a:p>
-          <a:p>
-            <a:pPr lvl="1"/>
-            <a:r>
-              <a:rPr lang="de-DE"/>
-              <a:t>um ein Ziel zu erreichen</a:t>
-            </a:r>
-          </a:p>
-          <a:p>
-            <a:pPr lvl="1">
-              <a:buNone/>
-            </a:pPr>
-            <a:r>
-              <a:rPr lang="de-DE" sz="1400"/>
-              <a:t>	oder</a:t>
-            </a:r>
-          </a:p>
-          <a:p>
-            <a:pPr lvl="1"/>
-            <a:r>
-              <a:rPr lang="de-DE"/>
-              <a:t>um einem Vertrag, Standard oder Ähnlichem zu genügen</a:t>
-            </a:r>
-          </a:p>
-          <a:p>
-            <a:pPr lvl="1"/>
-            <a:endParaRPr lang="de-DE"/>
-          </a:p>
-          <a:p>
-            <a:r>
-              <a:rPr lang="de-DE"/>
-              <a:t>[Pohl. Requirements Engineering]</a:t>
-            </a:r>
-          </a:p>
-          <a:p>
-            <a:endParaRPr lang="en-US"/>
-          </a:p>
-        </p:txBody>
-      </p:sp>
-      <p:sp>
-        <p:nvSpPr>
-          <p:cNvPr id="4" name="Foliennummernplatzhalter 3"/>
-          <p:cNvSpPr>
-            <a:spLocks noGrp="1"/>
-          </p:cNvSpPr>
-          <p:nvPr>
-            <p:ph type="sldNum" sz="quarter" idx="12"/>
-          </p:nvPr>
-        </p:nvSpPr>
-        <p:spPr/>
-        <p:txBody>
-          <a:bodyPr/>
-          <a:lstStyle/>
-          <a:p>
-            <a:fld id="{6C6AE60A-B69C-4790-82F7-3882EDF23186}" type="slidenum">
-              <a:rPr lang="de-DE" smtClean="0"/>
-              <a:pPr/>
-              <a:t>5</a:t>
-            </a:fld>
-            <a:endParaRPr lang="de-DE"/>
-          </a:p>
-        </p:txBody>
-      </p:sp>
-    </p:spTree>
-  </p:cSld>
-  <p:clrMapOvr>
-    <a:masterClrMapping/>
-  </p:clrMapOvr>
-</p:sld>
-</file>
-
-<file path=ppt/slides/slide50.xml><?xml version="1.0" encoding="utf-8"?>
-<p:sld xmlns:a="http://schemas.openxmlformats.org/drawingml/2006/main" xmlns:r="http://schemas.openxmlformats.org/officeDocument/2006/relationships" xmlns:p="http://schemas.openxmlformats.org/presentationml/2006/main">
-  <p:cSld>
-    <p:spTree>
-      <p:nvGrpSpPr>
-        <p:cNvPr id="1" name=""/>
-        <p:cNvGrpSpPr/>
-        <p:nvPr/>
-      </p:nvGrpSpPr>
-      <p:grpSpPr>
-        <a:xfrm>
-          <a:off x="0" y="0"/>
-          <a:ext cx="0" cy="0"/>
-          <a:chOff x="0" y="0"/>
-          <a:chExt cx="0" cy="0"/>
-        </a:xfrm>
-      </p:grpSpPr>
-      <p:sp>
-        <p:nvSpPr>
-          <p:cNvPr id="2" name="Titel 1"/>
-          <p:cNvSpPr>
-            <a:spLocks noGrp="1"/>
-          </p:cNvSpPr>
-          <p:nvPr>
-            <p:ph type="title"/>
-          </p:nvPr>
-        </p:nvSpPr>
-        <p:spPr/>
-        <p:txBody>
-          <a:bodyPr/>
-          <a:lstStyle/>
-          <a:p>
-            <a:r>
               <a:rPr lang="de-DE" dirty="0"/>
               <a:t>Checkliste kann helfen</a:t>
             </a:r>
@@ -33383,7 +31765,7 @@
               <a:pPr>
                 <a:defRPr/>
               </a:pPr>
-              <a:t>50</a:t>
+              <a:t>49</a:t>
             </a:fld>
             <a:endParaRPr lang="de-DE"/>
           </a:p>
@@ -33447,6 +31829,304 @@
         <p14:creationId xmlns:p14="http://schemas.microsoft.com/office/powerpoint/2010/main" val="1923836891"/>
       </p:ext>
     </p:extLst>
+  </p:cSld>
+  <p:clrMapOvr>
+    <a:masterClrMapping/>
+  </p:clrMapOvr>
+  <p:timing>
+    <p:tnLst>
+      <p:par>
+        <p:cTn id="1" dur="indefinite" restart="never" nodeType="tmRoot"/>
+      </p:par>
+    </p:tnLst>
+  </p:timing>
+</p:sld>
+</file>
+
+<file path=ppt/slides/slide5.xml><?xml version="1.0" encoding="utf-8"?>
+<p:sld xmlns:a="http://schemas.openxmlformats.org/drawingml/2006/main" xmlns:r="http://schemas.openxmlformats.org/officeDocument/2006/relationships" xmlns:p="http://schemas.openxmlformats.org/presentationml/2006/main">
+  <p:cSld>
+    <p:spTree>
+      <p:nvGrpSpPr>
+        <p:cNvPr id="1" name=""/>
+        <p:cNvGrpSpPr/>
+        <p:nvPr/>
+      </p:nvGrpSpPr>
+      <p:grpSpPr>
+        <a:xfrm>
+          <a:off x="0" y="0"/>
+          <a:ext cx="0" cy="0"/>
+          <a:chOff x="0" y="0"/>
+          <a:chExt cx="0" cy="0"/>
+        </a:xfrm>
+      </p:grpSpPr>
+      <p:sp>
+        <p:nvSpPr>
+          <p:cNvPr id="2" name="Titel 1"/>
+          <p:cNvSpPr>
+            <a:spLocks noGrp="1"/>
+          </p:cNvSpPr>
+          <p:nvPr>
+            <p:ph type="title"/>
+          </p:nvPr>
+        </p:nvSpPr>
+        <p:spPr/>
+        <p:txBody>
+          <a:bodyPr/>
+          <a:lstStyle/>
+          <a:p>
+            <a:r>
+              <a:rPr lang="en-US" dirty="0"/>
+              <a:t>Was </a:t>
+            </a:r>
+            <a:r>
+              <a:rPr lang="en-US" dirty="0" err="1"/>
+              <a:t>sind</a:t>
+            </a:r>
+            <a:r>
+              <a:rPr lang="en-US" dirty="0"/>
+              <a:t> Requirements</a:t>
+            </a:r>
+            <a:r>
+              <a:rPr lang="en-US" dirty="0" smtClean="0"/>
+              <a:t>? I</a:t>
+            </a:r>
+            <a:endParaRPr lang="en-US" dirty="0"/>
+          </a:p>
+        </p:txBody>
+      </p:sp>
+      <p:sp>
+        <p:nvSpPr>
+          <p:cNvPr id="3" name="Inhaltsplatzhalter 2"/>
+          <p:cNvSpPr>
+            <a:spLocks noGrp="1"/>
+          </p:cNvSpPr>
+          <p:nvPr>
+            <p:ph idx="1"/>
+          </p:nvPr>
+        </p:nvSpPr>
+        <p:spPr/>
+        <p:txBody>
+          <a:bodyPr>
+            <a:normAutofit/>
+          </a:bodyPr>
+          <a:lstStyle/>
+          <a:p>
+            <a:r>
+              <a:rPr lang="de-DE"/>
+              <a:t>Bedingung oder Eigenschaft, die ein System benötigt,</a:t>
+            </a:r>
+          </a:p>
+          <a:p>
+            <a:pPr lvl="1"/>
+            <a:r>
+              <a:rPr lang="de-DE"/>
+              <a:t>um ein Problem zu lösen</a:t>
+            </a:r>
+          </a:p>
+          <a:p>
+            <a:pPr lvl="1">
+              <a:buNone/>
+            </a:pPr>
+            <a:r>
+              <a:rPr lang="de-DE" sz="1400"/>
+              <a:t>	oder</a:t>
+            </a:r>
+          </a:p>
+          <a:p>
+            <a:pPr lvl="1"/>
+            <a:r>
+              <a:rPr lang="de-DE"/>
+              <a:t>um ein Ziel zu erreichen</a:t>
+            </a:r>
+          </a:p>
+          <a:p>
+            <a:pPr lvl="1">
+              <a:buNone/>
+            </a:pPr>
+            <a:r>
+              <a:rPr lang="de-DE" sz="1400"/>
+              <a:t>	oder</a:t>
+            </a:r>
+          </a:p>
+          <a:p>
+            <a:pPr lvl="1"/>
+            <a:r>
+              <a:rPr lang="de-DE"/>
+              <a:t>um einem Vertrag, Standard oder Ähnlichem zu genügen</a:t>
+            </a:r>
+          </a:p>
+          <a:p>
+            <a:pPr lvl="1"/>
+            <a:endParaRPr lang="de-DE"/>
+          </a:p>
+          <a:p>
+            <a:r>
+              <a:rPr lang="de-DE"/>
+              <a:t>[Pohl. Requirements Engineering]</a:t>
+            </a:r>
+          </a:p>
+          <a:p>
+            <a:endParaRPr lang="en-US"/>
+          </a:p>
+        </p:txBody>
+      </p:sp>
+      <p:sp>
+        <p:nvSpPr>
+          <p:cNvPr id="4" name="Foliennummernplatzhalter 3"/>
+          <p:cNvSpPr>
+            <a:spLocks noGrp="1"/>
+          </p:cNvSpPr>
+          <p:nvPr>
+            <p:ph type="sldNum" sz="quarter" idx="12"/>
+          </p:nvPr>
+        </p:nvSpPr>
+        <p:spPr/>
+        <p:txBody>
+          <a:bodyPr/>
+          <a:lstStyle/>
+          <a:p>
+            <a:fld id="{6C6AE60A-B69C-4790-82F7-3882EDF23186}" type="slidenum">
+              <a:rPr lang="de-DE" smtClean="0"/>
+              <a:pPr/>
+              <a:t>5</a:t>
+            </a:fld>
+            <a:endParaRPr lang="de-DE"/>
+          </a:p>
+        </p:txBody>
+      </p:sp>
+    </p:spTree>
+  </p:cSld>
+  <p:clrMapOvr>
+    <a:masterClrMapping/>
+  </p:clrMapOvr>
+</p:sld>
+</file>
+
+<file path=ppt/slides/slide50.xml><?xml version="1.0" encoding="utf-8"?>
+<p:sld xmlns:a="http://schemas.openxmlformats.org/drawingml/2006/main" xmlns:r="http://schemas.openxmlformats.org/officeDocument/2006/relationships" xmlns:p="http://schemas.openxmlformats.org/presentationml/2006/main">
+  <p:cSld>
+    <p:spTree>
+      <p:nvGrpSpPr>
+        <p:cNvPr id="1" name=""/>
+        <p:cNvGrpSpPr/>
+        <p:nvPr/>
+      </p:nvGrpSpPr>
+      <p:grpSpPr>
+        <a:xfrm>
+          <a:off x="0" y="0"/>
+          <a:ext cx="0" cy="0"/>
+          <a:chOff x="0" y="0"/>
+          <a:chExt cx="0" cy="0"/>
+        </a:xfrm>
+      </p:grpSpPr>
+      <p:sp>
+        <p:nvSpPr>
+          <p:cNvPr id="6" name="Inhaltsplatzhalter 5"/>
+          <p:cNvSpPr>
+            <a:spLocks noGrp="1"/>
+          </p:cNvSpPr>
+          <p:nvPr>
+            <p:ph idx="1"/>
+          </p:nvPr>
+        </p:nvSpPr>
+        <p:spPr/>
+        <p:txBody>
+          <a:bodyPr/>
+          <a:lstStyle/>
+          <a:p>
+            <a:r>
+              <a:rPr lang="de-DE" dirty="0"/>
+              <a:t>Notwendigkeit von </a:t>
+            </a:r>
+            <a:r>
+              <a:rPr lang="de-DE" dirty="0" err="1"/>
+              <a:t>Requirements</a:t>
+            </a:r>
+            <a:r>
+              <a:rPr lang="de-DE" dirty="0"/>
+              <a:t> Engineering verstehen</a:t>
+            </a:r>
+          </a:p>
+          <a:p>
+            <a:endParaRPr lang="de-DE" dirty="0"/>
+          </a:p>
+          <a:p>
+            <a:r>
+              <a:rPr lang="de-DE" dirty="0"/>
+              <a:t>Typische Probleme bei der Anforderungsanalyse kennen</a:t>
+            </a:r>
+          </a:p>
+          <a:p>
+            <a:endParaRPr lang="de-DE" dirty="0"/>
+          </a:p>
+          <a:p>
+            <a:r>
+              <a:rPr lang="de-DE" dirty="0"/>
+              <a:t>Vorgehen für systematisches Finden von Anforderungen verstehen</a:t>
+            </a:r>
+          </a:p>
+          <a:p>
+            <a:endParaRPr lang="de-DE" dirty="0"/>
+          </a:p>
+          <a:p>
+            <a:r>
+              <a:rPr lang="de-DE" dirty="0"/>
+              <a:t>Anforderungen beschreiben können</a:t>
+            </a:r>
+          </a:p>
+          <a:p>
+            <a:endParaRPr lang="de-DE" dirty="0"/>
+          </a:p>
+        </p:txBody>
+      </p:sp>
+      <p:sp>
+        <p:nvSpPr>
+          <p:cNvPr id="4" name="Foliennummernplatzhalter 3"/>
+          <p:cNvSpPr>
+            <a:spLocks noGrp="1"/>
+          </p:cNvSpPr>
+          <p:nvPr>
+            <p:ph type="sldNum" sz="quarter" idx="12"/>
+          </p:nvPr>
+        </p:nvSpPr>
+        <p:spPr/>
+        <p:txBody>
+          <a:bodyPr/>
+          <a:lstStyle/>
+          <a:p>
+            <a:fld id="{6C6AE60A-B69C-4790-82F7-3882EDF23186}" type="slidenum">
+              <a:rPr lang="de-DE" smtClean="0"/>
+              <a:pPr/>
+              <a:t>50</a:t>
+            </a:fld>
+            <a:endParaRPr lang="de-DE"/>
+          </a:p>
+        </p:txBody>
+      </p:sp>
+      <p:sp>
+        <p:nvSpPr>
+          <p:cNvPr id="2" name="Titel 1"/>
+          <p:cNvSpPr>
+            <a:spLocks noGrp="1"/>
+          </p:cNvSpPr>
+          <p:nvPr>
+            <p:ph type="title"/>
+          </p:nvPr>
+        </p:nvSpPr>
+        <p:spPr/>
+        <p:txBody>
+          <a:bodyPr/>
+          <a:lstStyle/>
+          <a:p>
+            <a:r>
+              <a:rPr lang="de-DE" dirty="0"/>
+              <a:t>Zusammenfassung</a:t>
+            </a:r>
+          </a:p>
+        </p:txBody>
+      </p:sp>
+    </p:spTree>
   </p:cSld>
   <p:clrMapOvr>
     <a:masterClrMapping/>
@@ -33480,12 +32160,12 @@
       </p:grpSpPr>
       <p:sp>
         <p:nvSpPr>
-          <p:cNvPr id="6" name="Inhaltsplatzhalter 5"/>
+          <p:cNvPr id="2" name="Titel 1"/>
           <p:cNvSpPr>
             <a:spLocks noGrp="1"/>
           </p:cNvSpPr>
           <p:nvPr>
-            <p:ph idx="1"/>
+            <p:ph type="title"/>
           </p:nvPr>
         </p:nvSpPr>
         <p:spPr/>
@@ -33494,47 +32174,82 @@
           <a:lstStyle/>
           <a:p>
             <a:r>
-              <a:rPr lang="de-DE" dirty="0"/>
-              <a:t>Notwendigkeit von </a:t>
-            </a:r>
-            <a:r>
-              <a:rPr lang="de-DE" dirty="0" err="1"/>
-              <a:t>Requirements</a:t>
-            </a:r>
-            <a:r>
-              <a:rPr lang="de-DE" dirty="0"/>
-              <a:t> Engineering verstehen</a:t>
-            </a:r>
-          </a:p>
-          <a:p>
-            <a:endParaRPr lang="de-DE" dirty="0"/>
-          </a:p>
-          <a:p>
-            <a:r>
-              <a:rPr lang="de-DE" dirty="0"/>
-              <a:t>Typische Probleme bei der Anforderungsanalyse kennen</a:t>
-            </a:r>
-          </a:p>
-          <a:p>
-            <a:endParaRPr lang="de-DE" dirty="0"/>
-          </a:p>
-          <a:p>
-            <a:r>
-              <a:rPr lang="de-DE" dirty="0"/>
-              <a:t>Vorgehen für systematisches Finden von Anforderungen verstehen</a:t>
-            </a:r>
-          </a:p>
-          <a:p>
-            <a:endParaRPr lang="de-DE" dirty="0"/>
-          </a:p>
-          <a:p>
-            <a:r>
-              <a:rPr lang="de-DE" dirty="0"/>
-              <a:t>Anforderungen beschreiben können</a:t>
-            </a:r>
-          </a:p>
-          <a:p>
-            <a:endParaRPr lang="de-DE" dirty="0"/>
+              <a:rPr lang="en-US" dirty="0" err="1" smtClean="0"/>
+              <a:t>Mögliche</a:t>
+            </a:r>
+            <a:r>
+              <a:rPr lang="en-US" dirty="0" smtClean="0"/>
+              <a:t> </a:t>
+            </a:r>
+            <a:r>
+              <a:rPr lang="en-US" dirty="0" err="1" smtClean="0"/>
+              <a:t>Klausurfragen</a:t>
+            </a:r>
+            <a:endParaRPr lang="en-US" dirty="0"/>
+          </a:p>
+        </p:txBody>
+      </p:sp>
+      <p:sp>
+        <p:nvSpPr>
+          <p:cNvPr id="3" name="Inhaltsplatzhalter 2"/>
+          <p:cNvSpPr>
+            <a:spLocks noGrp="1"/>
+          </p:cNvSpPr>
+          <p:nvPr>
+            <p:ph idx="1"/>
+          </p:nvPr>
+        </p:nvSpPr>
+        <p:spPr/>
+        <p:txBody>
+          <a:bodyPr>
+            <a:normAutofit/>
+          </a:bodyPr>
+          <a:lstStyle/>
+          <a:p>
+            <a:r>
+              <a:rPr lang="en-US"/>
+              <a:t>Warum brauchen wir Requirements Engineering?</a:t>
+            </a:r>
+          </a:p>
+          <a:p>
+            <a:r>
+              <a:rPr lang="en-US"/>
+              <a:t>[Beschreibung von Anwendung X]</a:t>
+            </a:r>
+          </a:p>
+          <a:p>
+            <a:pPr lvl="1"/>
+            <a:r>
+              <a:rPr lang="en-US"/>
+              <a:t>Nennen Sie X Stakeholder. Erklären Sie Ihre Auswahl.</a:t>
+            </a:r>
+          </a:p>
+          <a:p>
+            <a:pPr lvl="1"/>
+            <a:r>
+              <a:rPr lang="en-US"/>
+              <a:t>Beschreiben Sie X Szenarien. Erklären Sie Ihre Auswahl.</a:t>
+            </a:r>
+          </a:p>
+          <a:p>
+            <a:pPr lvl="1"/>
+            <a:r>
+              <a:rPr lang="en-US"/>
+              <a:t>Nennen und beschreiben Sie X funktionale und X nicht-funktionale Eigenschaften. Erklären Sie Ihre Entscheidung.</a:t>
+            </a:r>
+          </a:p>
+          <a:p>
+            <a:pPr lvl="1"/>
+            <a:r>
+              <a:rPr lang="en-US"/>
+              <a:t>Sind Ihre Anforderungen gute Anforderungen? Warum?</a:t>
+            </a:r>
+          </a:p>
+          <a:p>
+            <a:r>
+              <a:rPr lang="en-US"/>
+              <a:t>Würden Sie den stakeholderbasierten oder szenariobasierten Ansatz zum systematischen Finden von Requirements empfehlen?</a:t>
+            </a:r>
           </a:p>
         </p:txBody>
       </p:sp>
@@ -33557,179 +32272,6 @@
               <a:rPr lang="de-DE" smtClean="0"/>
               <a:pPr/>
               <a:t>51</a:t>
-            </a:fld>
-            <a:endParaRPr lang="de-DE"/>
-          </a:p>
-        </p:txBody>
-      </p:sp>
-      <p:sp>
-        <p:nvSpPr>
-          <p:cNvPr id="2" name="Titel 1"/>
-          <p:cNvSpPr>
-            <a:spLocks noGrp="1"/>
-          </p:cNvSpPr>
-          <p:nvPr>
-            <p:ph type="title"/>
-          </p:nvPr>
-        </p:nvSpPr>
-        <p:spPr/>
-        <p:txBody>
-          <a:bodyPr/>
-          <a:lstStyle/>
-          <a:p>
-            <a:r>
-              <a:rPr lang="de-DE" dirty="0"/>
-              <a:t>Zusammenfassung</a:t>
-            </a:r>
-          </a:p>
-        </p:txBody>
-      </p:sp>
-    </p:spTree>
-  </p:cSld>
-  <p:clrMapOvr>
-    <a:masterClrMapping/>
-  </p:clrMapOvr>
-  <p:timing>
-    <p:tnLst>
-      <p:par>
-        <p:cTn id="1" dur="indefinite" restart="never" nodeType="tmRoot"/>
-      </p:par>
-    </p:tnLst>
-  </p:timing>
-</p:sld>
-</file>
-
-<file path=ppt/slides/slide52.xml><?xml version="1.0" encoding="utf-8"?>
-<p:sld xmlns:a="http://schemas.openxmlformats.org/drawingml/2006/main" xmlns:r="http://schemas.openxmlformats.org/officeDocument/2006/relationships" xmlns:p="http://schemas.openxmlformats.org/presentationml/2006/main">
-  <p:cSld>
-    <p:spTree>
-      <p:nvGrpSpPr>
-        <p:cNvPr id="1" name=""/>
-        <p:cNvGrpSpPr/>
-        <p:nvPr/>
-      </p:nvGrpSpPr>
-      <p:grpSpPr>
-        <a:xfrm>
-          <a:off x="0" y="0"/>
-          <a:ext cx="0" cy="0"/>
-          <a:chOff x="0" y="0"/>
-          <a:chExt cx="0" cy="0"/>
-        </a:xfrm>
-      </p:grpSpPr>
-      <p:sp>
-        <p:nvSpPr>
-          <p:cNvPr id="2" name="Titel 1"/>
-          <p:cNvSpPr>
-            <a:spLocks noGrp="1"/>
-          </p:cNvSpPr>
-          <p:nvPr>
-            <p:ph type="title"/>
-          </p:nvPr>
-        </p:nvSpPr>
-        <p:spPr/>
-        <p:txBody>
-          <a:bodyPr/>
-          <a:lstStyle/>
-          <a:p>
-            <a:r>
-              <a:rPr lang="en-US" dirty="0" err="1" smtClean="0"/>
-              <a:t>Mögliche</a:t>
-            </a:r>
-            <a:r>
-              <a:rPr lang="en-US" dirty="0" smtClean="0"/>
-              <a:t> </a:t>
-            </a:r>
-            <a:r>
-              <a:rPr lang="en-US" dirty="0" err="1" smtClean="0"/>
-              <a:t>Klausurfragen</a:t>
-            </a:r>
-            <a:endParaRPr lang="en-US" dirty="0"/>
-          </a:p>
-        </p:txBody>
-      </p:sp>
-      <p:sp>
-        <p:nvSpPr>
-          <p:cNvPr id="3" name="Inhaltsplatzhalter 2"/>
-          <p:cNvSpPr>
-            <a:spLocks noGrp="1"/>
-          </p:cNvSpPr>
-          <p:nvPr>
-            <p:ph idx="1"/>
-          </p:nvPr>
-        </p:nvSpPr>
-        <p:spPr/>
-        <p:txBody>
-          <a:bodyPr>
-            <a:normAutofit/>
-          </a:bodyPr>
-          <a:lstStyle/>
-          <a:p>
-            <a:r>
-              <a:rPr lang="en-US"/>
-              <a:t>Warum brauchen wir Requirements Engineering?</a:t>
-            </a:r>
-          </a:p>
-          <a:p>
-            <a:r>
-              <a:rPr lang="en-US"/>
-              <a:t>[Beschreibung von Anwendung X]</a:t>
-            </a:r>
-          </a:p>
-          <a:p>
-            <a:pPr lvl="1"/>
-            <a:r>
-              <a:rPr lang="en-US"/>
-              <a:t>Nennen Sie X Stakeholder. Erklären Sie Ihre Auswahl.</a:t>
-            </a:r>
-          </a:p>
-          <a:p>
-            <a:pPr lvl="1"/>
-            <a:r>
-              <a:rPr lang="en-US"/>
-              <a:t>Beschreiben Sie X Szenarien. Erklären Sie Ihre Auswahl.</a:t>
-            </a:r>
-          </a:p>
-          <a:p>
-            <a:pPr lvl="1"/>
-            <a:r>
-              <a:rPr lang="en-US"/>
-              <a:t>Nennen und beschreiben Sie X funktionale und X nicht-funktionale Eigenschaften. Erklären Sie Ihre Entscheidung.</a:t>
-            </a:r>
-          </a:p>
-          <a:p>
-            <a:pPr lvl="1"/>
-            <a:r>
-              <a:rPr lang="en-US"/>
-              <a:t>Sind Ihre Anforderungen gute Anforderungen? Warum?</a:t>
-            </a:r>
-          </a:p>
-          <a:p>
-            <a:r>
-              <a:rPr lang="en-US"/>
-              <a:t>Würden Sie den stakeholderbasierten oder szenariobasierten Ansatz zum systematischen Finden von Requirements empfehlen?</a:t>
-            </a:r>
-          </a:p>
-        </p:txBody>
-      </p:sp>
-      <p:sp>
-        <p:nvSpPr>
-          <p:cNvPr id="4" name="Foliennummernplatzhalter 3"/>
-          <p:cNvSpPr>
-            <a:spLocks noGrp="1"/>
-          </p:cNvSpPr>
-          <p:nvPr>
-            <p:ph type="sldNum" sz="quarter" idx="12"/>
-          </p:nvPr>
-        </p:nvSpPr>
-        <p:spPr/>
-        <p:txBody>
-          <a:bodyPr/>
-          <a:lstStyle/>
-          <a:p>
-            <a:fld id="{6C6AE60A-B69C-4790-82F7-3882EDF23186}" type="slidenum">
-              <a:rPr lang="de-DE" smtClean="0"/>
-              <a:pPr/>
-              <a:t>52</a:t>
             </a:fld>
             <a:endParaRPr lang="de-DE"/>
           </a:p>
@@ -34131,7 +32673,7 @@
 </p:sld>
 </file>
 
-<file path=ppt/slides/slide53.xml><?xml version="1.0" encoding="utf-8"?>
+<file path=ppt/slides/slide52.xml><?xml version="1.0" encoding="utf-8"?>
 <p:sld xmlns:a="http://schemas.openxmlformats.org/drawingml/2006/main" xmlns:r="http://schemas.openxmlformats.org/officeDocument/2006/relationships" xmlns:p="http://schemas.openxmlformats.org/presentationml/2006/main">
   <p:cSld>
     <p:spTree>
@@ -34216,7 +32758,7 @@
             <a:fld id="{6C6AE60A-B69C-4790-82F7-3882EDF23186}" type="slidenum">
               <a:rPr lang="de-DE" smtClean="0"/>
               <a:pPr/>
-              <a:t>53</a:t>
+              <a:t>52</a:t>
             </a:fld>
             <a:endParaRPr lang="de-DE"/>
           </a:p>
